--- a/manuscript/Figures/UND_EFF_Observed.pptx
+++ b/manuscript/Figures/UND_EFF_Observed.pptx
@@ -2,12 +2,12 @@
 <file path=ppt/presentation.xml><?xml version="1.0" encoding="utf-8"?>
 <p:presentation xmlns:a="http://schemas.openxmlformats.org/drawingml/2006/main" xmlns:r="http://schemas.openxmlformats.org/officeDocument/2006/relationships" xmlns:p="http://schemas.openxmlformats.org/presentationml/2006/main" saveSubsetFonts="1">
   <p:sldMasterIdLst>
-    <p:sldMasterId id="2147483708" r:id="rId1"/>
+    <p:sldMasterId id="2147483780" r:id="rId1"/>
   </p:sldMasterIdLst>
   <p:sldIdLst>
-    <p:sldId id="259" r:id="rId2"/>
+    <p:sldId id="260" r:id="rId2"/>
   </p:sldIdLst>
-  <p:sldSz cx="3276600" cy="2430463"/>
+  <p:sldSz cx="2411413" cy="2232025"/>
   <p:notesSz cx="6858000" cy="9144000"/>
   <p:defaultTextStyle>
     <a:defPPr>
@@ -107,12 +107,12 @@
   <p:extLst>
     <p:ext uri="{EFAFB233-063F-42B5-8137-9DF3F51BA10A}">
       <p15:sldGuideLst xmlns:p15="http://schemas.microsoft.com/office/powerpoint/2012/main">
-        <p15:guide id="1" orient="horz" pos="766" userDrawn="1">
+        <p15:guide id="1" orient="horz" pos="704" userDrawn="1">
           <p15:clr>
             <a:srgbClr val="A4A3A4"/>
           </p15:clr>
         </p15:guide>
-        <p15:guide id="2" pos="1033" userDrawn="1">
+        <p15:guide id="2" pos="761" userDrawn="1">
           <p15:clr>
             <a:srgbClr val="A4A3A4"/>
           </p15:clr>
@@ -123,325 +123,1757 @@
 </p:presentation>
 </file>
 
+<file path=ppt/revisionInfo.xml><?xml version="1.0" encoding="utf-8"?>
+<p1510:revInfo xmlns:a="http://schemas.openxmlformats.org/drawingml/2006/main" xmlns:r="http://schemas.openxmlformats.org/officeDocument/2006/relationships" xmlns:p1510="http://schemas.microsoft.com/office/powerpoint/2015/10/main">
+  <p1510:revLst>
+    <p1510:client id="{BA35B98B-1100-4073-9B78-73FD19002247}" v="15" dt="2021-01-22T13:58:28.810"/>
+  </p1510:revLst>
+</p1510:revInfo>
+</file>
+
 <file path=ppt/changesInfos/changesInfo1.xml><?xml version="1.0" encoding="utf-8"?>
 <pc:chgInfo xmlns:a="http://schemas.openxmlformats.org/drawingml/2006/main" xmlns:r="http://schemas.openxmlformats.org/officeDocument/2006/relationships" xmlns:ac="http://schemas.microsoft.com/office/drawing/2013/main/command" xmlns:pc="http://schemas.microsoft.com/office/powerpoint/2013/main/command">
   <pc:docChgLst>
-    <pc:chgData name="Fatima Pillosu" userId="a6295d4dc9e22643" providerId="LiveId" clId="{678137D1-6619-4015-8174-024A9D338BE0}"/>
-    <pc:docChg chg="modSld">
-      <pc:chgData name="Fatima Pillosu" userId="a6295d4dc9e22643" providerId="LiveId" clId="{678137D1-6619-4015-8174-024A9D338BE0}" dt="2020-12-03T11:52:38.070" v="31" actId="1076"/>
+    <pc:chgData name="Fatima Pillosu" userId="a6295d4dc9e22643" providerId="LiveId" clId="{BA35B98B-1100-4073-9B78-73FD19002247}"/>
+    <pc:docChg chg="undo custSel modSld">
+      <pc:chgData name="Fatima Pillosu" userId="a6295d4dc9e22643" providerId="LiveId" clId="{BA35B98B-1100-4073-9B78-73FD19002247}" dt="2021-01-22T13:58:34.195" v="272" actId="1037"/>
       <pc:docMkLst>
         <pc:docMk/>
       </pc:docMkLst>
-      <pc:sldChg chg="modSp">
-        <pc:chgData name="Fatima Pillosu" userId="a6295d4dc9e22643" providerId="LiveId" clId="{678137D1-6619-4015-8174-024A9D338BE0}" dt="2020-12-03T11:52:38.070" v="31" actId="1076"/>
-        <pc:sldMkLst>
-          <pc:docMk/>
-          <pc:sldMk cId="1084030898" sldId="259"/>
-        </pc:sldMkLst>
-        <pc:spChg chg="mod">
-          <ac:chgData name="Fatima Pillosu" userId="a6295d4dc9e22643" providerId="LiveId" clId="{678137D1-6619-4015-8174-024A9D338BE0}" dt="2020-12-03T11:50:46.466" v="10" actId="2711"/>
-          <ac:spMkLst>
-            <pc:docMk/>
-            <pc:sldMk cId="1084030898" sldId="259"/>
-            <ac:spMk id="117" creationId="{D1C31FDC-53F8-4E0A-BD1F-75754661FE84}"/>
-          </ac:spMkLst>
-        </pc:spChg>
-        <pc:spChg chg="mod">
-          <ac:chgData name="Fatima Pillosu" userId="a6295d4dc9e22643" providerId="LiveId" clId="{678137D1-6619-4015-8174-024A9D338BE0}" dt="2020-12-03T11:50:46.466" v="10" actId="2711"/>
-          <ac:spMkLst>
-            <pc:docMk/>
-            <pc:sldMk cId="1084030898" sldId="259"/>
-            <ac:spMk id="118" creationId="{D7EAF5BE-3802-4486-9696-E36FD0802E70}"/>
-          </ac:spMkLst>
-        </pc:spChg>
-        <pc:spChg chg="mod">
-          <ac:chgData name="Fatima Pillosu" userId="a6295d4dc9e22643" providerId="LiveId" clId="{678137D1-6619-4015-8174-024A9D338BE0}" dt="2020-12-03T11:52:38.070" v="31" actId="1076"/>
-          <ac:spMkLst>
-            <pc:docMk/>
-            <pc:sldMk cId="1084030898" sldId="259"/>
-            <ac:spMk id="121" creationId="{77D43699-6543-4F2F-B211-E711B179F19E}"/>
-          </ac:spMkLst>
-        </pc:spChg>
-        <pc:spChg chg="mod">
-          <ac:chgData name="Fatima Pillosu" userId="a6295d4dc9e22643" providerId="LiveId" clId="{678137D1-6619-4015-8174-024A9D338BE0}" dt="2020-12-03T11:52:19.457" v="29" actId="1076"/>
-          <ac:spMkLst>
-            <pc:docMk/>
-            <pc:sldMk cId="1084030898" sldId="259"/>
-            <ac:spMk id="122" creationId="{FC88BF95-950A-4784-99DA-2FF069E0EC95}"/>
-          </ac:spMkLst>
-        </pc:spChg>
-        <pc:spChg chg="mod">
-          <ac:chgData name="Fatima Pillosu" userId="a6295d4dc9e22643" providerId="LiveId" clId="{678137D1-6619-4015-8174-024A9D338BE0}" dt="2020-12-03T11:50:46.466" v="10" actId="2711"/>
-          <ac:spMkLst>
-            <pc:docMk/>
-            <pc:sldMk cId="1084030898" sldId="259"/>
-            <ac:spMk id="128" creationId="{E9D1C55F-474A-4F86-BD32-F566AF11B2E4}"/>
-          </ac:spMkLst>
-        </pc:spChg>
-        <pc:spChg chg="mod">
-          <ac:chgData name="Fatima Pillosu" userId="a6295d4dc9e22643" providerId="LiveId" clId="{678137D1-6619-4015-8174-024A9D338BE0}" dt="2020-12-03T11:50:46.466" v="10" actId="2711"/>
-          <ac:spMkLst>
-            <pc:docMk/>
-            <pc:sldMk cId="1084030898" sldId="259"/>
-            <ac:spMk id="130" creationId="{40DDE356-114C-4C18-8373-1D58F3D01A2D}"/>
-          </ac:spMkLst>
-        </pc:spChg>
-        <pc:spChg chg="mod">
-          <ac:chgData name="Fatima Pillosu" userId="a6295d4dc9e22643" providerId="LiveId" clId="{678137D1-6619-4015-8174-024A9D338BE0}" dt="2020-12-03T11:50:46.466" v="10" actId="2711"/>
-          <ac:spMkLst>
-            <pc:docMk/>
-            <pc:sldMk cId="1084030898" sldId="259"/>
-            <ac:spMk id="131" creationId="{01993258-2D42-4049-B8E5-B4676345BECD}"/>
-          </ac:spMkLst>
-        </pc:spChg>
-        <pc:spChg chg="mod">
-          <ac:chgData name="Fatima Pillosu" userId="a6295d4dc9e22643" providerId="LiveId" clId="{678137D1-6619-4015-8174-024A9D338BE0}" dt="2020-12-03T11:50:46.466" v="10" actId="2711"/>
-          <ac:spMkLst>
-            <pc:docMk/>
-            <pc:sldMk cId="1084030898" sldId="259"/>
-            <ac:spMk id="132" creationId="{09391332-6AFD-4497-9962-73BABE8C7493}"/>
-          </ac:spMkLst>
-        </pc:spChg>
-        <pc:spChg chg="mod">
-          <ac:chgData name="Fatima Pillosu" userId="a6295d4dc9e22643" providerId="LiveId" clId="{678137D1-6619-4015-8174-024A9D338BE0}" dt="2020-12-03T11:50:46.466" v="10" actId="2711"/>
-          <ac:spMkLst>
-            <pc:docMk/>
-            <pc:sldMk cId="1084030898" sldId="259"/>
-            <ac:spMk id="133" creationId="{6D7E80E1-D66E-45F3-8948-EDFDAB64E7FB}"/>
-          </ac:spMkLst>
-        </pc:spChg>
-        <pc:spChg chg="mod">
-          <ac:chgData name="Fatima Pillosu" userId="a6295d4dc9e22643" providerId="LiveId" clId="{678137D1-6619-4015-8174-024A9D338BE0}" dt="2020-12-03T11:50:46.466" v="10" actId="2711"/>
-          <ac:spMkLst>
-            <pc:docMk/>
-            <pc:sldMk cId="1084030898" sldId="259"/>
-            <ac:spMk id="134" creationId="{DA35C2FB-9256-4E91-8D07-E37F38CF4089}"/>
-          </ac:spMkLst>
-        </pc:spChg>
-        <pc:spChg chg="mod">
-          <ac:chgData name="Fatima Pillosu" userId="a6295d4dc9e22643" providerId="LiveId" clId="{678137D1-6619-4015-8174-024A9D338BE0}" dt="2020-12-03T11:50:46.466" v="10" actId="2711"/>
-          <ac:spMkLst>
-            <pc:docMk/>
-            <pc:sldMk cId="1084030898" sldId="259"/>
-            <ac:spMk id="136" creationId="{DD2344AC-16F0-452B-B21A-739B2EC85ECD}"/>
-          </ac:spMkLst>
-        </pc:spChg>
-        <pc:spChg chg="mod">
-          <ac:chgData name="Fatima Pillosu" userId="a6295d4dc9e22643" providerId="LiveId" clId="{678137D1-6619-4015-8174-024A9D338BE0}" dt="2020-12-03T11:50:46.466" v="10" actId="2711"/>
-          <ac:spMkLst>
-            <pc:docMk/>
-            <pc:sldMk cId="1084030898" sldId="259"/>
-            <ac:spMk id="137" creationId="{57E3D636-4F49-4F9A-B8DA-BE2E8FCAB48D}"/>
-          </ac:spMkLst>
-        </pc:spChg>
-        <pc:spChg chg="mod">
-          <ac:chgData name="Fatima Pillosu" userId="a6295d4dc9e22643" providerId="LiveId" clId="{678137D1-6619-4015-8174-024A9D338BE0}" dt="2020-12-03T11:50:46.466" v="10" actId="2711"/>
-          <ac:spMkLst>
-            <pc:docMk/>
-            <pc:sldMk cId="1084030898" sldId="259"/>
-            <ac:spMk id="138" creationId="{C686689D-00B3-4CD4-8EED-584D50ECC5DC}"/>
-          </ac:spMkLst>
-        </pc:spChg>
-        <pc:spChg chg="mod">
-          <ac:chgData name="Fatima Pillosu" userId="a6295d4dc9e22643" providerId="LiveId" clId="{678137D1-6619-4015-8174-024A9D338BE0}" dt="2020-12-03T11:50:46.466" v="10" actId="2711"/>
-          <ac:spMkLst>
-            <pc:docMk/>
-            <pc:sldMk cId="1084030898" sldId="259"/>
-            <ac:spMk id="139" creationId="{C45905E5-C1AD-46E6-81F6-D8CBA15ADC71}"/>
-          </ac:spMkLst>
-        </pc:spChg>
-        <pc:spChg chg="mod">
-          <ac:chgData name="Fatima Pillosu" userId="a6295d4dc9e22643" providerId="LiveId" clId="{678137D1-6619-4015-8174-024A9D338BE0}" dt="2020-12-03T11:50:46.466" v="10" actId="2711"/>
-          <ac:spMkLst>
-            <pc:docMk/>
-            <pc:sldMk cId="1084030898" sldId="259"/>
-            <ac:spMk id="141" creationId="{C8690B1B-7EB6-477F-8A08-9BB2F7F2C5A6}"/>
-          </ac:spMkLst>
-        </pc:spChg>
-        <pc:spChg chg="mod">
-          <ac:chgData name="Fatima Pillosu" userId="a6295d4dc9e22643" providerId="LiveId" clId="{678137D1-6619-4015-8174-024A9D338BE0}" dt="2020-12-03T11:50:46.466" v="10" actId="2711"/>
-          <ac:spMkLst>
-            <pc:docMk/>
-            <pc:sldMk cId="1084030898" sldId="259"/>
-            <ac:spMk id="143" creationId="{A9374C4D-6BDD-4CA1-BC53-08C2E7056D5D}"/>
-          </ac:spMkLst>
-        </pc:spChg>
-        <pc:spChg chg="mod">
-          <ac:chgData name="Fatima Pillosu" userId="a6295d4dc9e22643" providerId="LiveId" clId="{678137D1-6619-4015-8174-024A9D338BE0}" dt="2020-12-03T11:50:46.466" v="10" actId="2711"/>
-          <ac:spMkLst>
-            <pc:docMk/>
-            <pc:sldMk cId="1084030898" sldId="259"/>
-            <ac:spMk id="144" creationId="{519FF198-B9AD-457F-93BE-E6DD47B03BCE}"/>
-          </ac:spMkLst>
-        </pc:spChg>
-        <pc:spChg chg="mod">
-          <ac:chgData name="Fatima Pillosu" userId="a6295d4dc9e22643" providerId="LiveId" clId="{678137D1-6619-4015-8174-024A9D338BE0}" dt="2020-12-03T11:50:46.466" v="10" actId="2711"/>
-          <ac:spMkLst>
-            <pc:docMk/>
-            <pc:sldMk cId="1084030898" sldId="259"/>
-            <ac:spMk id="145" creationId="{CE4CDC11-0D92-4D7C-9AAE-9F58AFAF2C2E}"/>
-          </ac:spMkLst>
-        </pc:spChg>
-        <pc:spChg chg="mod">
-          <ac:chgData name="Fatima Pillosu" userId="a6295d4dc9e22643" providerId="LiveId" clId="{678137D1-6619-4015-8174-024A9D338BE0}" dt="2020-12-03T11:50:46.466" v="10" actId="2711"/>
-          <ac:spMkLst>
-            <pc:docMk/>
-            <pc:sldMk cId="1084030898" sldId="259"/>
-            <ac:spMk id="146" creationId="{51B8912C-76F7-4001-8A6F-963913AAF60B}"/>
-          </ac:spMkLst>
-        </pc:spChg>
-        <pc:spChg chg="mod">
-          <ac:chgData name="Fatima Pillosu" userId="a6295d4dc9e22643" providerId="LiveId" clId="{678137D1-6619-4015-8174-024A9D338BE0}" dt="2020-12-03T11:50:46.466" v="10" actId="2711"/>
-          <ac:spMkLst>
-            <pc:docMk/>
-            <pc:sldMk cId="1084030898" sldId="259"/>
-            <ac:spMk id="147" creationId="{6C40F420-1A80-43F7-8237-E469B4ECB1DE}"/>
-          </ac:spMkLst>
-        </pc:spChg>
-        <pc:spChg chg="mod">
-          <ac:chgData name="Fatima Pillosu" userId="a6295d4dc9e22643" providerId="LiveId" clId="{678137D1-6619-4015-8174-024A9D338BE0}" dt="2020-12-03T11:50:46.466" v="10" actId="2711"/>
-          <ac:spMkLst>
-            <pc:docMk/>
-            <pc:sldMk cId="1084030898" sldId="259"/>
-            <ac:spMk id="148" creationId="{476866D5-1329-411B-8E00-6054BCDBB4BE}"/>
-          </ac:spMkLst>
-        </pc:spChg>
-        <pc:spChg chg="mod">
-          <ac:chgData name="Fatima Pillosu" userId="a6295d4dc9e22643" providerId="LiveId" clId="{678137D1-6619-4015-8174-024A9D338BE0}" dt="2020-12-03T11:50:46.466" v="10" actId="2711"/>
-          <ac:spMkLst>
-            <pc:docMk/>
-            <pc:sldMk cId="1084030898" sldId="259"/>
-            <ac:spMk id="151" creationId="{15FADE80-A39C-4E9F-85C7-24A19456D068}"/>
-          </ac:spMkLst>
-        </pc:spChg>
-        <pc:spChg chg="mod">
-          <ac:chgData name="Fatima Pillosu" userId="a6295d4dc9e22643" providerId="LiveId" clId="{678137D1-6619-4015-8174-024A9D338BE0}" dt="2020-12-03T11:50:46.466" v="10" actId="2711"/>
-          <ac:spMkLst>
-            <pc:docMk/>
-            <pc:sldMk cId="1084030898" sldId="259"/>
-            <ac:spMk id="154" creationId="{B116ED5D-3418-478C-A80B-3C79FA5EA377}"/>
-          </ac:spMkLst>
-        </pc:spChg>
-        <pc:spChg chg="mod">
-          <ac:chgData name="Fatima Pillosu" userId="a6295d4dc9e22643" providerId="LiveId" clId="{678137D1-6619-4015-8174-024A9D338BE0}" dt="2020-12-03T11:50:46.466" v="10" actId="2711"/>
-          <ac:spMkLst>
-            <pc:docMk/>
-            <pc:sldMk cId="1084030898" sldId="259"/>
-            <ac:spMk id="155" creationId="{CE64A30D-C032-40AE-A77E-F0CC31E36A5E}"/>
-          </ac:spMkLst>
-        </pc:spChg>
-        <pc:spChg chg="mod">
-          <ac:chgData name="Fatima Pillosu" userId="a6295d4dc9e22643" providerId="LiveId" clId="{678137D1-6619-4015-8174-024A9D338BE0}" dt="2020-12-03T11:50:46.466" v="10" actId="2711"/>
-          <ac:spMkLst>
-            <pc:docMk/>
-            <pc:sldMk cId="1084030898" sldId="259"/>
-            <ac:spMk id="156" creationId="{A1953EBF-74B3-45CF-8FFB-F2311C2027A3}"/>
-          </ac:spMkLst>
-        </pc:spChg>
-        <pc:spChg chg="mod">
-          <ac:chgData name="Fatima Pillosu" userId="a6295d4dc9e22643" providerId="LiveId" clId="{678137D1-6619-4015-8174-024A9D338BE0}" dt="2020-12-03T11:50:46.466" v="10" actId="2711"/>
-          <ac:spMkLst>
-            <pc:docMk/>
-            <pc:sldMk cId="1084030898" sldId="259"/>
-            <ac:spMk id="157" creationId="{8B743732-842B-4E6A-9ABE-4D7766E04B16}"/>
-          </ac:spMkLst>
-        </pc:spChg>
-        <pc:spChg chg="mod">
-          <ac:chgData name="Fatima Pillosu" userId="a6295d4dc9e22643" providerId="LiveId" clId="{678137D1-6619-4015-8174-024A9D338BE0}" dt="2020-12-03T11:50:46.466" v="10" actId="2711"/>
-          <ac:spMkLst>
-            <pc:docMk/>
-            <pc:sldMk cId="1084030898" sldId="259"/>
-            <ac:spMk id="158" creationId="{B3B723C9-4F75-4C9D-A6B4-03B3C3059697}"/>
-          </ac:spMkLst>
-        </pc:spChg>
-        <pc:spChg chg="mod">
-          <ac:chgData name="Fatima Pillosu" userId="a6295d4dc9e22643" providerId="LiveId" clId="{678137D1-6619-4015-8174-024A9D338BE0}" dt="2020-12-03T11:50:46.466" v="10" actId="2711"/>
-          <ac:spMkLst>
-            <pc:docMk/>
-            <pc:sldMk cId="1084030898" sldId="259"/>
-            <ac:spMk id="160" creationId="{76F0BFA6-50E1-4DD5-9533-3196A2E398D5}"/>
-          </ac:spMkLst>
-        </pc:spChg>
-        <pc:spChg chg="mod">
-          <ac:chgData name="Fatima Pillosu" userId="a6295d4dc9e22643" providerId="LiveId" clId="{678137D1-6619-4015-8174-024A9D338BE0}" dt="2020-12-03T11:50:46.466" v="10" actId="2711"/>
-          <ac:spMkLst>
-            <pc:docMk/>
-            <pc:sldMk cId="1084030898" sldId="259"/>
-            <ac:spMk id="161" creationId="{4851B2E3-A735-458C-AD34-86837021656B}"/>
-          </ac:spMkLst>
-        </pc:spChg>
-        <pc:spChg chg="mod">
-          <ac:chgData name="Fatima Pillosu" userId="a6295d4dc9e22643" providerId="LiveId" clId="{678137D1-6619-4015-8174-024A9D338BE0}" dt="2020-12-03T11:50:46.466" v="10" actId="2711"/>
-          <ac:spMkLst>
-            <pc:docMk/>
-            <pc:sldMk cId="1084030898" sldId="259"/>
-            <ac:spMk id="162" creationId="{31FDEF19-37DD-4615-BCE2-9D54DFAC4CE5}"/>
-          </ac:spMkLst>
-        </pc:spChg>
-        <pc:spChg chg="mod">
-          <ac:chgData name="Fatima Pillosu" userId="a6295d4dc9e22643" providerId="LiveId" clId="{678137D1-6619-4015-8174-024A9D338BE0}" dt="2020-12-03T11:51:56.138" v="28" actId="1035"/>
-          <ac:spMkLst>
-            <pc:docMk/>
-            <pc:sldMk cId="1084030898" sldId="259"/>
-            <ac:spMk id="163" creationId="{6D4AA04D-1BA2-4E1B-8945-B0CC772F620A}"/>
-          </ac:spMkLst>
-        </pc:spChg>
-        <pc:spChg chg="mod">
-          <ac:chgData name="Fatima Pillosu" userId="a6295d4dc9e22643" providerId="LiveId" clId="{678137D1-6619-4015-8174-024A9D338BE0}" dt="2020-12-03T11:51:56.138" v="28" actId="1035"/>
-          <ac:spMkLst>
-            <pc:docMk/>
-            <pc:sldMk cId="1084030898" sldId="259"/>
-            <ac:spMk id="164" creationId="{65A8B8C1-8F38-411A-BDA0-ECC9FB534B81}"/>
-          </ac:spMkLst>
-        </pc:spChg>
-        <pc:spChg chg="mod">
-          <ac:chgData name="Fatima Pillosu" userId="a6295d4dc9e22643" providerId="LiveId" clId="{678137D1-6619-4015-8174-024A9D338BE0}" dt="2020-12-03T11:50:46.466" v="10" actId="2711"/>
-          <ac:spMkLst>
-            <pc:docMk/>
-            <pc:sldMk cId="1084030898" sldId="259"/>
-            <ac:spMk id="168" creationId="{E516D3E9-1341-430B-B1E7-5B2EA93074B2}"/>
-          </ac:spMkLst>
-        </pc:spChg>
-        <pc:cxnChg chg="mod">
-          <ac:chgData name="Fatima Pillosu" userId="a6295d4dc9e22643" providerId="LiveId" clId="{678137D1-6619-4015-8174-024A9D338BE0}" dt="2020-11-30T05:41:06.630" v="9" actId="1038"/>
-          <ac:cxnSpMkLst>
-            <pc:docMk/>
-            <pc:sldMk cId="1084030898" sldId="259"/>
-            <ac:cxnSpMk id="149" creationId="{0D7C4CEF-49CD-4693-B536-8214DE9B278B}"/>
-          </ac:cxnSpMkLst>
-        </pc:cxnChg>
-        <pc:cxnChg chg="mod">
-          <ac:chgData name="Fatima Pillosu" userId="a6295d4dc9e22643" providerId="LiveId" clId="{678137D1-6619-4015-8174-024A9D338BE0}" dt="2020-11-30T05:41:06.630" v="9" actId="1038"/>
-          <ac:cxnSpMkLst>
-            <pc:docMk/>
-            <pc:sldMk cId="1084030898" sldId="259"/>
-            <ac:cxnSpMk id="150" creationId="{E6968A13-247B-406E-A618-8B4828738B85}"/>
-          </ac:cxnSpMkLst>
-        </pc:cxnChg>
-        <pc:cxnChg chg="mod">
-          <ac:chgData name="Fatima Pillosu" userId="a6295d4dc9e22643" providerId="LiveId" clId="{678137D1-6619-4015-8174-024A9D338BE0}" dt="2020-12-03T11:51:47.665" v="12" actId="14100"/>
-          <ac:cxnSpMkLst>
-            <pc:docMk/>
-            <pc:sldMk cId="1084030898" sldId="259"/>
-            <ac:cxnSpMk id="165" creationId="{A1450339-08CB-40DF-87A0-CE03925BB3A1}"/>
-          </ac:cxnSpMkLst>
-        </pc:cxnChg>
-      </pc:sldChg>
-    </pc:docChg>
-  </pc:docChgLst>
-  <pc:docChgLst>
-    <pc:chgData name="Fatima Pillosu" userId="a6295d4dc9e22643" providerId="LiveId" clId="{3117CC99-A8D8-4417-AA48-A79BC152B569}"/>
-    <pc:docChg chg="delSld">
-      <pc:chgData name="Fatima Pillosu" userId="a6295d4dc9e22643" providerId="LiveId" clId="{3117CC99-A8D8-4417-AA48-A79BC152B569}" dt="2020-11-30T04:55:56.631" v="0" actId="2696"/>
-      <pc:docMkLst>
-        <pc:docMk/>
-      </pc:docMkLst>
-      <pc:sldChg chg="del">
-        <pc:chgData name="Fatima Pillosu" userId="a6295d4dc9e22643" providerId="LiveId" clId="{3117CC99-A8D8-4417-AA48-A79BC152B569}" dt="2020-11-30T04:55:56.631" v="0" actId="2696"/>
+      <pc:sldChg chg="addSp delSp modSp mod">
+        <pc:chgData name="Fatima Pillosu" userId="a6295d4dc9e22643" providerId="LiveId" clId="{BA35B98B-1100-4073-9B78-73FD19002247}" dt="2021-01-22T13:58:34.195" v="272" actId="1037"/>
         <pc:sldMkLst>
           <pc:docMk/>
           <pc:sldMk cId="142998642" sldId="260"/>
         </pc:sldMkLst>
+        <pc:spChg chg="add del mod">
+          <ac:chgData name="Fatima Pillosu" userId="a6295d4dc9e22643" providerId="LiveId" clId="{BA35B98B-1100-4073-9B78-73FD19002247}" dt="2021-01-22T13:49:32.210" v="19" actId="21"/>
+          <ac:spMkLst>
+            <pc:docMk/>
+            <pc:sldMk cId="142998642" sldId="260"/>
+            <ac:spMk id="40" creationId="{70AF8970-1EAF-449B-BD20-1544854142A5}"/>
+          </ac:spMkLst>
+        </pc:spChg>
+        <pc:spChg chg="del">
+          <ac:chgData name="Fatima Pillosu" userId="a6295d4dc9e22643" providerId="LiveId" clId="{BA35B98B-1100-4073-9B78-73FD19002247}" dt="2021-01-22T13:49:32.210" v="19" actId="21"/>
+          <ac:spMkLst>
+            <pc:docMk/>
+            <pc:sldMk cId="142998642" sldId="260"/>
+            <ac:spMk id="42" creationId="{2C85EB1A-CD51-4420-8240-2CDF8690A81B}"/>
+          </ac:spMkLst>
+        </pc:spChg>
+        <pc:spChg chg="del">
+          <ac:chgData name="Fatima Pillosu" userId="a6295d4dc9e22643" providerId="LiveId" clId="{BA35B98B-1100-4073-9B78-73FD19002247}" dt="2021-01-22T13:49:32.210" v="19" actId="21"/>
+          <ac:spMkLst>
+            <pc:docMk/>
+            <pc:sldMk cId="142998642" sldId="260"/>
+            <ac:spMk id="45" creationId="{830011B4-BD32-47C1-B497-EC8EC87F0CA1}"/>
+          </ac:spMkLst>
+        </pc:spChg>
+        <pc:spChg chg="del">
+          <ac:chgData name="Fatima Pillosu" userId="a6295d4dc9e22643" providerId="LiveId" clId="{BA35B98B-1100-4073-9B78-73FD19002247}" dt="2021-01-22T13:49:32.210" v="19" actId="21"/>
+          <ac:spMkLst>
+            <pc:docMk/>
+            <pc:sldMk cId="142998642" sldId="260"/>
+            <ac:spMk id="46" creationId="{C9DB6318-537B-4253-8998-AC8172ECA053}"/>
+          </ac:spMkLst>
+        </pc:spChg>
+        <pc:spChg chg="del">
+          <ac:chgData name="Fatima Pillosu" userId="a6295d4dc9e22643" providerId="LiveId" clId="{BA35B98B-1100-4073-9B78-73FD19002247}" dt="2021-01-22T13:49:32.210" v="19" actId="21"/>
+          <ac:spMkLst>
+            <pc:docMk/>
+            <pc:sldMk cId="142998642" sldId="260"/>
+            <ac:spMk id="52" creationId="{06BB4D3D-71E9-45B5-BEE9-518AF42AFE34}"/>
+          </ac:spMkLst>
+        </pc:spChg>
+        <pc:spChg chg="add del mod">
+          <ac:chgData name="Fatima Pillosu" userId="a6295d4dc9e22643" providerId="LiveId" clId="{BA35B98B-1100-4073-9B78-73FD19002247}" dt="2021-01-22T13:49:32.210" v="19" actId="21"/>
+          <ac:spMkLst>
+            <pc:docMk/>
+            <pc:sldMk cId="142998642" sldId="260"/>
+            <ac:spMk id="54" creationId="{C4A344FD-CFB1-48DF-B098-9696AFAFFEE1}"/>
+          </ac:spMkLst>
+        </pc:spChg>
+        <pc:spChg chg="del">
+          <ac:chgData name="Fatima Pillosu" userId="a6295d4dc9e22643" providerId="LiveId" clId="{BA35B98B-1100-4073-9B78-73FD19002247}" dt="2021-01-22T13:49:32.210" v="19" actId="21"/>
+          <ac:spMkLst>
+            <pc:docMk/>
+            <pc:sldMk cId="142998642" sldId="260"/>
+            <ac:spMk id="55" creationId="{7FBC755E-E9A0-47E2-97BD-59F204952363}"/>
+          </ac:spMkLst>
+        </pc:spChg>
+        <pc:spChg chg="add del mod">
+          <ac:chgData name="Fatima Pillosu" userId="a6295d4dc9e22643" providerId="LiveId" clId="{BA35B98B-1100-4073-9B78-73FD19002247}" dt="2021-01-22T13:49:32.210" v="19" actId="21"/>
+          <ac:spMkLst>
+            <pc:docMk/>
+            <pc:sldMk cId="142998642" sldId="260"/>
+            <ac:spMk id="56" creationId="{E3E45832-69E9-4088-A630-21E54602AC6B}"/>
+          </ac:spMkLst>
+        </pc:spChg>
+        <pc:spChg chg="add del mod">
+          <ac:chgData name="Fatima Pillosu" userId="a6295d4dc9e22643" providerId="LiveId" clId="{BA35B98B-1100-4073-9B78-73FD19002247}" dt="2021-01-22T13:49:32.210" v="19" actId="21"/>
+          <ac:spMkLst>
+            <pc:docMk/>
+            <pc:sldMk cId="142998642" sldId="260"/>
+            <ac:spMk id="57" creationId="{96F32A3F-11D1-49EF-A280-BA90FC2E547A}"/>
+          </ac:spMkLst>
+        </pc:spChg>
+        <pc:spChg chg="add del mod">
+          <ac:chgData name="Fatima Pillosu" userId="a6295d4dc9e22643" providerId="LiveId" clId="{BA35B98B-1100-4073-9B78-73FD19002247}" dt="2021-01-22T13:49:32.210" v="19" actId="21"/>
+          <ac:spMkLst>
+            <pc:docMk/>
+            <pc:sldMk cId="142998642" sldId="260"/>
+            <ac:spMk id="58" creationId="{1043143B-21C9-48A3-AE03-0A4FF015EBC1}"/>
+          </ac:spMkLst>
+        </pc:spChg>
+        <pc:spChg chg="add del mod">
+          <ac:chgData name="Fatima Pillosu" userId="a6295d4dc9e22643" providerId="LiveId" clId="{BA35B98B-1100-4073-9B78-73FD19002247}" dt="2021-01-22T13:49:32.210" v="19" actId="21"/>
+          <ac:spMkLst>
+            <pc:docMk/>
+            <pc:sldMk cId="142998642" sldId="260"/>
+            <ac:spMk id="59" creationId="{8B93934E-E8E2-4AE4-86AE-5E58E7AE2463}"/>
+          </ac:spMkLst>
+        </pc:spChg>
+        <pc:spChg chg="add del mod">
+          <ac:chgData name="Fatima Pillosu" userId="a6295d4dc9e22643" providerId="LiveId" clId="{BA35B98B-1100-4073-9B78-73FD19002247}" dt="2021-01-22T13:52:07.402" v="90" actId="21"/>
+          <ac:spMkLst>
+            <pc:docMk/>
+            <pc:sldMk cId="142998642" sldId="260"/>
+            <ac:spMk id="61" creationId="{A65237CA-7422-4779-9BCD-4D8088A6BB3A}"/>
+          </ac:spMkLst>
+        </pc:spChg>
+        <pc:spChg chg="add del mod">
+          <ac:chgData name="Fatima Pillosu" userId="a6295d4dc9e22643" providerId="LiveId" clId="{BA35B98B-1100-4073-9B78-73FD19002247}" dt="2021-01-22T13:52:07.402" v="90" actId="21"/>
+          <ac:spMkLst>
+            <pc:docMk/>
+            <pc:sldMk cId="142998642" sldId="260"/>
+            <ac:spMk id="64" creationId="{266DD435-4062-415D-88C2-FF02B02952FF}"/>
+          </ac:spMkLst>
+        </pc:spChg>
+        <pc:spChg chg="add del mod">
+          <ac:chgData name="Fatima Pillosu" userId="a6295d4dc9e22643" providerId="LiveId" clId="{BA35B98B-1100-4073-9B78-73FD19002247}" dt="2021-01-22T13:52:07.402" v="90" actId="21"/>
+          <ac:spMkLst>
+            <pc:docMk/>
+            <pc:sldMk cId="142998642" sldId="260"/>
+            <ac:spMk id="65" creationId="{F2449B95-B57C-43C1-8887-D423D9587610}"/>
+          </ac:spMkLst>
+        </pc:spChg>
+        <pc:spChg chg="add del mod">
+          <ac:chgData name="Fatima Pillosu" userId="a6295d4dc9e22643" providerId="LiveId" clId="{BA35B98B-1100-4073-9B78-73FD19002247}" dt="2021-01-22T13:52:07.402" v="90" actId="21"/>
+          <ac:spMkLst>
+            <pc:docMk/>
+            <pc:sldMk cId="142998642" sldId="260"/>
+            <ac:spMk id="71" creationId="{6F7F649B-CB31-43F9-8E11-1DB2904C6920}"/>
+          </ac:spMkLst>
+        </pc:spChg>
+        <pc:spChg chg="add del mod">
+          <ac:chgData name="Fatima Pillosu" userId="a6295d4dc9e22643" providerId="LiveId" clId="{BA35B98B-1100-4073-9B78-73FD19002247}" dt="2021-01-22T13:52:07.402" v="90" actId="21"/>
+          <ac:spMkLst>
+            <pc:docMk/>
+            <pc:sldMk cId="142998642" sldId="260"/>
+            <ac:spMk id="73" creationId="{5FC41383-028D-4A41-9BC9-F2E785A38F40}"/>
+          </ac:spMkLst>
+        </pc:spChg>
+        <pc:spChg chg="add del mod">
+          <ac:chgData name="Fatima Pillosu" userId="a6295d4dc9e22643" providerId="LiveId" clId="{BA35B98B-1100-4073-9B78-73FD19002247}" dt="2021-01-22T13:52:07.402" v="90" actId="21"/>
+          <ac:spMkLst>
+            <pc:docMk/>
+            <pc:sldMk cId="142998642" sldId="260"/>
+            <ac:spMk id="74" creationId="{40668A57-CA63-4B16-8CB9-EE805D6E5ED3}"/>
+          </ac:spMkLst>
+        </pc:spChg>
+        <pc:spChg chg="add del mod">
+          <ac:chgData name="Fatima Pillosu" userId="a6295d4dc9e22643" providerId="LiveId" clId="{BA35B98B-1100-4073-9B78-73FD19002247}" dt="2021-01-22T13:52:07.402" v="90" actId="21"/>
+          <ac:spMkLst>
+            <pc:docMk/>
+            <pc:sldMk cId="142998642" sldId="260"/>
+            <ac:spMk id="75" creationId="{4AEA69F0-DAAD-4435-A24A-69508505EC39}"/>
+          </ac:spMkLst>
+        </pc:spChg>
+        <pc:spChg chg="add del mod">
+          <ac:chgData name="Fatima Pillosu" userId="a6295d4dc9e22643" providerId="LiveId" clId="{BA35B98B-1100-4073-9B78-73FD19002247}" dt="2021-01-22T13:52:07.402" v="90" actId="21"/>
+          <ac:spMkLst>
+            <pc:docMk/>
+            <pc:sldMk cId="142998642" sldId="260"/>
+            <ac:spMk id="76" creationId="{34CE1EAD-74E6-42D4-A17E-9709CEB2A3C5}"/>
+          </ac:spMkLst>
+        </pc:spChg>
+        <pc:spChg chg="add del mod">
+          <ac:chgData name="Fatima Pillosu" userId="a6295d4dc9e22643" providerId="LiveId" clId="{BA35B98B-1100-4073-9B78-73FD19002247}" dt="2021-01-22T13:52:07.402" v="90" actId="21"/>
+          <ac:spMkLst>
+            <pc:docMk/>
+            <pc:sldMk cId="142998642" sldId="260"/>
+            <ac:spMk id="77" creationId="{9A80426F-067C-457F-AA6E-A8DCCB1B7FF3}"/>
+          </ac:spMkLst>
+        </pc:spChg>
+        <pc:spChg chg="add del mod">
+          <ac:chgData name="Fatima Pillosu" userId="a6295d4dc9e22643" providerId="LiveId" clId="{BA35B98B-1100-4073-9B78-73FD19002247}" dt="2021-01-22T13:52:07.402" v="90" actId="21"/>
+          <ac:spMkLst>
+            <pc:docMk/>
+            <pc:sldMk cId="142998642" sldId="260"/>
+            <ac:spMk id="79" creationId="{C7217610-C6C4-4D47-A2A6-8061A55FA30C}"/>
+          </ac:spMkLst>
+        </pc:spChg>
+        <pc:spChg chg="add del mod">
+          <ac:chgData name="Fatima Pillosu" userId="a6295d4dc9e22643" providerId="LiveId" clId="{BA35B98B-1100-4073-9B78-73FD19002247}" dt="2021-01-22T13:52:07.402" v="90" actId="21"/>
+          <ac:spMkLst>
+            <pc:docMk/>
+            <pc:sldMk cId="142998642" sldId="260"/>
+            <ac:spMk id="80" creationId="{15DBD3B0-37A6-4908-8D60-AB72B6ECD739}"/>
+          </ac:spMkLst>
+        </pc:spChg>
+        <pc:spChg chg="add del mod">
+          <ac:chgData name="Fatima Pillosu" userId="a6295d4dc9e22643" providerId="LiveId" clId="{BA35B98B-1100-4073-9B78-73FD19002247}" dt="2021-01-22T13:52:07.402" v="90" actId="21"/>
+          <ac:spMkLst>
+            <pc:docMk/>
+            <pc:sldMk cId="142998642" sldId="260"/>
+            <ac:spMk id="81" creationId="{E0229460-FAE1-443E-B9DD-C45BA444B53F}"/>
+          </ac:spMkLst>
+        </pc:spChg>
+        <pc:spChg chg="add del mod">
+          <ac:chgData name="Fatima Pillosu" userId="a6295d4dc9e22643" providerId="LiveId" clId="{BA35B98B-1100-4073-9B78-73FD19002247}" dt="2021-01-22T13:52:07.402" v="90" actId="21"/>
+          <ac:spMkLst>
+            <pc:docMk/>
+            <pc:sldMk cId="142998642" sldId="260"/>
+            <ac:spMk id="82" creationId="{CC5BBDB0-D1F2-4608-9249-377769B8756F}"/>
+          </ac:spMkLst>
+        </pc:spChg>
+        <pc:spChg chg="add del mod">
+          <ac:chgData name="Fatima Pillosu" userId="a6295d4dc9e22643" providerId="LiveId" clId="{BA35B98B-1100-4073-9B78-73FD19002247}" dt="2021-01-22T13:52:07.402" v="90" actId="21"/>
+          <ac:spMkLst>
+            <pc:docMk/>
+            <pc:sldMk cId="142998642" sldId="260"/>
+            <ac:spMk id="83" creationId="{CB355112-0D85-4112-B3D0-6DFD6911C907}"/>
+          </ac:spMkLst>
+        </pc:spChg>
+        <pc:spChg chg="add del mod">
+          <ac:chgData name="Fatima Pillosu" userId="a6295d4dc9e22643" providerId="LiveId" clId="{BA35B98B-1100-4073-9B78-73FD19002247}" dt="2021-01-22T13:52:07.402" v="90" actId="21"/>
+          <ac:spMkLst>
+            <pc:docMk/>
+            <pc:sldMk cId="142998642" sldId="260"/>
+            <ac:spMk id="84" creationId="{234C0F53-A109-42BF-9D20-6C901781DCC4}"/>
+          </ac:spMkLst>
+        </pc:spChg>
+        <pc:spChg chg="add del mod">
+          <ac:chgData name="Fatima Pillosu" userId="a6295d4dc9e22643" providerId="LiveId" clId="{BA35B98B-1100-4073-9B78-73FD19002247}" dt="2021-01-22T13:51:28.334" v="56" actId="478"/>
+          <ac:spMkLst>
+            <pc:docMk/>
+            <pc:sldMk cId="142998642" sldId="260"/>
+            <ac:spMk id="85" creationId="{DEE6D9B4-0FEF-43CA-B514-7D182FEB2CC5}"/>
+          </ac:spMkLst>
+        </pc:spChg>
+        <pc:spChg chg="add del mod">
+          <ac:chgData name="Fatima Pillosu" userId="a6295d4dc9e22643" providerId="LiveId" clId="{BA35B98B-1100-4073-9B78-73FD19002247}" dt="2021-01-22T13:52:07.402" v="90" actId="21"/>
+          <ac:spMkLst>
+            <pc:docMk/>
+            <pc:sldMk cId="142998642" sldId="260"/>
+            <ac:spMk id="86" creationId="{59D4AF1A-663C-4C19-9435-D929F307D997}"/>
+          </ac:spMkLst>
+        </pc:spChg>
+        <pc:spChg chg="add del mod">
+          <ac:chgData name="Fatima Pillosu" userId="a6295d4dc9e22643" providerId="LiveId" clId="{BA35B98B-1100-4073-9B78-73FD19002247}" dt="2021-01-22T13:52:07.402" v="90" actId="21"/>
+          <ac:spMkLst>
+            <pc:docMk/>
+            <pc:sldMk cId="142998642" sldId="260"/>
+            <ac:spMk id="87" creationId="{1CD39135-3B63-47D8-A627-82F6E1FCB94D}"/>
+          </ac:spMkLst>
+        </pc:spChg>
+        <pc:spChg chg="add del mod">
+          <ac:chgData name="Fatima Pillosu" userId="a6295d4dc9e22643" providerId="LiveId" clId="{BA35B98B-1100-4073-9B78-73FD19002247}" dt="2021-01-22T13:52:07.402" v="90" actId="21"/>
+          <ac:spMkLst>
+            <pc:docMk/>
+            <pc:sldMk cId="142998642" sldId="260"/>
+            <ac:spMk id="90" creationId="{CF923004-21AB-4163-B86D-D1E031DA8EFD}"/>
+          </ac:spMkLst>
+        </pc:spChg>
+        <pc:spChg chg="del">
+          <ac:chgData name="Fatima Pillosu" userId="a6295d4dc9e22643" providerId="LiveId" clId="{BA35B98B-1100-4073-9B78-73FD19002247}" dt="2021-01-22T13:49:32.210" v="19" actId="21"/>
+          <ac:spMkLst>
+            <pc:docMk/>
+            <pc:sldMk cId="142998642" sldId="260"/>
+            <ac:spMk id="92" creationId="{E70DC808-AA69-407C-B676-C4B0EDE28696}"/>
+          </ac:spMkLst>
+        </pc:spChg>
+        <pc:spChg chg="del">
+          <ac:chgData name="Fatima Pillosu" userId="a6295d4dc9e22643" providerId="LiveId" clId="{BA35B98B-1100-4073-9B78-73FD19002247}" dt="2021-01-22T13:49:32.210" v="19" actId="21"/>
+          <ac:spMkLst>
+            <pc:docMk/>
+            <pc:sldMk cId="142998642" sldId="260"/>
+            <ac:spMk id="93" creationId="{01C9E1E6-A38C-4B34-AE13-E5B8596141FE}"/>
+          </ac:spMkLst>
+        </pc:spChg>
+        <pc:spChg chg="del">
+          <ac:chgData name="Fatima Pillosu" userId="a6295d4dc9e22643" providerId="LiveId" clId="{BA35B98B-1100-4073-9B78-73FD19002247}" dt="2021-01-22T13:49:32.210" v="19" actId="21"/>
+          <ac:spMkLst>
+            <pc:docMk/>
+            <pc:sldMk cId="142998642" sldId="260"/>
+            <ac:spMk id="94" creationId="{D1B140EA-BFD8-4534-9648-274E7D78D3D4}"/>
+          </ac:spMkLst>
+        </pc:spChg>
+        <pc:spChg chg="del">
+          <ac:chgData name="Fatima Pillosu" userId="a6295d4dc9e22643" providerId="LiveId" clId="{BA35B98B-1100-4073-9B78-73FD19002247}" dt="2021-01-22T13:49:32.210" v="19" actId="21"/>
+          <ac:spMkLst>
+            <pc:docMk/>
+            <pc:sldMk cId="142998642" sldId="260"/>
+            <ac:spMk id="95" creationId="{F0ECD497-6814-49C2-9AA9-B65EA9027F32}"/>
+          </ac:spMkLst>
+        </pc:spChg>
+        <pc:spChg chg="del">
+          <ac:chgData name="Fatima Pillosu" userId="a6295d4dc9e22643" providerId="LiveId" clId="{BA35B98B-1100-4073-9B78-73FD19002247}" dt="2021-01-22T13:49:32.210" v="19" actId="21"/>
+          <ac:spMkLst>
+            <pc:docMk/>
+            <pc:sldMk cId="142998642" sldId="260"/>
+            <ac:spMk id="97" creationId="{FF23FD7C-1D70-4595-96CF-5382469A2F3C}"/>
+          </ac:spMkLst>
+        </pc:spChg>
+        <pc:spChg chg="del">
+          <ac:chgData name="Fatima Pillosu" userId="a6295d4dc9e22643" providerId="LiveId" clId="{BA35B98B-1100-4073-9B78-73FD19002247}" dt="2021-01-22T13:49:32.210" v="19" actId="21"/>
+          <ac:spMkLst>
+            <pc:docMk/>
+            <pc:sldMk cId="142998642" sldId="260"/>
+            <ac:spMk id="98" creationId="{553FB0A7-85E5-43D3-9792-8901FA8118C6}"/>
+          </ac:spMkLst>
+        </pc:spChg>
+        <pc:spChg chg="del">
+          <ac:chgData name="Fatima Pillosu" userId="a6295d4dc9e22643" providerId="LiveId" clId="{BA35B98B-1100-4073-9B78-73FD19002247}" dt="2021-01-22T13:49:32.210" v="19" actId="21"/>
+          <ac:spMkLst>
+            <pc:docMk/>
+            <pc:sldMk cId="142998642" sldId="260"/>
+            <ac:spMk id="99" creationId="{A2A93E6D-B1B1-42C6-AEE2-A63FA81D703A}"/>
+          </ac:spMkLst>
+        </pc:spChg>
+        <pc:spChg chg="del">
+          <ac:chgData name="Fatima Pillosu" userId="a6295d4dc9e22643" providerId="LiveId" clId="{BA35B98B-1100-4073-9B78-73FD19002247}" dt="2021-01-22T13:49:32.210" v="19" actId="21"/>
+          <ac:spMkLst>
+            <pc:docMk/>
+            <pc:sldMk cId="142998642" sldId="260"/>
+            <ac:spMk id="100" creationId="{33045C71-5992-48B1-AEDA-5F86BFBC177D}"/>
+          </ac:spMkLst>
+        </pc:spChg>
+        <pc:spChg chg="del">
+          <ac:chgData name="Fatima Pillosu" userId="a6295d4dc9e22643" providerId="LiveId" clId="{BA35B98B-1100-4073-9B78-73FD19002247}" dt="2021-01-22T13:49:32.210" v="19" actId="21"/>
+          <ac:spMkLst>
+            <pc:docMk/>
+            <pc:sldMk cId="142998642" sldId="260"/>
+            <ac:spMk id="101" creationId="{0567E51F-2482-4806-9B7F-22EC823DFCB5}"/>
+          </ac:spMkLst>
+        </pc:spChg>
+        <pc:spChg chg="del">
+          <ac:chgData name="Fatima Pillosu" userId="a6295d4dc9e22643" providerId="LiveId" clId="{BA35B98B-1100-4073-9B78-73FD19002247}" dt="2021-01-22T13:49:32.210" v="19" actId="21"/>
+          <ac:spMkLst>
+            <pc:docMk/>
+            <pc:sldMk cId="142998642" sldId="260"/>
+            <ac:spMk id="102" creationId="{248A944F-07EF-4592-9761-A9CEF9410400}"/>
+          </ac:spMkLst>
+        </pc:spChg>
+        <pc:spChg chg="del">
+          <ac:chgData name="Fatima Pillosu" userId="a6295d4dc9e22643" providerId="LiveId" clId="{BA35B98B-1100-4073-9B78-73FD19002247}" dt="2021-01-22T13:49:32.210" v="19" actId="21"/>
+          <ac:spMkLst>
+            <pc:docMk/>
+            <pc:sldMk cId="142998642" sldId="260"/>
+            <ac:spMk id="103" creationId="{74600B43-8FAE-4294-A0A8-978B986C4B55}"/>
+          </ac:spMkLst>
+        </pc:spChg>
+        <pc:spChg chg="del">
+          <ac:chgData name="Fatima Pillosu" userId="a6295d4dc9e22643" providerId="LiveId" clId="{BA35B98B-1100-4073-9B78-73FD19002247}" dt="2021-01-22T13:49:32.210" v="19" actId="21"/>
+          <ac:spMkLst>
+            <pc:docMk/>
+            <pc:sldMk cId="142998642" sldId="260"/>
+            <ac:spMk id="104" creationId="{17D12B1E-4BDA-418C-AA6B-E1A86A192593}"/>
+          </ac:spMkLst>
+        </pc:spChg>
+        <pc:spChg chg="del">
+          <ac:chgData name="Fatima Pillosu" userId="a6295d4dc9e22643" providerId="LiveId" clId="{BA35B98B-1100-4073-9B78-73FD19002247}" dt="2021-01-22T13:49:32.210" v="19" actId="21"/>
+          <ac:spMkLst>
+            <pc:docMk/>
+            <pc:sldMk cId="142998642" sldId="260"/>
+            <ac:spMk id="105" creationId="{6B39BB09-6C48-480B-82C0-D3647BB69256}"/>
+          </ac:spMkLst>
+        </pc:spChg>
+        <pc:spChg chg="del">
+          <ac:chgData name="Fatima Pillosu" userId="a6295d4dc9e22643" providerId="LiveId" clId="{BA35B98B-1100-4073-9B78-73FD19002247}" dt="2021-01-22T13:49:32.210" v="19" actId="21"/>
+          <ac:spMkLst>
+            <pc:docMk/>
+            <pc:sldMk cId="142998642" sldId="260"/>
+            <ac:spMk id="108" creationId="{0A4D2B2C-B74E-45EF-91FF-6A8D1C40E009}"/>
+          </ac:spMkLst>
+        </pc:spChg>
+        <pc:spChg chg="del">
+          <ac:chgData name="Fatima Pillosu" userId="a6295d4dc9e22643" providerId="LiveId" clId="{BA35B98B-1100-4073-9B78-73FD19002247}" dt="2021-01-22T13:49:32.210" v="19" actId="21"/>
+          <ac:spMkLst>
+            <pc:docMk/>
+            <pc:sldMk cId="142998642" sldId="260"/>
+            <ac:spMk id="114" creationId="{8CC5A3D6-D6C1-46B7-A94C-AD69694A76CB}"/>
+          </ac:spMkLst>
+        </pc:spChg>
+        <pc:spChg chg="add del mod">
+          <ac:chgData name="Fatima Pillosu" userId="a6295d4dc9e22643" providerId="LiveId" clId="{BA35B98B-1100-4073-9B78-73FD19002247}" dt="2021-01-22T13:51:29.813" v="57" actId="478"/>
+          <ac:spMkLst>
+            <pc:docMk/>
+            <pc:sldMk cId="142998642" sldId="260"/>
+            <ac:spMk id="117" creationId="{A742E9F6-EC30-4C5A-AAD3-816D5E08014E}"/>
+          </ac:spMkLst>
+        </pc:spChg>
+        <pc:spChg chg="add del mod">
+          <ac:chgData name="Fatima Pillosu" userId="a6295d4dc9e22643" providerId="LiveId" clId="{BA35B98B-1100-4073-9B78-73FD19002247}" dt="2021-01-22T13:52:07.402" v="90" actId="21"/>
+          <ac:spMkLst>
+            <pc:docMk/>
+            <pc:sldMk cId="142998642" sldId="260"/>
+            <ac:spMk id="119" creationId="{0AEC6779-5F8C-41F5-9C92-4D5569B1D821}"/>
+          </ac:spMkLst>
+        </pc:spChg>
+        <pc:spChg chg="add del mod">
+          <ac:chgData name="Fatima Pillosu" userId="a6295d4dc9e22643" providerId="LiveId" clId="{BA35B98B-1100-4073-9B78-73FD19002247}" dt="2021-01-22T13:52:07.402" v="90" actId="21"/>
+          <ac:spMkLst>
+            <pc:docMk/>
+            <pc:sldMk cId="142998642" sldId="260"/>
+            <ac:spMk id="121" creationId="{B160B05C-1A86-49A5-BBEC-C4E0F68409F9}"/>
+          </ac:spMkLst>
+        </pc:spChg>
+        <pc:spChg chg="add del mod">
+          <ac:chgData name="Fatima Pillosu" userId="a6295d4dc9e22643" providerId="LiveId" clId="{BA35B98B-1100-4073-9B78-73FD19002247}" dt="2021-01-22T13:52:07.402" v="90" actId="21"/>
+          <ac:spMkLst>
+            <pc:docMk/>
+            <pc:sldMk cId="142998642" sldId="260"/>
+            <ac:spMk id="122" creationId="{7A7C7DCA-0161-4272-B2BF-2BB38FA81F2D}"/>
+          </ac:spMkLst>
+        </pc:spChg>
+        <pc:spChg chg="add del mod">
+          <ac:chgData name="Fatima Pillosu" userId="a6295d4dc9e22643" providerId="LiveId" clId="{BA35B98B-1100-4073-9B78-73FD19002247}" dt="2021-01-22T13:52:07.402" v="90" actId="21"/>
+          <ac:spMkLst>
+            <pc:docMk/>
+            <pc:sldMk cId="142998642" sldId="260"/>
+            <ac:spMk id="123" creationId="{88868835-7F20-4251-9578-600BEF5D92A9}"/>
+          </ac:spMkLst>
+        </pc:spChg>
+        <pc:spChg chg="add del mod">
+          <ac:chgData name="Fatima Pillosu" userId="a6295d4dc9e22643" providerId="LiveId" clId="{BA35B98B-1100-4073-9B78-73FD19002247}" dt="2021-01-22T13:52:07.402" v="90" actId="21"/>
+          <ac:spMkLst>
+            <pc:docMk/>
+            <pc:sldMk cId="142998642" sldId="260"/>
+            <ac:spMk id="124" creationId="{7E626D4A-1A73-488B-9ED6-5B34D7A1F312}"/>
+          </ac:spMkLst>
+        </pc:spChg>
+        <pc:spChg chg="add del mod">
+          <ac:chgData name="Fatima Pillosu" userId="a6295d4dc9e22643" providerId="LiveId" clId="{BA35B98B-1100-4073-9B78-73FD19002247}" dt="2021-01-22T13:52:07.402" v="90" actId="21"/>
+          <ac:spMkLst>
+            <pc:docMk/>
+            <pc:sldMk cId="142998642" sldId="260"/>
+            <ac:spMk id="125" creationId="{3F5EC49F-30CB-40DF-9EA4-73BC84F8B110}"/>
+          </ac:spMkLst>
+        </pc:spChg>
+        <pc:spChg chg="add del mod">
+          <ac:chgData name="Fatima Pillosu" userId="a6295d4dc9e22643" providerId="LiveId" clId="{BA35B98B-1100-4073-9B78-73FD19002247}" dt="2021-01-22T13:57:52.528" v="248" actId="21"/>
+          <ac:spMkLst>
+            <pc:docMk/>
+            <pc:sldMk cId="142998642" sldId="260"/>
+            <ac:spMk id="127" creationId="{C9FC68E8-8769-45C2-AA3C-E123654DB3C3}"/>
+          </ac:spMkLst>
+        </pc:spChg>
+        <pc:spChg chg="add del mod">
+          <ac:chgData name="Fatima Pillosu" userId="a6295d4dc9e22643" providerId="LiveId" clId="{BA35B98B-1100-4073-9B78-73FD19002247}" dt="2021-01-22T13:57:52.528" v="248" actId="21"/>
+          <ac:spMkLst>
+            <pc:docMk/>
+            <pc:sldMk cId="142998642" sldId="260"/>
+            <ac:spMk id="130" creationId="{AAF1D226-886A-4874-A906-83ACE2276FF0}"/>
+          </ac:spMkLst>
+        </pc:spChg>
+        <pc:spChg chg="add del mod">
+          <ac:chgData name="Fatima Pillosu" userId="a6295d4dc9e22643" providerId="LiveId" clId="{BA35B98B-1100-4073-9B78-73FD19002247}" dt="2021-01-22T13:57:52.528" v="248" actId="21"/>
+          <ac:spMkLst>
+            <pc:docMk/>
+            <pc:sldMk cId="142998642" sldId="260"/>
+            <ac:spMk id="131" creationId="{EAF10E35-E3E7-4510-A87A-0BEF7C6B4766}"/>
+          </ac:spMkLst>
+        </pc:spChg>
+        <pc:spChg chg="add del mod">
+          <ac:chgData name="Fatima Pillosu" userId="a6295d4dc9e22643" providerId="LiveId" clId="{BA35B98B-1100-4073-9B78-73FD19002247}" dt="2021-01-22T13:57:52.528" v="248" actId="21"/>
+          <ac:spMkLst>
+            <pc:docMk/>
+            <pc:sldMk cId="142998642" sldId="260"/>
+            <ac:spMk id="137" creationId="{3AD9B1DB-F1D7-469B-B0C4-663E74271E20}"/>
+          </ac:spMkLst>
+        </pc:spChg>
+        <pc:spChg chg="add del mod">
+          <ac:chgData name="Fatima Pillosu" userId="a6295d4dc9e22643" providerId="LiveId" clId="{BA35B98B-1100-4073-9B78-73FD19002247}" dt="2021-01-22T13:57:52.528" v="248" actId="21"/>
+          <ac:spMkLst>
+            <pc:docMk/>
+            <pc:sldMk cId="142998642" sldId="260"/>
+            <ac:spMk id="139" creationId="{0A90B6C8-124E-48ED-8C95-E5693AEAC749}"/>
+          </ac:spMkLst>
+        </pc:spChg>
+        <pc:spChg chg="add del mod">
+          <ac:chgData name="Fatima Pillosu" userId="a6295d4dc9e22643" providerId="LiveId" clId="{BA35B98B-1100-4073-9B78-73FD19002247}" dt="2021-01-22T13:57:52.528" v="248" actId="21"/>
+          <ac:spMkLst>
+            <pc:docMk/>
+            <pc:sldMk cId="142998642" sldId="260"/>
+            <ac:spMk id="140" creationId="{2D04522B-DC08-45CF-93E1-CBEC47C18701}"/>
+          </ac:spMkLst>
+        </pc:spChg>
+        <pc:spChg chg="add del mod">
+          <ac:chgData name="Fatima Pillosu" userId="a6295d4dc9e22643" providerId="LiveId" clId="{BA35B98B-1100-4073-9B78-73FD19002247}" dt="2021-01-22T13:57:52.528" v="248" actId="21"/>
+          <ac:spMkLst>
+            <pc:docMk/>
+            <pc:sldMk cId="142998642" sldId="260"/>
+            <ac:spMk id="141" creationId="{F17D46C4-4410-4284-BBE2-47116B90CA49}"/>
+          </ac:spMkLst>
+        </pc:spChg>
+        <pc:spChg chg="add del mod">
+          <ac:chgData name="Fatima Pillosu" userId="a6295d4dc9e22643" providerId="LiveId" clId="{BA35B98B-1100-4073-9B78-73FD19002247}" dt="2021-01-22T13:57:52.528" v="248" actId="21"/>
+          <ac:spMkLst>
+            <pc:docMk/>
+            <pc:sldMk cId="142998642" sldId="260"/>
+            <ac:spMk id="142" creationId="{4BE29270-2591-4178-9BCC-42CB6F5D0903}"/>
+          </ac:spMkLst>
+        </pc:spChg>
+        <pc:spChg chg="add del mod">
+          <ac:chgData name="Fatima Pillosu" userId="a6295d4dc9e22643" providerId="LiveId" clId="{BA35B98B-1100-4073-9B78-73FD19002247}" dt="2021-01-22T13:57:52.528" v="248" actId="21"/>
+          <ac:spMkLst>
+            <pc:docMk/>
+            <pc:sldMk cId="142998642" sldId="260"/>
+            <ac:spMk id="143" creationId="{7FD6ADE2-1C3A-49D8-A24D-CD7D5FBAF7C4}"/>
+          </ac:spMkLst>
+        </pc:spChg>
+        <pc:spChg chg="add del mod">
+          <ac:chgData name="Fatima Pillosu" userId="a6295d4dc9e22643" providerId="LiveId" clId="{BA35B98B-1100-4073-9B78-73FD19002247}" dt="2021-01-22T13:57:52.528" v="248" actId="21"/>
+          <ac:spMkLst>
+            <pc:docMk/>
+            <pc:sldMk cId="142998642" sldId="260"/>
+            <ac:spMk id="145" creationId="{4949FE3D-BFAF-4F89-A2DC-1F9B26F5CDA9}"/>
+          </ac:spMkLst>
+        </pc:spChg>
+        <pc:spChg chg="add del mod">
+          <ac:chgData name="Fatima Pillosu" userId="a6295d4dc9e22643" providerId="LiveId" clId="{BA35B98B-1100-4073-9B78-73FD19002247}" dt="2021-01-22T13:57:52.528" v="248" actId="21"/>
+          <ac:spMkLst>
+            <pc:docMk/>
+            <pc:sldMk cId="142998642" sldId="260"/>
+            <ac:spMk id="146" creationId="{BADF5B2A-CA1F-4D50-BADC-A4B3A225ACE8}"/>
+          </ac:spMkLst>
+        </pc:spChg>
+        <pc:spChg chg="add del mod">
+          <ac:chgData name="Fatima Pillosu" userId="a6295d4dc9e22643" providerId="LiveId" clId="{BA35B98B-1100-4073-9B78-73FD19002247}" dt="2021-01-22T13:57:52.528" v="248" actId="21"/>
+          <ac:spMkLst>
+            <pc:docMk/>
+            <pc:sldMk cId="142998642" sldId="260"/>
+            <ac:spMk id="147" creationId="{E5CF3A3C-F99F-458D-8820-01A9D8002D15}"/>
+          </ac:spMkLst>
+        </pc:spChg>
+        <pc:spChg chg="add del mod">
+          <ac:chgData name="Fatima Pillosu" userId="a6295d4dc9e22643" providerId="LiveId" clId="{BA35B98B-1100-4073-9B78-73FD19002247}" dt="2021-01-22T13:57:52.528" v="248" actId="21"/>
+          <ac:spMkLst>
+            <pc:docMk/>
+            <pc:sldMk cId="142998642" sldId="260"/>
+            <ac:spMk id="148" creationId="{9F374661-14C8-4074-9F51-49BF3F97C769}"/>
+          </ac:spMkLst>
+        </pc:spChg>
+        <pc:spChg chg="add del mod">
+          <ac:chgData name="Fatima Pillosu" userId="a6295d4dc9e22643" providerId="LiveId" clId="{BA35B98B-1100-4073-9B78-73FD19002247}" dt="2021-01-22T13:57:52.528" v="248" actId="21"/>
+          <ac:spMkLst>
+            <pc:docMk/>
+            <pc:sldMk cId="142998642" sldId="260"/>
+            <ac:spMk id="149" creationId="{0964179C-6E39-4F6A-93C5-F00627EB9CD4}"/>
+          </ac:spMkLst>
+        </pc:spChg>
+        <pc:spChg chg="add del mod">
+          <ac:chgData name="Fatima Pillosu" userId="a6295d4dc9e22643" providerId="LiveId" clId="{BA35B98B-1100-4073-9B78-73FD19002247}" dt="2021-01-22T13:57:52.528" v="248" actId="21"/>
+          <ac:spMkLst>
+            <pc:docMk/>
+            <pc:sldMk cId="142998642" sldId="260"/>
+            <ac:spMk id="150" creationId="{AAA91F36-1476-4EBF-9AE7-257CF7CC348B}"/>
+          </ac:spMkLst>
+        </pc:spChg>
+        <pc:spChg chg="add del mod">
+          <ac:chgData name="Fatima Pillosu" userId="a6295d4dc9e22643" providerId="LiveId" clId="{BA35B98B-1100-4073-9B78-73FD19002247}" dt="2021-01-22T13:57:52.528" v="248" actId="21"/>
+          <ac:spMkLst>
+            <pc:docMk/>
+            <pc:sldMk cId="142998642" sldId="260"/>
+            <ac:spMk id="151" creationId="{377B086F-023C-41C1-B537-C910CB61ABE3}"/>
+          </ac:spMkLst>
+        </pc:spChg>
+        <pc:spChg chg="add del mod">
+          <ac:chgData name="Fatima Pillosu" userId="a6295d4dc9e22643" providerId="LiveId" clId="{BA35B98B-1100-4073-9B78-73FD19002247}" dt="2021-01-22T13:57:52.528" v="248" actId="21"/>
+          <ac:spMkLst>
+            <pc:docMk/>
+            <pc:sldMk cId="142998642" sldId="260"/>
+            <ac:spMk id="152" creationId="{B69FA71D-6989-4BB5-AA81-B736C909FB92}"/>
+          </ac:spMkLst>
+        </pc:spChg>
+        <pc:spChg chg="add del mod">
+          <ac:chgData name="Fatima Pillosu" userId="a6295d4dc9e22643" providerId="LiveId" clId="{BA35B98B-1100-4073-9B78-73FD19002247}" dt="2021-01-22T13:57:52.528" v="248" actId="21"/>
+          <ac:spMkLst>
+            <pc:docMk/>
+            <pc:sldMk cId="142998642" sldId="260"/>
+            <ac:spMk id="155" creationId="{A1A6463D-4FA0-4986-8A5C-D403526E9F21}"/>
+          </ac:spMkLst>
+        </pc:spChg>
+        <pc:spChg chg="add del mod">
+          <ac:chgData name="Fatima Pillosu" userId="a6295d4dc9e22643" providerId="LiveId" clId="{BA35B98B-1100-4073-9B78-73FD19002247}" dt="2021-01-22T13:57:52.528" v="248" actId="21"/>
+          <ac:spMkLst>
+            <pc:docMk/>
+            <pc:sldMk cId="142998642" sldId="260"/>
+            <ac:spMk id="157" creationId="{63EEB10C-A14F-4C90-AD44-C10F390363D7}"/>
+          </ac:spMkLst>
+        </pc:spChg>
+        <pc:spChg chg="add del mod">
+          <ac:chgData name="Fatima Pillosu" userId="a6295d4dc9e22643" providerId="LiveId" clId="{BA35B98B-1100-4073-9B78-73FD19002247}" dt="2021-01-22T13:57:52.528" v="248" actId="21"/>
+          <ac:spMkLst>
+            <pc:docMk/>
+            <pc:sldMk cId="142998642" sldId="260"/>
+            <ac:spMk id="159" creationId="{778383F5-3513-42CA-BDEA-D7668FD2D973}"/>
+          </ac:spMkLst>
+        </pc:spChg>
+        <pc:spChg chg="add del mod">
+          <ac:chgData name="Fatima Pillosu" userId="a6295d4dc9e22643" providerId="LiveId" clId="{BA35B98B-1100-4073-9B78-73FD19002247}" dt="2021-01-22T13:57:52.528" v="248" actId="21"/>
+          <ac:spMkLst>
+            <pc:docMk/>
+            <pc:sldMk cId="142998642" sldId="260"/>
+            <ac:spMk id="160" creationId="{39759712-4858-4892-907C-7DAE69ABF253}"/>
+          </ac:spMkLst>
+        </pc:spChg>
+        <pc:spChg chg="add del mod">
+          <ac:chgData name="Fatima Pillosu" userId="a6295d4dc9e22643" providerId="LiveId" clId="{BA35B98B-1100-4073-9B78-73FD19002247}" dt="2021-01-22T13:57:52.528" v="248" actId="21"/>
+          <ac:spMkLst>
+            <pc:docMk/>
+            <pc:sldMk cId="142998642" sldId="260"/>
+            <ac:spMk id="161" creationId="{1B742C97-694D-4A51-A9A5-E07501D22E84}"/>
+          </ac:spMkLst>
+        </pc:spChg>
+        <pc:spChg chg="add del mod">
+          <ac:chgData name="Fatima Pillosu" userId="a6295d4dc9e22643" providerId="LiveId" clId="{BA35B98B-1100-4073-9B78-73FD19002247}" dt="2021-01-22T13:57:52.528" v="248" actId="21"/>
+          <ac:spMkLst>
+            <pc:docMk/>
+            <pc:sldMk cId="142998642" sldId="260"/>
+            <ac:spMk id="162" creationId="{2C0279D3-C543-4158-94F5-5F4512689264}"/>
+          </ac:spMkLst>
+        </pc:spChg>
+        <pc:spChg chg="add del mod">
+          <ac:chgData name="Fatima Pillosu" userId="a6295d4dc9e22643" providerId="LiveId" clId="{BA35B98B-1100-4073-9B78-73FD19002247}" dt="2021-01-22T13:57:52.528" v="248" actId="21"/>
+          <ac:spMkLst>
+            <pc:docMk/>
+            <pc:sldMk cId="142998642" sldId="260"/>
+            <ac:spMk id="163" creationId="{895BD507-6351-4073-9C04-E11A4EB76FBE}"/>
+          </ac:spMkLst>
+        </pc:spChg>
+        <pc:spChg chg="add del mod">
+          <ac:chgData name="Fatima Pillosu" userId="a6295d4dc9e22643" providerId="LiveId" clId="{BA35B98B-1100-4073-9B78-73FD19002247}" dt="2021-01-22T13:57:52.528" v="248" actId="21"/>
+          <ac:spMkLst>
+            <pc:docMk/>
+            <pc:sldMk cId="142998642" sldId="260"/>
+            <ac:spMk id="166" creationId="{586A0AE6-71DA-457F-AF0E-D21526E97C56}"/>
+          </ac:spMkLst>
+        </pc:spChg>
+        <pc:spChg chg="add del mod">
+          <ac:chgData name="Fatima Pillosu" userId="a6295d4dc9e22643" providerId="LiveId" clId="{BA35B98B-1100-4073-9B78-73FD19002247}" dt="2021-01-22T13:57:52.528" v="248" actId="21"/>
+          <ac:spMkLst>
+            <pc:docMk/>
+            <pc:sldMk cId="142998642" sldId="260"/>
+            <ac:spMk id="167" creationId="{0C7269F0-EE61-49B2-BCDC-3740D9EAF8E8}"/>
+          </ac:spMkLst>
+        </pc:spChg>
+        <pc:spChg chg="add del mod">
+          <ac:chgData name="Fatima Pillosu" userId="a6295d4dc9e22643" providerId="LiveId" clId="{BA35B98B-1100-4073-9B78-73FD19002247}" dt="2021-01-22T13:57:52.528" v="248" actId="21"/>
+          <ac:spMkLst>
+            <pc:docMk/>
+            <pc:sldMk cId="142998642" sldId="260"/>
+            <ac:spMk id="168" creationId="{7BBC9A75-DBBB-406C-9C49-28D5E9D03AD4}"/>
+          </ac:spMkLst>
+        </pc:spChg>
+        <pc:spChg chg="add del mod">
+          <ac:chgData name="Fatima Pillosu" userId="a6295d4dc9e22643" providerId="LiveId" clId="{BA35B98B-1100-4073-9B78-73FD19002247}" dt="2021-01-22T13:57:52.528" v="248" actId="21"/>
+          <ac:spMkLst>
+            <pc:docMk/>
+            <pc:sldMk cId="142998642" sldId="260"/>
+            <ac:spMk id="169" creationId="{70B89DFB-2C6E-4D23-ACA5-73C420622AC4}"/>
+          </ac:spMkLst>
+        </pc:spChg>
+        <pc:spChg chg="add del mod">
+          <ac:chgData name="Fatima Pillosu" userId="a6295d4dc9e22643" providerId="LiveId" clId="{BA35B98B-1100-4073-9B78-73FD19002247}" dt="2021-01-22T13:58:19.372" v="265" actId="21"/>
+          <ac:spMkLst>
+            <pc:docMk/>
+            <pc:sldMk cId="142998642" sldId="260"/>
+            <ac:spMk id="171" creationId="{0201A6ED-CBA0-4684-8AC1-44D0E0D1DA47}"/>
+          </ac:spMkLst>
+        </pc:spChg>
+        <pc:spChg chg="add del mod">
+          <ac:chgData name="Fatima Pillosu" userId="a6295d4dc9e22643" providerId="LiveId" clId="{BA35B98B-1100-4073-9B78-73FD19002247}" dt="2021-01-22T13:58:19.372" v="265" actId="21"/>
+          <ac:spMkLst>
+            <pc:docMk/>
+            <pc:sldMk cId="142998642" sldId="260"/>
+            <ac:spMk id="174" creationId="{A7F883D8-9FC7-402F-9C45-292953B040AA}"/>
+          </ac:spMkLst>
+        </pc:spChg>
+        <pc:spChg chg="add del mod">
+          <ac:chgData name="Fatima Pillosu" userId="a6295d4dc9e22643" providerId="LiveId" clId="{BA35B98B-1100-4073-9B78-73FD19002247}" dt="2021-01-22T13:58:19.372" v="265" actId="21"/>
+          <ac:spMkLst>
+            <pc:docMk/>
+            <pc:sldMk cId="142998642" sldId="260"/>
+            <ac:spMk id="175" creationId="{A4830A68-85CC-4859-958E-007543969A92}"/>
+          </ac:spMkLst>
+        </pc:spChg>
+        <pc:spChg chg="add del mod">
+          <ac:chgData name="Fatima Pillosu" userId="a6295d4dc9e22643" providerId="LiveId" clId="{BA35B98B-1100-4073-9B78-73FD19002247}" dt="2021-01-22T13:58:19.372" v="265" actId="21"/>
+          <ac:spMkLst>
+            <pc:docMk/>
+            <pc:sldMk cId="142998642" sldId="260"/>
+            <ac:spMk id="181" creationId="{B531C95D-16FE-405C-B002-A203AB046EB1}"/>
+          </ac:spMkLst>
+        </pc:spChg>
+        <pc:spChg chg="add del mod">
+          <ac:chgData name="Fatima Pillosu" userId="a6295d4dc9e22643" providerId="LiveId" clId="{BA35B98B-1100-4073-9B78-73FD19002247}" dt="2021-01-22T13:58:19.372" v="265" actId="21"/>
+          <ac:spMkLst>
+            <pc:docMk/>
+            <pc:sldMk cId="142998642" sldId="260"/>
+            <ac:spMk id="183" creationId="{5D4236A7-F9D9-4620-951C-6E219C007E8C}"/>
+          </ac:spMkLst>
+        </pc:spChg>
+        <pc:spChg chg="add del mod">
+          <ac:chgData name="Fatima Pillosu" userId="a6295d4dc9e22643" providerId="LiveId" clId="{BA35B98B-1100-4073-9B78-73FD19002247}" dt="2021-01-22T13:58:19.372" v="265" actId="21"/>
+          <ac:spMkLst>
+            <pc:docMk/>
+            <pc:sldMk cId="142998642" sldId="260"/>
+            <ac:spMk id="184" creationId="{4E5A3396-DCFF-4BAB-96D4-780EBA818F13}"/>
+          </ac:spMkLst>
+        </pc:spChg>
+        <pc:spChg chg="add del mod">
+          <ac:chgData name="Fatima Pillosu" userId="a6295d4dc9e22643" providerId="LiveId" clId="{BA35B98B-1100-4073-9B78-73FD19002247}" dt="2021-01-22T13:58:19.372" v="265" actId="21"/>
+          <ac:spMkLst>
+            <pc:docMk/>
+            <pc:sldMk cId="142998642" sldId="260"/>
+            <ac:spMk id="185" creationId="{71977AA8-675A-44B8-AE5E-4D4300D80C16}"/>
+          </ac:spMkLst>
+        </pc:spChg>
+        <pc:spChg chg="add del mod">
+          <ac:chgData name="Fatima Pillosu" userId="a6295d4dc9e22643" providerId="LiveId" clId="{BA35B98B-1100-4073-9B78-73FD19002247}" dt="2021-01-22T13:58:19.372" v="265" actId="21"/>
+          <ac:spMkLst>
+            <pc:docMk/>
+            <pc:sldMk cId="142998642" sldId="260"/>
+            <ac:spMk id="186" creationId="{A139AACA-D642-4E22-A0BF-6C394929586B}"/>
+          </ac:spMkLst>
+        </pc:spChg>
+        <pc:spChg chg="add del mod">
+          <ac:chgData name="Fatima Pillosu" userId="a6295d4dc9e22643" providerId="LiveId" clId="{BA35B98B-1100-4073-9B78-73FD19002247}" dt="2021-01-22T13:58:19.372" v="265" actId="21"/>
+          <ac:spMkLst>
+            <pc:docMk/>
+            <pc:sldMk cId="142998642" sldId="260"/>
+            <ac:spMk id="187" creationId="{6F82F761-1B4D-4CCD-93BE-77FEAFE26B7C}"/>
+          </ac:spMkLst>
+        </pc:spChg>
+        <pc:spChg chg="add del mod">
+          <ac:chgData name="Fatima Pillosu" userId="a6295d4dc9e22643" providerId="LiveId" clId="{BA35B98B-1100-4073-9B78-73FD19002247}" dt="2021-01-22T13:58:19.372" v="265" actId="21"/>
+          <ac:spMkLst>
+            <pc:docMk/>
+            <pc:sldMk cId="142998642" sldId="260"/>
+            <ac:spMk id="189" creationId="{9D4C1379-9315-4019-94C6-9BAACA7F5F81}"/>
+          </ac:spMkLst>
+        </pc:spChg>
+        <pc:spChg chg="add del mod">
+          <ac:chgData name="Fatima Pillosu" userId="a6295d4dc9e22643" providerId="LiveId" clId="{BA35B98B-1100-4073-9B78-73FD19002247}" dt="2021-01-22T13:58:19.372" v="265" actId="21"/>
+          <ac:spMkLst>
+            <pc:docMk/>
+            <pc:sldMk cId="142998642" sldId="260"/>
+            <ac:spMk id="190" creationId="{12EA7B26-5D00-47D1-A5BD-AD62B0A3F9BF}"/>
+          </ac:spMkLst>
+        </pc:spChg>
+        <pc:spChg chg="add del mod">
+          <ac:chgData name="Fatima Pillosu" userId="a6295d4dc9e22643" providerId="LiveId" clId="{BA35B98B-1100-4073-9B78-73FD19002247}" dt="2021-01-22T13:58:19.372" v="265" actId="21"/>
+          <ac:spMkLst>
+            <pc:docMk/>
+            <pc:sldMk cId="142998642" sldId="260"/>
+            <ac:spMk id="191" creationId="{939BE8B7-23F3-41D5-BA3B-9276B2DEBB7D}"/>
+          </ac:spMkLst>
+        </pc:spChg>
+        <pc:spChg chg="add del mod">
+          <ac:chgData name="Fatima Pillosu" userId="a6295d4dc9e22643" providerId="LiveId" clId="{BA35B98B-1100-4073-9B78-73FD19002247}" dt="2021-01-22T13:58:19.372" v="265" actId="21"/>
+          <ac:spMkLst>
+            <pc:docMk/>
+            <pc:sldMk cId="142998642" sldId="260"/>
+            <ac:spMk id="192" creationId="{A1556903-033A-47B8-B9E2-24089B77D716}"/>
+          </ac:spMkLst>
+        </pc:spChg>
+        <pc:spChg chg="add del mod">
+          <ac:chgData name="Fatima Pillosu" userId="a6295d4dc9e22643" providerId="LiveId" clId="{BA35B98B-1100-4073-9B78-73FD19002247}" dt="2021-01-22T13:58:19.372" v="265" actId="21"/>
+          <ac:spMkLst>
+            <pc:docMk/>
+            <pc:sldMk cId="142998642" sldId="260"/>
+            <ac:spMk id="193" creationId="{80A121E7-17CF-472E-9CA5-45647C5091F6}"/>
+          </ac:spMkLst>
+        </pc:spChg>
+        <pc:spChg chg="add del mod">
+          <ac:chgData name="Fatima Pillosu" userId="a6295d4dc9e22643" providerId="LiveId" clId="{BA35B98B-1100-4073-9B78-73FD19002247}" dt="2021-01-22T13:58:19.372" v="265" actId="21"/>
+          <ac:spMkLst>
+            <pc:docMk/>
+            <pc:sldMk cId="142998642" sldId="260"/>
+            <ac:spMk id="194" creationId="{C6ABBB25-3D32-4373-A543-1EC2BB1DB90E}"/>
+          </ac:spMkLst>
+        </pc:spChg>
+        <pc:spChg chg="add del mod">
+          <ac:chgData name="Fatima Pillosu" userId="a6295d4dc9e22643" providerId="LiveId" clId="{BA35B98B-1100-4073-9B78-73FD19002247}" dt="2021-01-22T13:58:19.372" v="265" actId="21"/>
+          <ac:spMkLst>
+            <pc:docMk/>
+            <pc:sldMk cId="142998642" sldId="260"/>
+            <ac:spMk id="195" creationId="{2923F73C-C5D1-4DCF-890B-56CD15C883B7}"/>
+          </ac:spMkLst>
+        </pc:spChg>
+        <pc:spChg chg="add del mod">
+          <ac:chgData name="Fatima Pillosu" userId="a6295d4dc9e22643" providerId="LiveId" clId="{BA35B98B-1100-4073-9B78-73FD19002247}" dt="2021-01-22T13:58:19.372" v="265" actId="21"/>
+          <ac:spMkLst>
+            <pc:docMk/>
+            <pc:sldMk cId="142998642" sldId="260"/>
+            <ac:spMk id="196" creationId="{1BABEFEA-CE19-4461-A0FA-D36E537A6CCC}"/>
+          </ac:spMkLst>
+        </pc:spChg>
+        <pc:spChg chg="add del mod">
+          <ac:chgData name="Fatima Pillosu" userId="a6295d4dc9e22643" providerId="LiveId" clId="{BA35B98B-1100-4073-9B78-73FD19002247}" dt="2021-01-22T13:58:19.372" v="265" actId="21"/>
+          <ac:spMkLst>
+            <pc:docMk/>
+            <pc:sldMk cId="142998642" sldId="260"/>
+            <ac:spMk id="199" creationId="{BE90490E-D3B8-492E-90FC-9AE993DA7F43}"/>
+          </ac:spMkLst>
+        </pc:spChg>
+        <pc:spChg chg="add del mod">
+          <ac:chgData name="Fatima Pillosu" userId="a6295d4dc9e22643" providerId="LiveId" clId="{BA35B98B-1100-4073-9B78-73FD19002247}" dt="2021-01-22T13:58:19.372" v="265" actId="21"/>
+          <ac:spMkLst>
+            <pc:docMk/>
+            <pc:sldMk cId="142998642" sldId="260"/>
+            <ac:spMk id="201" creationId="{C5362944-D4E4-48EA-AFC7-AB13F5FE244C}"/>
+          </ac:spMkLst>
+        </pc:spChg>
+        <pc:spChg chg="add del mod">
+          <ac:chgData name="Fatima Pillosu" userId="a6295d4dc9e22643" providerId="LiveId" clId="{BA35B98B-1100-4073-9B78-73FD19002247}" dt="2021-01-22T13:58:19.372" v="265" actId="21"/>
+          <ac:spMkLst>
+            <pc:docMk/>
+            <pc:sldMk cId="142998642" sldId="260"/>
+            <ac:spMk id="203" creationId="{60F67E7E-5DFB-472D-8BC2-EA538FD8A3A9}"/>
+          </ac:spMkLst>
+        </pc:spChg>
+        <pc:spChg chg="add del mod">
+          <ac:chgData name="Fatima Pillosu" userId="a6295d4dc9e22643" providerId="LiveId" clId="{BA35B98B-1100-4073-9B78-73FD19002247}" dt="2021-01-22T13:58:19.372" v="265" actId="21"/>
+          <ac:spMkLst>
+            <pc:docMk/>
+            <pc:sldMk cId="142998642" sldId="260"/>
+            <ac:spMk id="204" creationId="{2CAB2D4F-CF88-425A-B1BF-CBCD5624A453}"/>
+          </ac:spMkLst>
+        </pc:spChg>
+        <pc:spChg chg="add del mod">
+          <ac:chgData name="Fatima Pillosu" userId="a6295d4dc9e22643" providerId="LiveId" clId="{BA35B98B-1100-4073-9B78-73FD19002247}" dt="2021-01-22T13:58:19.372" v="265" actId="21"/>
+          <ac:spMkLst>
+            <pc:docMk/>
+            <pc:sldMk cId="142998642" sldId="260"/>
+            <ac:spMk id="205" creationId="{3B20DA3E-896A-48EC-9567-FF290E7058A1}"/>
+          </ac:spMkLst>
+        </pc:spChg>
+        <pc:spChg chg="add del mod">
+          <ac:chgData name="Fatima Pillosu" userId="a6295d4dc9e22643" providerId="LiveId" clId="{BA35B98B-1100-4073-9B78-73FD19002247}" dt="2021-01-22T13:58:19.372" v="265" actId="21"/>
+          <ac:spMkLst>
+            <pc:docMk/>
+            <pc:sldMk cId="142998642" sldId="260"/>
+            <ac:spMk id="206" creationId="{35D83EAF-D31E-4AD0-AEC5-6476A97DAFF5}"/>
+          </ac:spMkLst>
+        </pc:spChg>
+        <pc:spChg chg="add del mod">
+          <ac:chgData name="Fatima Pillosu" userId="a6295d4dc9e22643" providerId="LiveId" clId="{BA35B98B-1100-4073-9B78-73FD19002247}" dt="2021-01-22T13:58:19.372" v="265" actId="21"/>
+          <ac:spMkLst>
+            <pc:docMk/>
+            <pc:sldMk cId="142998642" sldId="260"/>
+            <ac:spMk id="207" creationId="{103115DB-0CB3-4754-BE6C-B85020DAB3EF}"/>
+          </ac:spMkLst>
+        </pc:spChg>
+        <pc:spChg chg="add del mod">
+          <ac:chgData name="Fatima Pillosu" userId="a6295d4dc9e22643" providerId="LiveId" clId="{BA35B98B-1100-4073-9B78-73FD19002247}" dt="2021-01-22T13:58:19.372" v="265" actId="21"/>
+          <ac:spMkLst>
+            <pc:docMk/>
+            <pc:sldMk cId="142998642" sldId="260"/>
+            <ac:spMk id="209" creationId="{04FA4065-2772-4CBA-887F-806428995F64}"/>
+          </ac:spMkLst>
+        </pc:spChg>
+        <pc:spChg chg="add del mod">
+          <ac:chgData name="Fatima Pillosu" userId="a6295d4dc9e22643" providerId="LiveId" clId="{BA35B98B-1100-4073-9B78-73FD19002247}" dt="2021-01-22T13:58:19.372" v="265" actId="21"/>
+          <ac:spMkLst>
+            <pc:docMk/>
+            <pc:sldMk cId="142998642" sldId="260"/>
+            <ac:spMk id="210" creationId="{672DEF71-30CE-4A75-BC7B-CD8F49B51201}"/>
+          </ac:spMkLst>
+        </pc:spChg>
+        <pc:spChg chg="add del mod">
+          <ac:chgData name="Fatima Pillosu" userId="a6295d4dc9e22643" providerId="LiveId" clId="{BA35B98B-1100-4073-9B78-73FD19002247}" dt="2021-01-22T13:58:19.372" v="265" actId="21"/>
+          <ac:spMkLst>
+            <pc:docMk/>
+            <pc:sldMk cId="142998642" sldId="260"/>
+            <ac:spMk id="211" creationId="{A739E999-3DA5-4547-BBC9-E34DEF594151}"/>
+          </ac:spMkLst>
+        </pc:spChg>
+        <pc:spChg chg="add del mod">
+          <ac:chgData name="Fatima Pillosu" userId="a6295d4dc9e22643" providerId="LiveId" clId="{BA35B98B-1100-4073-9B78-73FD19002247}" dt="2021-01-22T13:58:19.372" v="265" actId="21"/>
+          <ac:spMkLst>
+            <pc:docMk/>
+            <pc:sldMk cId="142998642" sldId="260"/>
+            <ac:spMk id="212" creationId="{6F8BDA07-ECE3-475C-95FC-AC4CA3740694}"/>
+          </ac:spMkLst>
+        </pc:spChg>
+        <pc:spChg chg="add mod">
+          <ac:chgData name="Fatima Pillosu" userId="a6295d4dc9e22643" providerId="LiveId" clId="{BA35B98B-1100-4073-9B78-73FD19002247}" dt="2021-01-22T13:58:34.195" v="272" actId="1037"/>
+          <ac:spMkLst>
+            <pc:docMk/>
+            <pc:sldMk cId="142998642" sldId="260"/>
+            <ac:spMk id="214" creationId="{23D4F409-2973-4209-BBA1-C7178066E0D2}"/>
+          </ac:spMkLst>
+        </pc:spChg>
+        <pc:spChg chg="add mod">
+          <ac:chgData name="Fatima Pillosu" userId="a6295d4dc9e22643" providerId="LiveId" clId="{BA35B98B-1100-4073-9B78-73FD19002247}" dt="2021-01-22T13:58:34.195" v="272" actId="1037"/>
+          <ac:spMkLst>
+            <pc:docMk/>
+            <pc:sldMk cId="142998642" sldId="260"/>
+            <ac:spMk id="217" creationId="{918F7CB3-B24C-47F8-9FF0-C429B0E5D4D6}"/>
+          </ac:spMkLst>
+        </pc:spChg>
+        <pc:spChg chg="add mod">
+          <ac:chgData name="Fatima Pillosu" userId="a6295d4dc9e22643" providerId="LiveId" clId="{BA35B98B-1100-4073-9B78-73FD19002247}" dt="2021-01-22T13:58:34.195" v="272" actId="1037"/>
+          <ac:spMkLst>
+            <pc:docMk/>
+            <pc:sldMk cId="142998642" sldId="260"/>
+            <ac:spMk id="218" creationId="{8CED7080-058F-49CC-97E9-C4A4AF50D3CA}"/>
+          </ac:spMkLst>
+        </pc:spChg>
+        <pc:spChg chg="add mod">
+          <ac:chgData name="Fatima Pillosu" userId="a6295d4dc9e22643" providerId="LiveId" clId="{BA35B98B-1100-4073-9B78-73FD19002247}" dt="2021-01-22T13:58:34.195" v="272" actId="1037"/>
+          <ac:spMkLst>
+            <pc:docMk/>
+            <pc:sldMk cId="142998642" sldId="260"/>
+            <ac:spMk id="224" creationId="{B3D504C0-3694-42E4-B927-6D1E4AF779DC}"/>
+          </ac:spMkLst>
+        </pc:spChg>
+        <pc:spChg chg="add mod">
+          <ac:chgData name="Fatima Pillosu" userId="a6295d4dc9e22643" providerId="LiveId" clId="{BA35B98B-1100-4073-9B78-73FD19002247}" dt="2021-01-22T13:58:34.195" v="272" actId="1037"/>
+          <ac:spMkLst>
+            <pc:docMk/>
+            <pc:sldMk cId="142998642" sldId="260"/>
+            <ac:spMk id="226" creationId="{E62849B2-C881-4D3E-84AC-EB00B469F05B}"/>
+          </ac:spMkLst>
+        </pc:spChg>
+        <pc:spChg chg="add mod">
+          <ac:chgData name="Fatima Pillosu" userId="a6295d4dc9e22643" providerId="LiveId" clId="{BA35B98B-1100-4073-9B78-73FD19002247}" dt="2021-01-22T13:58:34.195" v="272" actId="1037"/>
+          <ac:spMkLst>
+            <pc:docMk/>
+            <pc:sldMk cId="142998642" sldId="260"/>
+            <ac:spMk id="227" creationId="{BA035DB8-FD73-468E-B5BB-36E55ACC4A30}"/>
+          </ac:spMkLst>
+        </pc:spChg>
+        <pc:spChg chg="add mod">
+          <ac:chgData name="Fatima Pillosu" userId="a6295d4dc9e22643" providerId="LiveId" clId="{BA35B98B-1100-4073-9B78-73FD19002247}" dt="2021-01-22T13:58:34.195" v="272" actId="1037"/>
+          <ac:spMkLst>
+            <pc:docMk/>
+            <pc:sldMk cId="142998642" sldId="260"/>
+            <ac:spMk id="228" creationId="{F671C088-EF7C-4CE3-B740-F132E541182F}"/>
+          </ac:spMkLst>
+        </pc:spChg>
+        <pc:spChg chg="add mod">
+          <ac:chgData name="Fatima Pillosu" userId="a6295d4dc9e22643" providerId="LiveId" clId="{BA35B98B-1100-4073-9B78-73FD19002247}" dt="2021-01-22T13:58:34.195" v="272" actId="1037"/>
+          <ac:spMkLst>
+            <pc:docMk/>
+            <pc:sldMk cId="142998642" sldId="260"/>
+            <ac:spMk id="229" creationId="{6EC7C800-CDC2-4875-BA74-3699CC2F1434}"/>
+          </ac:spMkLst>
+        </pc:spChg>
+        <pc:spChg chg="add mod">
+          <ac:chgData name="Fatima Pillosu" userId="a6295d4dc9e22643" providerId="LiveId" clId="{BA35B98B-1100-4073-9B78-73FD19002247}" dt="2021-01-22T13:58:34.195" v="272" actId="1037"/>
+          <ac:spMkLst>
+            <pc:docMk/>
+            <pc:sldMk cId="142998642" sldId="260"/>
+            <ac:spMk id="230" creationId="{C6709A29-E96D-4BC6-9839-D524F8BFB105}"/>
+          </ac:spMkLst>
+        </pc:spChg>
+        <pc:spChg chg="add mod">
+          <ac:chgData name="Fatima Pillosu" userId="a6295d4dc9e22643" providerId="LiveId" clId="{BA35B98B-1100-4073-9B78-73FD19002247}" dt="2021-01-22T13:58:34.195" v="272" actId="1037"/>
+          <ac:spMkLst>
+            <pc:docMk/>
+            <pc:sldMk cId="142998642" sldId="260"/>
+            <ac:spMk id="232" creationId="{239D76BC-C9B3-4D0B-AEAB-8F63B7CFB615}"/>
+          </ac:spMkLst>
+        </pc:spChg>
+        <pc:spChg chg="add mod">
+          <ac:chgData name="Fatima Pillosu" userId="a6295d4dc9e22643" providerId="LiveId" clId="{BA35B98B-1100-4073-9B78-73FD19002247}" dt="2021-01-22T13:58:34.195" v="272" actId="1037"/>
+          <ac:spMkLst>
+            <pc:docMk/>
+            <pc:sldMk cId="142998642" sldId="260"/>
+            <ac:spMk id="233" creationId="{A86DB783-D0A6-4CB6-BAFE-501DF3FE9AB6}"/>
+          </ac:spMkLst>
+        </pc:spChg>
+        <pc:spChg chg="add mod">
+          <ac:chgData name="Fatima Pillosu" userId="a6295d4dc9e22643" providerId="LiveId" clId="{BA35B98B-1100-4073-9B78-73FD19002247}" dt="2021-01-22T13:58:34.195" v="272" actId="1037"/>
+          <ac:spMkLst>
+            <pc:docMk/>
+            <pc:sldMk cId="142998642" sldId="260"/>
+            <ac:spMk id="234" creationId="{A2DAFEA7-E085-4F37-9ACF-F66A489C6465}"/>
+          </ac:spMkLst>
+        </pc:spChg>
+        <pc:spChg chg="add mod">
+          <ac:chgData name="Fatima Pillosu" userId="a6295d4dc9e22643" providerId="LiveId" clId="{BA35B98B-1100-4073-9B78-73FD19002247}" dt="2021-01-22T13:58:34.195" v="272" actId="1037"/>
+          <ac:spMkLst>
+            <pc:docMk/>
+            <pc:sldMk cId="142998642" sldId="260"/>
+            <ac:spMk id="235" creationId="{8995A219-4072-416E-9F87-9BCF6D993A60}"/>
+          </ac:spMkLst>
+        </pc:spChg>
+        <pc:spChg chg="add mod">
+          <ac:chgData name="Fatima Pillosu" userId="a6295d4dc9e22643" providerId="LiveId" clId="{BA35B98B-1100-4073-9B78-73FD19002247}" dt="2021-01-22T13:58:34.195" v="272" actId="1037"/>
+          <ac:spMkLst>
+            <pc:docMk/>
+            <pc:sldMk cId="142998642" sldId="260"/>
+            <ac:spMk id="236" creationId="{6E946915-68E6-4B03-91E6-E03C358A2A73}"/>
+          </ac:spMkLst>
+        </pc:spChg>
+        <pc:spChg chg="add mod">
+          <ac:chgData name="Fatima Pillosu" userId="a6295d4dc9e22643" providerId="LiveId" clId="{BA35B98B-1100-4073-9B78-73FD19002247}" dt="2021-01-22T13:58:34.195" v="272" actId="1037"/>
+          <ac:spMkLst>
+            <pc:docMk/>
+            <pc:sldMk cId="142998642" sldId="260"/>
+            <ac:spMk id="237" creationId="{3DE7BB97-6CBF-43E2-A2C9-315AA48D8350}"/>
+          </ac:spMkLst>
+        </pc:spChg>
+        <pc:spChg chg="add mod">
+          <ac:chgData name="Fatima Pillosu" userId="a6295d4dc9e22643" providerId="LiveId" clId="{BA35B98B-1100-4073-9B78-73FD19002247}" dt="2021-01-22T13:58:34.195" v="272" actId="1037"/>
+          <ac:spMkLst>
+            <pc:docMk/>
+            <pc:sldMk cId="142998642" sldId="260"/>
+            <ac:spMk id="238" creationId="{7E6705A4-BC22-4E80-B1B6-9A1F744DD1F9}"/>
+          </ac:spMkLst>
+        </pc:spChg>
+        <pc:spChg chg="add mod">
+          <ac:chgData name="Fatima Pillosu" userId="a6295d4dc9e22643" providerId="LiveId" clId="{BA35B98B-1100-4073-9B78-73FD19002247}" dt="2021-01-22T13:58:34.195" v="272" actId="1037"/>
+          <ac:spMkLst>
+            <pc:docMk/>
+            <pc:sldMk cId="142998642" sldId="260"/>
+            <ac:spMk id="239" creationId="{7A7DD37D-2286-4D4A-AC0E-08F4622D77A4}"/>
+          </ac:spMkLst>
+        </pc:spChg>
+        <pc:spChg chg="add mod">
+          <ac:chgData name="Fatima Pillosu" userId="a6295d4dc9e22643" providerId="LiveId" clId="{BA35B98B-1100-4073-9B78-73FD19002247}" dt="2021-01-22T13:58:34.195" v="272" actId="1037"/>
+          <ac:spMkLst>
+            <pc:docMk/>
+            <pc:sldMk cId="142998642" sldId="260"/>
+            <ac:spMk id="242" creationId="{7B9F5C4A-366B-467F-B838-BDED577E2AA9}"/>
+          </ac:spMkLst>
+        </pc:spChg>
+        <pc:spChg chg="add mod">
+          <ac:chgData name="Fatima Pillosu" userId="a6295d4dc9e22643" providerId="LiveId" clId="{BA35B98B-1100-4073-9B78-73FD19002247}" dt="2021-01-22T13:58:34.195" v="272" actId="1037"/>
+          <ac:spMkLst>
+            <pc:docMk/>
+            <pc:sldMk cId="142998642" sldId="260"/>
+            <ac:spMk id="244" creationId="{161DFEA6-3F9E-4F38-80BD-AC2F43FE0AFA}"/>
+          </ac:spMkLst>
+        </pc:spChg>
+        <pc:spChg chg="add mod">
+          <ac:chgData name="Fatima Pillosu" userId="a6295d4dc9e22643" providerId="LiveId" clId="{BA35B98B-1100-4073-9B78-73FD19002247}" dt="2021-01-22T13:58:34.195" v="272" actId="1037"/>
+          <ac:spMkLst>
+            <pc:docMk/>
+            <pc:sldMk cId="142998642" sldId="260"/>
+            <ac:spMk id="246" creationId="{9BDB1AE4-2E96-4EE8-87CB-17F107DC7D04}"/>
+          </ac:spMkLst>
+        </pc:spChg>
+        <pc:spChg chg="add mod">
+          <ac:chgData name="Fatima Pillosu" userId="a6295d4dc9e22643" providerId="LiveId" clId="{BA35B98B-1100-4073-9B78-73FD19002247}" dt="2021-01-22T13:58:34.195" v="272" actId="1037"/>
+          <ac:spMkLst>
+            <pc:docMk/>
+            <pc:sldMk cId="142998642" sldId="260"/>
+            <ac:spMk id="247" creationId="{5F98A03D-2206-46A8-9514-38147D6B5E20}"/>
+          </ac:spMkLst>
+        </pc:spChg>
+        <pc:spChg chg="add mod">
+          <ac:chgData name="Fatima Pillosu" userId="a6295d4dc9e22643" providerId="LiveId" clId="{BA35B98B-1100-4073-9B78-73FD19002247}" dt="2021-01-22T13:58:34.195" v="272" actId="1037"/>
+          <ac:spMkLst>
+            <pc:docMk/>
+            <pc:sldMk cId="142998642" sldId="260"/>
+            <ac:spMk id="248" creationId="{97C0189B-8CC0-4710-9373-C99B408E8254}"/>
+          </ac:spMkLst>
+        </pc:spChg>
+        <pc:spChg chg="add mod">
+          <ac:chgData name="Fatima Pillosu" userId="a6295d4dc9e22643" providerId="LiveId" clId="{BA35B98B-1100-4073-9B78-73FD19002247}" dt="2021-01-22T13:58:34.195" v="272" actId="1037"/>
+          <ac:spMkLst>
+            <pc:docMk/>
+            <pc:sldMk cId="142998642" sldId="260"/>
+            <ac:spMk id="249" creationId="{2214F735-4E61-4DD9-AE80-41772711414C}"/>
+          </ac:spMkLst>
+        </pc:spChg>
+        <pc:spChg chg="add mod">
+          <ac:chgData name="Fatima Pillosu" userId="a6295d4dc9e22643" providerId="LiveId" clId="{BA35B98B-1100-4073-9B78-73FD19002247}" dt="2021-01-22T13:58:34.195" v="272" actId="1037"/>
+          <ac:spMkLst>
+            <pc:docMk/>
+            <pc:sldMk cId="142998642" sldId="260"/>
+            <ac:spMk id="250" creationId="{CFC8AF12-5B6E-42EE-A94B-90B9438FFF41}"/>
+          </ac:spMkLst>
+        </pc:spChg>
+        <pc:spChg chg="add mod">
+          <ac:chgData name="Fatima Pillosu" userId="a6295d4dc9e22643" providerId="LiveId" clId="{BA35B98B-1100-4073-9B78-73FD19002247}" dt="2021-01-22T13:58:34.195" v="272" actId="1037"/>
+          <ac:spMkLst>
+            <pc:docMk/>
+            <pc:sldMk cId="142998642" sldId="260"/>
+            <ac:spMk id="252" creationId="{45FD676A-AC86-468E-B771-011A278F8CEE}"/>
+          </ac:spMkLst>
+        </pc:spChg>
+        <pc:spChg chg="add mod">
+          <ac:chgData name="Fatima Pillosu" userId="a6295d4dc9e22643" providerId="LiveId" clId="{BA35B98B-1100-4073-9B78-73FD19002247}" dt="2021-01-22T13:58:34.195" v="272" actId="1037"/>
+          <ac:spMkLst>
+            <pc:docMk/>
+            <pc:sldMk cId="142998642" sldId="260"/>
+            <ac:spMk id="253" creationId="{D90AA1D3-6B05-4E57-B92C-2516341C7774}"/>
+          </ac:spMkLst>
+        </pc:spChg>
+        <pc:spChg chg="add mod">
+          <ac:chgData name="Fatima Pillosu" userId="a6295d4dc9e22643" providerId="LiveId" clId="{BA35B98B-1100-4073-9B78-73FD19002247}" dt="2021-01-22T13:58:34.195" v="272" actId="1037"/>
+          <ac:spMkLst>
+            <pc:docMk/>
+            <pc:sldMk cId="142998642" sldId="260"/>
+            <ac:spMk id="254" creationId="{0362DD85-5ABE-439C-BCB2-4A8101C5FE51}"/>
+          </ac:spMkLst>
+        </pc:spChg>
+        <pc:spChg chg="add mod">
+          <ac:chgData name="Fatima Pillosu" userId="a6295d4dc9e22643" providerId="LiveId" clId="{BA35B98B-1100-4073-9B78-73FD19002247}" dt="2021-01-22T13:58:34.195" v="272" actId="1037"/>
+          <ac:spMkLst>
+            <pc:docMk/>
+            <pc:sldMk cId="142998642" sldId="260"/>
+            <ac:spMk id="255" creationId="{0395CF60-4F09-430F-9617-4B5EDF52357C}"/>
+          </ac:spMkLst>
+        </pc:spChg>
+        <pc:grpChg chg="del">
+          <ac:chgData name="Fatima Pillosu" userId="a6295d4dc9e22643" providerId="LiveId" clId="{BA35B98B-1100-4073-9B78-73FD19002247}" dt="2021-01-22T13:49:00.438" v="14" actId="478"/>
+          <ac:grpSpMkLst>
+            <pc:docMk/>
+            <pc:sldMk cId="142998642" sldId="260"/>
+            <ac:grpSpMk id="109" creationId="{026B0715-6B15-45FC-AD63-789A988E6D98}"/>
+          </ac:grpSpMkLst>
+        </pc:grpChg>
+        <pc:picChg chg="add del mod">
+          <ac:chgData name="Fatima Pillosu" userId="a6295d4dc9e22643" providerId="LiveId" clId="{BA35B98B-1100-4073-9B78-73FD19002247}" dt="2021-01-22T13:48:17.719" v="3"/>
+          <ac:picMkLst>
+            <pc:docMk/>
+            <pc:sldMk cId="142998642" sldId="260"/>
+            <ac:picMk id="2" creationId="{2FD38AFD-A90A-4075-A0BA-81FAA27F52C9}"/>
+          </ac:picMkLst>
+        </pc:picChg>
+        <pc:cxnChg chg="add del">
+          <ac:chgData name="Fatima Pillosu" userId="a6295d4dc9e22643" providerId="LiveId" clId="{BA35B98B-1100-4073-9B78-73FD19002247}" dt="2021-01-22T13:57:49.653" v="247" actId="478"/>
+          <ac:cxnSpMkLst>
+            <pc:docMk/>
+            <pc:sldMk cId="142998642" sldId="260"/>
+            <ac:cxnSpMk id="9" creationId="{90611C59-221C-4E63-B5FA-999741D15C59}"/>
+          </ac:cxnSpMkLst>
+        </pc:cxnChg>
+        <pc:cxnChg chg="add del mod">
+          <ac:chgData name="Fatima Pillosu" userId="a6295d4dc9e22643" providerId="LiveId" clId="{BA35B98B-1100-4073-9B78-73FD19002247}" dt="2021-01-22T13:49:32.210" v="19" actId="21"/>
+          <ac:cxnSpMkLst>
+            <pc:docMk/>
+            <pc:sldMk cId="142998642" sldId="260"/>
+            <ac:cxnSpMk id="41" creationId="{1587A6A5-73A0-49A6-A8CF-FBE9AE0988D5}"/>
+          </ac:cxnSpMkLst>
+        </pc:cxnChg>
+        <pc:cxnChg chg="del">
+          <ac:chgData name="Fatima Pillosu" userId="a6295d4dc9e22643" providerId="LiveId" clId="{BA35B98B-1100-4073-9B78-73FD19002247}" dt="2021-01-22T13:49:32.210" v="19" actId="21"/>
+          <ac:cxnSpMkLst>
+            <pc:docMk/>
+            <pc:sldMk cId="142998642" sldId="260"/>
+            <ac:cxnSpMk id="43" creationId="{905B5CF9-822C-474F-9EE9-3AFFC696C22A}"/>
+          </ac:cxnSpMkLst>
+        </pc:cxnChg>
+        <pc:cxnChg chg="del">
+          <ac:chgData name="Fatima Pillosu" userId="a6295d4dc9e22643" providerId="LiveId" clId="{BA35B98B-1100-4073-9B78-73FD19002247}" dt="2021-01-22T13:49:32.210" v="19" actId="21"/>
+          <ac:cxnSpMkLst>
+            <pc:docMk/>
+            <pc:sldMk cId="142998642" sldId="260"/>
+            <ac:cxnSpMk id="44" creationId="{94326C57-11F1-4FF7-99F2-46043BE4B409}"/>
+          </ac:cxnSpMkLst>
+        </pc:cxnChg>
+        <pc:cxnChg chg="del">
+          <ac:chgData name="Fatima Pillosu" userId="a6295d4dc9e22643" providerId="LiveId" clId="{BA35B98B-1100-4073-9B78-73FD19002247}" dt="2021-01-22T13:49:32.210" v="19" actId="21"/>
+          <ac:cxnSpMkLst>
+            <pc:docMk/>
+            <pc:sldMk cId="142998642" sldId="260"/>
+            <ac:cxnSpMk id="47" creationId="{DD36F18D-F1EA-4344-93C0-5AF761199864}"/>
+          </ac:cxnSpMkLst>
+        </pc:cxnChg>
+        <pc:cxnChg chg="del">
+          <ac:chgData name="Fatima Pillosu" userId="a6295d4dc9e22643" providerId="LiveId" clId="{BA35B98B-1100-4073-9B78-73FD19002247}" dt="2021-01-22T13:49:32.210" v="19" actId="21"/>
+          <ac:cxnSpMkLst>
+            <pc:docMk/>
+            <pc:sldMk cId="142998642" sldId="260"/>
+            <ac:cxnSpMk id="48" creationId="{40862878-0F63-4DC7-8ED6-7D5E20710D2F}"/>
+          </ac:cxnSpMkLst>
+        </pc:cxnChg>
+        <pc:cxnChg chg="del">
+          <ac:chgData name="Fatima Pillosu" userId="a6295d4dc9e22643" providerId="LiveId" clId="{BA35B98B-1100-4073-9B78-73FD19002247}" dt="2021-01-22T13:49:32.210" v="19" actId="21"/>
+          <ac:cxnSpMkLst>
+            <pc:docMk/>
+            <pc:sldMk cId="142998642" sldId="260"/>
+            <ac:cxnSpMk id="49" creationId="{49B1D31E-D70A-4D4A-A229-44ABFC7C835B}"/>
+          </ac:cxnSpMkLst>
+        </pc:cxnChg>
+        <pc:cxnChg chg="del">
+          <ac:chgData name="Fatima Pillosu" userId="a6295d4dc9e22643" providerId="LiveId" clId="{BA35B98B-1100-4073-9B78-73FD19002247}" dt="2021-01-22T13:49:32.210" v="19" actId="21"/>
+          <ac:cxnSpMkLst>
+            <pc:docMk/>
+            <pc:sldMk cId="142998642" sldId="260"/>
+            <ac:cxnSpMk id="50" creationId="{82AA67D9-3FA3-4E98-811F-FFCFE0028445}"/>
+          </ac:cxnSpMkLst>
+        </pc:cxnChg>
+        <pc:cxnChg chg="del">
+          <ac:chgData name="Fatima Pillosu" userId="a6295d4dc9e22643" providerId="LiveId" clId="{BA35B98B-1100-4073-9B78-73FD19002247}" dt="2021-01-22T13:49:32.210" v="19" actId="21"/>
+          <ac:cxnSpMkLst>
+            <pc:docMk/>
+            <pc:sldMk cId="142998642" sldId="260"/>
+            <ac:cxnSpMk id="51" creationId="{04A9775A-7FDB-409A-A831-71CEB6C0DDFD}"/>
+          </ac:cxnSpMkLst>
+        </pc:cxnChg>
+        <pc:cxnChg chg="del">
+          <ac:chgData name="Fatima Pillosu" userId="a6295d4dc9e22643" providerId="LiveId" clId="{BA35B98B-1100-4073-9B78-73FD19002247}" dt="2021-01-22T13:49:32.210" v="19" actId="21"/>
+          <ac:cxnSpMkLst>
+            <pc:docMk/>
+            <pc:sldMk cId="142998642" sldId="260"/>
+            <ac:cxnSpMk id="53" creationId="{31F3956D-D681-46BC-880F-438B544E69EA}"/>
+          </ac:cxnSpMkLst>
+        </pc:cxnChg>
+        <pc:cxnChg chg="add del mod">
+          <ac:chgData name="Fatima Pillosu" userId="a6295d4dc9e22643" providerId="LiveId" clId="{BA35B98B-1100-4073-9B78-73FD19002247}" dt="2021-01-22T13:49:32.210" v="19" actId="21"/>
+          <ac:cxnSpMkLst>
+            <pc:docMk/>
+            <pc:sldMk cId="142998642" sldId="260"/>
+            <ac:cxnSpMk id="60" creationId="{32A8E1B1-14A4-441D-881F-FF36CA39B186}"/>
+          </ac:cxnSpMkLst>
+        </pc:cxnChg>
+        <pc:cxnChg chg="add del mod">
+          <ac:chgData name="Fatima Pillosu" userId="a6295d4dc9e22643" providerId="LiveId" clId="{BA35B98B-1100-4073-9B78-73FD19002247}" dt="2021-01-22T13:52:07.402" v="90" actId="21"/>
+          <ac:cxnSpMkLst>
+            <pc:docMk/>
+            <pc:sldMk cId="142998642" sldId="260"/>
+            <ac:cxnSpMk id="62" creationId="{81020DC8-C0DC-488B-A426-6F3EE0CECDDD}"/>
+          </ac:cxnSpMkLst>
+        </pc:cxnChg>
+        <pc:cxnChg chg="add del mod">
+          <ac:chgData name="Fatima Pillosu" userId="a6295d4dc9e22643" providerId="LiveId" clId="{BA35B98B-1100-4073-9B78-73FD19002247}" dt="2021-01-22T13:52:07.402" v="90" actId="21"/>
+          <ac:cxnSpMkLst>
+            <pc:docMk/>
+            <pc:sldMk cId="142998642" sldId="260"/>
+            <ac:cxnSpMk id="63" creationId="{EEEBC8DA-A929-4161-8B79-791C527B92CB}"/>
+          </ac:cxnSpMkLst>
+        </pc:cxnChg>
+        <pc:cxnChg chg="add del mod">
+          <ac:chgData name="Fatima Pillosu" userId="a6295d4dc9e22643" providerId="LiveId" clId="{BA35B98B-1100-4073-9B78-73FD19002247}" dt="2021-01-22T13:52:07.402" v="90" actId="21"/>
+          <ac:cxnSpMkLst>
+            <pc:docMk/>
+            <pc:sldMk cId="142998642" sldId="260"/>
+            <ac:cxnSpMk id="66" creationId="{BBE41CD3-67A5-4CB4-A9F5-E5911E27CCC0}"/>
+          </ac:cxnSpMkLst>
+        </pc:cxnChg>
+        <pc:cxnChg chg="add del mod">
+          <ac:chgData name="Fatima Pillosu" userId="a6295d4dc9e22643" providerId="LiveId" clId="{BA35B98B-1100-4073-9B78-73FD19002247}" dt="2021-01-22T13:52:07.402" v="90" actId="21"/>
+          <ac:cxnSpMkLst>
+            <pc:docMk/>
+            <pc:sldMk cId="142998642" sldId="260"/>
+            <ac:cxnSpMk id="67" creationId="{E30FDD38-BCB9-4750-8A0C-193C5571FA60}"/>
+          </ac:cxnSpMkLst>
+        </pc:cxnChg>
+        <pc:cxnChg chg="add del mod">
+          <ac:chgData name="Fatima Pillosu" userId="a6295d4dc9e22643" providerId="LiveId" clId="{BA35B98B-1100-4073-9B78-73FD19002247}" dt="2021-01-22T13:52:07.402" v="90" actId="21"/>
+          <ac:cxnSpMkLst>
+            <pc:docMk/>
+            <pc:sldMk cId="142998642" sldId="260"/>
+            <ac:cxnSpMk id="68" creationId="{5A00A9D0-98E8-4D01-AA34-55D86632113C}"/>
+          </ac:cxnSpMkLst>
+        </pc:cxnChg>
+        <pc:cxnChg chg="add del mod">
+          <ac:chgData name="Fatima Pillosu" userId="a6295d4dc9e22643" providerId="LiveId" clId="{BA35B98B-1100-4073-9B78-73FD19002247}" dt="2021-01-22T13:52:07.402" v="90" actId="21"/>
+          <ac:cxnSpMkLst>
+            <pc:docMk/>
+            <pc:sldMk cId="142998642" sldId="260"/>
+            <ac:cxnSpMk id="69" creationId="{656B7346-0810-4227-A1F1-FA585F88E0DE}"/>
+          </ac:cxnSpMkLst>
+        </pc:cxnChg>
+        <pc:cxnChg chg="add del mod">
+          <ac:chgData name="Fatima Pillosu" userId="a6295d4dc9e22643" providerId="LiveId" clId="{BA35B98B-1100-4073-9B78-73FD19002247}" dt="2021-01-22T13:52:07.402" v="90" actId="21"/>
+          <ac:cxnSpMkLst>
+            <pc:docMk/>
+            <pc:sldMk cId="142998642" sldId="260"/>
+            <ac:cxnSpMk id="70" creationId="{C0AEF13E-7532-4A6B-ABB5-3390D3FAE50D}"/>
+          </ac:cxnSpMkLst>
+        </pc:cxnChg>
+        <pc:cxnChg chg="add del mod">
+          <ac:chgData name="Fatima Pillosu" userId="a6295d4dc9e22643" providerId="LiveId" clId="{BA35B98B-1100-4073-9B78-73FD19002247}" dt="2021-01-22T13:52:07.402" v="90" actId="21"/>
+          <ac:cxnSpMkLst>
+            <pc:docMk/>
+            <pc:sldMk cId="142998642" sldId="260"/>
+            <ac:cxnSpMk id="72" creationId="{2E2A2FED-5DEF-4908-9425-972F339FABFA}"/>
+          </ac:cxnSpMkLst>
+        </pc:cxnChg>
+        <pc:cxnChg chg="add del mod">
+          <ac:chgData name="Fatima Pillosu" userId="a6295d4dc9e22643" providerId="LiveId" clId="{BA35B98B-1100-4073-9B78-73FD19002247}" dt="2021-01-22T13:52:07.402" v="90" actId="21"/>
+          <ac:cxnSpMkLst>
+            <pc:docMk/>
+            <pc:sldMk cId="142998642" sldId="260"/>
+            <ac:cxnSpMk id="78" creationId="{9EBA4FDC-666E-4EAE-9242-94A64D39532E}"/>
+          </ac:cxnSpMkLst>
+        </pc:cxnChg>
+        <pc:cxnChg chg="add del mod">
+          <ac:chgData name="Fatima Pillosu" userId="a6295d4dc9e22643" providerId="LiveId" clId="{BA35B98B-1100-4073-9B78-73FD19002247}" dt="2021-01-22T13:52:07.402" v="90" actId="21"/>
+          <ac:cxnSpMkLst>
+            <pc:docMk/>
+            <pc:sldMk cId="142998642" sldId="260"/>
+            <ac:cxnSpMk id="88" creationId="{07CF52DD-B895-411B-AC0E-091A9C36A3F9}"/>
+          </ac:cxnSpMkLst>
+        </pc:cxnChg>
+        <pc:cxnChg chg="add del mod">
+          <ac:chgData name="Fatima Pillosu" userId="a6295d4dc9e22643" providerId="LiveId" clId="{BA35B98B-1100-4073-9B78-73FD19002247}" dt="2021-01-22T13:52:07.402" v="90" actId="21"/>
+          <ac:cxnSpMkLst>
+            <pc:docMk/>
+            <pc:sldMk cId="142998642" sldId="260"/>
+            <ac:cxnSpMk id="89" creationId="{0757B7B3-F135-4674-BE67-B397B06A81AC}"/>
+          </ac:cxnSpMkLst>
+        </pc:cxnChg>
+        <pc:cxnChg chg="add del mod">
+          <ac:chgData name="Fatima Pillosu" userId="a6295d4dc9e22643" providerId="LiveId" clId="{BA35B98B-1100-4073-9B78-73FD19002247}" dt="2021-01-22T13:51:31.230" v="59" actId="478"/>
+          <ac:cxnSpMkLst>
+            <pc:docMk/>
+            <pc:sldMk cId="142998642" sldId="260"/>
+            <ac:cxnSpMk id="91" creationId="{9646539F-4873-4CE1-B628-46671A037BB2}"/>
+          </ac:cxnSpMkLst>
+        </pc:cxnChg>
+        <pc:cxnChg chg="del mod">
+          <ac:chgData name="Fatima Pillosu" userId="a6295d4dc9e22643" providerId="LiveId" clId="{BA35B98B-1100-4073-9B78-73FD19002247}" dt="2021-01-22T13:49:32.210" v="19" actId="21"/>
+          <ac:cxnSpMkLst>
+            <pc:docMk/>
+            <pc:sldMk cId="142998642" sldId="260"/>
+            <ac:cxnSpMk id="96" creationId="{C92BD326-0C1C-4056-B0E5-6AEEC36BD193}"/>
+          </ac:cxnSpMkLst>
+        </pc:cxnChg>
+        <pc:cxnChg chg="del">
+          <ac:chgData name="Fatima Pillosu" userId="a6295d4dc9e22643" providerId="LiveId" clId="{BA35B98B-1100-4073-9B78-73FD19002247}" dt="2021-01-22T13:49:32.210" v="19" actId="21"/>
+          <ac:cxnSpMkLst>
+            <pc:docMk/>
+            <pc:sldMk cId="142998642" sldId="260"/>
+            <ac:cxnSpMk id="106" creationId="{434F254E-2117-4582-8BF0-7B9897726E67}"/>
+          </ac:cxnSpMkLst>
+        </pc:cxnChg>
+        <pc:cxnChg chg="del">
+          <ac:chgData name="Fatima Pillosu" userId="a6295d4dc9e22643" providerId="LiveId" clId="{BA35B98B-1100-4073-9B78-73FD19002247}" dt="2021-01-22T13:49:32.210" v="19" actId="21"/>
+          <ac:cxnSpMkLst>
+            <pc:docMk/>
+            <pc:sldMk cId="142998642" sldId="260"/>
+            <ac:cxnSpMk id="107" creationId="{94FEA3EF-F873-43A7-8E5A-245D31324D36}"/>
+          </ac:cxnSpMkLst>
+        </pc:cxnChg>
+        <pc:cxnChg chg="del">
+          <ac:chgData name="Fatima Pillosu" userId="a6295d4dc9e22643" providerId="LiveId" clId="{BA35B98B-1100-4073-9B78-73FD19002247}" dt="2021-01-22T13:49:32.210" v="19" actId="21"/>
+          <ac:cxnSpMkLst>
+            <pc:docMk/>
+            <pc:sldMk cId="142998642" sldId="260"/>
+            <ac:cxnSpMk id="112" creationId="{065BDEF6-1166-4E81-B7DF-1B0CDDF53997}"/>
+          </ac:cxnSpMkLst>
+        </pc:cxnChg>
+        <pc:cxnChg chg="del">
+          <ac:chgData name="Fatima Pillosu" userId="a6295d4dc9e22643" providerId="LiveId" clId="{BA35B98B-1100-4073-9B78-73FD19002247}" dt="2021-01-22T13:49:32.210" v="19" actId="21"/>
+          <ac:cxnSpMkLst>
+            <pc:docMk/>
+            <pc:sldMk cId="142998642" sldId="260"/>
+            <ac:cxnSpMk id="113" creationId="{630D7A39-DBCA-4F87-8483-A086DF484A63}"/>
+          </ac:cxnSpMkLst>
+        </pc:cxnChg>
+        <pc:cxnChg chg="del">
+          <ac:chgData name="Fatima Pillosu" userId="a6295d4dc9e22643" providerId="LiveId" clId="{BA35B98B-1100-4073-9B78-73FD19002247}" dt="2021-01-22T13:49:32.210" v="19" actId="21"/>
+          <ac:cxnSpMkLst>
+            <pc:docMk/>
+            <pc:sldMk cId="142998642" sldId="260"/>
+            <ac:cxnSpMk id="115" creationId="{749277E2-D9E6-4647-8BA2-0D2242D550AF}"/>
+          </ac:cxnSpMkLst>
+        </pc:cxnChg>
+        <pc:cxnChg chg="add del mod">
+          <ac:chgData name="Fatima Pillosu" userId="a6295d4dc9e22643" providerId="LiveId" clId="{BA35B98B-1100-4073-9B78-73FD19002247}" dt="2021-01-22T13:51:30.510" v="58" actId="478"/>
+          <ac:cxnSpMkLst>
+            <pc:docMk/>
+            <pc:sldMk cId="142998642" sldId="260"/>
+            <ac:cxnSpMk id="116" creationId="{AF141067-9878-4848-A135-F55B007CD1FE}"/>
+          </ac:cxnSpMkLst>
+        </pc:cxnChg>
+        <pc:cxnChg chg="add del mod">
+          <ac:chgData name="Fatima Pillosu" userId="a6295d4dc9e22643" providerId="LiveId" clId="{BA35B98B-1100-4073-9B78-73FD19002247}" dt="2021-01-22T13:52:07.402" v="90" actId="21"/>
+          <ac:cxnSpMkLst>
+            <pc:docMk/>
+            <pc:sldMk cId="142998642" sldId="260"/>
+            <ac:cxnSpMk id="118" creationId="{D7F2C5DC-91AA-4540-85A5-86C7DC43C9E2}"/>
+          </ac:cxnSpMkLst>
+        </pc:cxnChg>
+        <pc:cxnChg chg="add del mod">
+          <ac:chgData name="Fatima Pillosu" userId="a6295d4dc9e22643" providerId="LiveId" clId="{BA35B98B-1100-4073-9B78-73FD19002247}" dt="2021-01-22T13:52:07.402" v="90" actId="21"/>
+          <ac:cxnSpMkLst>
+            <pc:docMk/>
+            <pc:sldMk cId="142998642" sldId="260"/>
+            <ac:cxnSpMk id="120" creationId="{42A33344-FD06-47CC-A245-947A81780DE0}"/>
+          </ac:cxnSpMkLst>
+        </pc:cxnChg>
+        <pc:cxnChg chg="add del mod">
+          <ac:chgData name="Fatima Pillosu" userId="a6295d4dc9e22643" providerId="LiveId" clId="{BA35B98B-1100-4073-9B78-73FD19002247}" dt="2021-01-22T13:52:07.402" v="90" actId="21"/>
+          <ac:cxnSpMkLst>
+            <pc:docMk/>
+            <pc:sldMk cId="142998642" sldId="260"/>
+            <ac:cxnSpMk id="126" creationId="{6D2D0C43-20F4-41B8-B813-ECF049622E3D}"/>
+          </ac:cxnSpMkLst>
+        </pc:cxnChg>
+        <pc:cxnChg chg="add del mod">
+          <ac:chgData name="Fatima Pillosu" userId="a6295d4dc9e22643" providerId="LiveId" clId="{BA35B98B-1100-4073-9B78-73FD19002247}" dt="2021-01-22T13:57:52.528" v="248" actId="21"/>
+          <ac:cxnSpMkLst>
+            <pc:docMk/>
+            <pc:sldMk cId="142998642" sldId="260"/>
+            <ac:cxnSpMk id="128" creationId="{F8909BE1-FD66-437E-A388-D3344363F931}"/>
+          </ac:cxnSpMkLst>
+        </pc:cxnChg>
+        <pc:cxnChg chg="add del mod">
+          <ac:chgData name="Fatima Pillosu" userId="a6295d4dc9e22643" providerId="LiveId" clId="{BA35B98B-1100-4073-9B78-73FD19002247}" dt="2021-01-22T13:57:52.528" v="248" actId="21"/>
+          <ac:cxnSpMkLst>
+            <pc:docMk/>
+            <pc:sldMk cId="142998642" sldId="260"/>
+            <ac:cxnSpMk id="129" creationId="{AF351528-0952-490A-ADFA-89B08927E896}"/>
+          </ac:cxnSpMkLst>
+        </pc:cxnChg>
+        <pc:cxnChg chg="add del mod">
+          <ac:chgData name="Fatima Pillosu" userId="a6295d4dc9e22643" providerId="LiveId" clId="{BA35B98B-1100-4073-9B78-73FD19002247}" dt="2021-01-22T13:57:52.528" v="248" actId="21"/>
+          <ac:cxnSpMkLst>
+            <pc:docMk/>
+            <pc:sldMk cId="142998642" sldId="260"/>
+            <ac:cxnSpMk id="132" creationId="{298CBC5E-E15F-407F-96DB-6E0BA6250E96}"/>
+          </ac:cxnSpMkLst>
+        </pc:cxnChg>
+        <pc:cxnChg chg="add del mod">
+          <ac:chgData name="Fatima Pillosu" userId="a6295d4dc9e22643" providerId="LiveId" clId="{BA35B98B-1100-4073-9B78-73FD19002247}" dt="2021-01-22T13:57:52.528" v="248" actId="21"/>
+          <ac:cxnSpMkLst>
+            <pc:docMk/>
+            <pc:sldMk cId="142998642" sldId="260"/>
+            <ac:cxnSpMk id="133" creationId="{64F1CDD6-9A13-405E-A821-FBFD5B110EC6}"/>
+          </ac:cxnSpMkLst>
+        </pc:cxnChg>
+        <pc:cxnChg chg="add del mod">
+          <ac:chgData name="Fatima Pillosu" userId="a6295d4dc9e22643" providerId="LiveId" clId="{BA35B98B-1100-4073-9B78-73FD19002247}" dt="2021-01-22T13:57:52.528" v="248" actId="21"/>
+          <ac:cxnSpMkLst>
+            <pc:docMk/>
+            <pc:sldMk cId="142998642" sldId="260"/>
+            <ac:cxnSpMk id="134" creationId="{FBB6BC1F-80E5-4097-B15F-6CDA7B374B8E}"/>
+          </ac:cxnSpMkLst>
+        </pc:cxnChg>
+        <pc:cxnChg chg="add del mod">
+          <ac:chgData name="Fatima Pillosu" userId="a6295d4dc9e22643" providerId="LiveId" clId="{BA35B98B-1100-4073-9B78-73FD19002247}" dt="2021-01-22T13:57:52.528" v="248" actId="21"/>
+          <ac:cxnSpMkLst>
+            <pc:docMk/>
+            <pc:sldMk cId="142998642" sldId="260"/>
+            <ac:cxnSpMk id="135" creationId="{5BE2E3AA-96F5-4F9D-B337-D3CB6CB7497A}"/>
+          </ac:cxnSpMkLst>
+        </pc:cxnChg>
+        <pc:cxnChg chg="add del mod">
+          <ac:chgData name="Fatima Pillosu" userId="a6295d4dc9e22643" providerId="LiveId" clId="{BA35B98B-1100-4073-9B78-73FD19002247}" dt="2021-01-22T13:57:52.528" v="248" actId="21"/>
+          <ac:cxnSpMkLst>
+            <pc:docMk/>
+            <pc:sldMk cId="142998642" sldId="260"/>
+            <ac:cxnSpMk id="136" creationId="{B1FE4AB0-5EBF-43F9-B9BF-F8056BC8D344}"/>
+          </ac:cxnSpMkLst>
+        </pc:cxnChg>
+        <pc:cxnChg chg="add del mod">
+          <ac:chgData name="Fatima Pillosu" userId="a6295d4dc9e22643" providerId="LiveId" clId="{BA35B98B-1100-4073-9B78-73FD19002247}" dt="2021-01-22T13:57:52.528" v="248" actId="21"/>
+          <ac:cxnSpMkLst>
+            <pc:docMk/>
+            <pc:sldMk cId="142998642" sldId="260"/>
+            <ac:cxnSpMk id="138" creationId="{55E3DBB7-5870-4B7D-B0E9-3365EF0BD94B}"/>
+          </ac:cxnSpMkLst>
+        </pc:cxnChg>
+        <pc:cxnChg chg="add del mod">
+          <ac:chgData name="Fatima Pillosu" userId="a6295d4dc9e22643" providerId="LiveId" clId="{BA35B98B-1100-4073-9B78-73FD19002247}" dt="2021-01-22T13:57:52.528" v="248" actId="21"/>
+          <ac:cxnSpMkLst>
+            <pc:docMk/>
+            <pc:sldMk cId="142998642" sldId="260"/>
+            <ac:cxnSpMk id="144" creationId="{F303B893-1C09-455E-A68B-1B1E8479233A}"/>
+          </ac:cxnSpMkLst>
+        </pc:cxnChg>
+        <pc:cxnChg chg="add del mod">
+          <ac:chgData name="Fatima Pillosu" userId="a6295d4dc9e22643" providerId="LiveId" clId="{BA35B98B-1100-4073-9B78-73FD19002247}" dt="2021-01-22T13:57:52.528" v="248" actId="21"/>
+          <ac:cxnSpMkLst>
+            <pc:docMk/>
+            <pc:sldMk cId="142998642" sldId="260"/>
+            <ac:cxnSpMk id="153" creationId="{49CE9835-FCF6-454E-8E39-3450BB8EFAF8}"/>
+          </ac:cxnSpMkLst>
+        </pc:cxnChg>
+        <pc:cxnChg chg="add del mod">
+          <ac:chgData name="Fatima Pillosu" userId="a6295d4dc9e22643" providerId="LiveId" clId="{BA35B98B-1100-4073-9B78-73FD19002247}" dt="2021-01-22T13:57:52.528" v="248" actId="21"/>
+          <ac:cxnSpMkLst>
+            <pc:docMk/>
+            <pc:sldMk cId="142998642" sldId="260"/>
+            <ac:cxnSpMk id="154" creationId="{C72B94CD-4E3F-452A-A42B-94CD1E690946}"/>
+          </ac:cxnSpMkLst>
+        </pc:cxnChg>
+        <pc:cxnChg chg="add del mod">
+          <ac:chgData name="Fatima Pillosu" userId="a6295d4dc9e22643" providerId="LiveId" clId="{BA35B98B-1100-4073-9B78-73FD19002247}" dt="2021-01-22T13:57:52.528" v="248" actId="21"/>
+          <ac:cxnSpMkLst>
+            <pc:docMk/>
+            <pc:sldMk cId="142998642" sldId="260"/>
+            <ac:cxnSpMk id="156" creationId="{C8DE47A7-1DFC-4AE6-9B45-ABD14A5FB384}"/>
+          </ac:cxnSpMkLst>
+        </pc:cxnChg>
+        <pc:cxnChg chg="add del mod">
+          <ac:chgData name="Fatima Pillosu" userId="a6295d4dc9e22643" providerId="LiveId" clId="{BA35B98B-1100-4073-9B78-73FD19002247}" dt="2021-01-22T13:57:52.528" v="248" actId="21"/>
+          <ac:cxnSpMkLst>
+            <pc:docMk/>
+            <pc:sldMk cId="142998642" sldId="260"/>
+            <ac:cxnSpMk id="158" creationId="{8466C219-93C1-4A8D-8E0C-1EDBCD4F793A}"/>
+          </ac:cxnSpMkLst>
+        </pc:cxnChg>
+        <pc:cxnChg chg="add del mod">
+          <ac:chgData name="Fatima Pillosu" userId="a6295d4dc9e22643" providerId="LiveId" clId="{BA35B98B-1100-4073-9B78-73FD19002247}" dt="2021-01-22T13:57:52.528" v="248" actId="21"/>
+          <ac:cxnSpMkLst>
+            <pc:docMk/>
+            <pc:sldMk cId="142998642" sldId="260"/>
+            <ac:cxnSpMk id="164" creationId="{3DCBEAD4-E3B9-4D71-B05E-DA4F666EC43C}"/>
+          </ac:cxnSpMkLst>
+        </pc:cxnChg>
+        <pc:cxnChg chg="add del mod ord">
+          <ac:chgData name="Fatima Pillosu" userId="a6295d4dc9e22643" providerId="LiveId" clId="{BA35B98B-1100-4073-9B78-73FD19002247}" dt="2021-01-22T13:57:52.528" v="248" actId="21"/>
+          <ac:cxnSpMkLst>
+            <pc:docMk/>
+            <pc:sldMk cId="142998642" sldId="260"/>
+            <ac:cxnSpMk id="165" creationId="{BFE1F55E-3BBF-4FEF-B34D-B92D63BF4823}"/>
+          </ac:cxnSpMkLst>
+        </pc:cxnChg>
+        <pc:cxnChg chg="add del mod">
+          <ac:chgData name="Fatima Pillosu" userId="a6295d4dc9e22643" providerId="LiveId" clId="{BA35B98B-1100-4073-9B78-73FD19002247}" dt="2021-01-22T13:58:19.372" v="265" actId="21"/>
+          <ac:cxnSpMkLst>
+            <pc:docMk/>
+            <pc:sldMk cId="142998642" sldId="260"/>
+            <ac:cxnSpMk id="170" creationId="{C8091F55-CA22-45C1-A80F-F4C7D181B0F9}"/>
+          </ac:cxnSpMkLst>
+        </pc:cxnChg>
+        <pc:cxnChg chg="add del mod">
+          <ac:chgData name="Fatima Pillosu" userId="a6295d4dc9e22643" providerId="LiveId" clId="{BA35B98B-1100-4073-9B78-73FD19002247}" dt="2021-01-22T13:58:19.372" v="265" actId="21"/>
+          <ac:cxnSpMkLst>
+            <pc:docMk/>
+            <pc:sldMk cId="142998642" sldId="260"/>
+            <ac:cxnSpMk id="172" creationId="{2B7F6E42-BBE5-4073-BB13-D231F3A4530D}"/>
+          </ac:cxnSpMkLst>
+        </pc:cxnChg>
+        <pc:cxnChg chg="add del mod">
+          <ac:chgData name="Fatima Pillosu" userId="a6295d4dc9e22643" providerId="LiveId" clId="{BA35B98B-1100-4073-9B78-73FD19002247}" dt="2021-01-22T13:58:19.372" v="265" actId="21"/>
+          <ac:cxnSpMkLst>
+            <pc:docMk/>
+            <pc:sldMk cId="142998642" sldId="260"/>
+            <ac:cxnSpMk id="173" creationId="{03C584E8-3FEA-400E-A00B-008B04DE9B85}"/>
+          </ac:cxnSpMkLst>
+        </pc:cxnChg>
+        <pc:cxnChg chg="add del mod">
+          <ac:chgData name="Fatima Pillosu" userId="a6295d4dc9e22643" providerId="LiveId" clId="{BA35B98B-1100-4073-9B78-73FD19002247}" dt="2021-01-22T13:58:19.372" v="265" actId="21"/>
+          <ac:cxnSpMkLst>
+            <pc:docMk/>
+            <pc:sldMk cId="142998642" sldId="260"/>
+            <ac:cxnSpMk id="176" creationId="{EA5A4432-D7F0-4C96-AC4A-AA8B857FE740}"/>
+          </ac:cxnSpMkLst>
+        </pc:cxnChg>
+        <pc:cxnChg chg="add del mod">
+          <ac:chgData name="Fatima Pillosu" userId="a6295d4dc9e22643" providerId="LiveId" clId="{BA35B98B-1100-4073-9B78-73FD19002247}" dt="2021-01-22T13:58:19.372" v="265" actId="21"/>
+          <ac:cxnSpMkLst>
+            <pc:docMk/>
+            <pc:sldMk cId="142998642" sldId="260"/>
+            <ac:cxnSpMk id="177" creationId="{3D165ACD-B6E6-4B8A-A18C-323FF2CB35E7}"/>
+          </ac:cxnSpMkLst>
+        </pc:cxnChg>
+        <pc:cxnChg chg="add del mod">
+          <ac:chgData name="Fatima Pillosu" userId="a6295d4dc9e22643" providerId="LiveId" clId="{BA35B98B-1100-4073-9B78-73FD19002247}" dt="2021-01-22T13:58:19.372" v="265" actId="21"/>
+          <ac:cxnSpMkLst>
+            <pc:docMk/>
+            <pc:sldMk cId="142998642" sldId="260"/>
+            <ac:cxnSpMk id="178" creationId="{68AFD5FB-12F6-45F4-8E0A-6104B31B03DF}"/>
+          </ac:cxnSpMkLst>
+        </pc:cxnChg>
+        <pc:cxnChg chg="add del mod">
+          <ac:chgData name="Fatima Pillosu" userId="a6295d4dc9e22643" providerId="LiveId" clId="{BA35B98B-1100-4073-9B78-73FD19002247}" dt="2021-01-22T13:58:19.372" v="265" actId="21"/>
+          <ac:cxnSpMkLst>
+            <pc:docMk/>
+            <pc:sldMk cId="142998642" sldId="260"/>
+            <ac:cxnSpMk id="179" creationId="{10384B96-BBDE-4A41-932A-7A5BF3104AED}"/>
+          </ac:cxnSpMkLst>
+        </pc:cxnChg>
+        <pc:cxnChg chg="add del mod">
+          <ac:chgData name="Fatima Pillosu" userId="a6295d4dc9e22643" providerId="LiveId" clId="{BA35B98B-1100-4073-9B78-73FD19002247}" dt="2021-01-22T13:58:19.372" v="265" actId="21"/>
+          <ac:cxnSpMkLst>
+            <pc:docMk/>
+            <pc:sldMk cId="142998642" sldId="260"/>
+            <ac:cxnSpMk id="180" creationId="{90F59E8C-0118-4CFE-A633-BF74887129CF}"/>
+          </ac:cxnSpMkLst>
+        </pc:cxnChg>
+        <pc:cxnChg chg="add del mod">
+          <ac:chgData name="Fatima Pillosu" userId="a6295d4dc9e22643" providerId="LiveId" clId="{BA35B98B-1100-4073-9B78-73FD19002247}" dt="2021-01-22T13:58:19.372" v="265" actId="21"/>
+          <ac:cxnSpMkLst>
+            <pc:docMk/>
+            <pc:sldMk cId="142998642" sldId="260"/>
+            <ac:cxnSpMk id="182" creationId="{4ECFA44F-7C3C-4B56-855B-78A5B750EAB3}"/>
+          </ac:cxnSpMkLst>
+        </pc:cxnChg>
+        <pc:cxnChg chg="add del mod">
+          <ac:chgData name="Fatima Pillosu" userId="a6295d4dc9e22643" providerId="LiveId" clId="{BA35B98B-1100-4073-9B78-73FD19002247}" dt="2021-01-22T13:58:19.372" v="265" actId="21"/>
+          <ac:cxnSpMkLst>
+            <pc:docMk/>
+            <pc:sldMk cId="142998642" sldId="260"/>
+            <ac:cxnSpMk id="188" creationId="{4D7EB479-549D-4C35-9EB6-AB8FFDBB323B}"/>
+          </ac:cxnSpMkLst>
+        </pc:cxnChg>
+        <pc:cxnChg chg="add del mod">
+          <ac:chgData name="Fatima Pillosu" userId="a6295d4dc9e22643" providerId="LiveId" clId="{BA35B98B-1100-4073-9B78-73FD19002247}" dt="2021-01-22T13:58:19.372" v="265" actId="21"/>
+          <ac:cxnSpMkLst>
+            <pc:docMk/>
+            <pc:sldMk cId="142998642" sldId="260"/>
+            <ac:cxnSpMk id="197" creationId="{20440553-28FD-4456-B21F-17D6B66F75AA}"/>
+          </ac:cxnSpMkLst>
+        </pc:cxnChg>
+        <pc:cxnChg chg="add del mod">
+          <ac:chgData name="Fatima Pillosu" userId="a6295d4dc9e22643" providerId="LiveId" clId="{BA35B98B-1100-4073-9B78-73FD19002247}" dt="2021-01-22T13:58:19.372" v="265" actId="21"/>
+          <ac:cxnSpMkLst>
+            <pc:docMk/>
+            <pc:sldMk cId="142998642" sldId="260"/>
+            <ac:cxnSpMk id="198" creationId="{6AE0B33F-E4A5-4F87-86FC-2DCFCF7CB681}"/>
+          </ac:cxnSpMkLst>
+        </pc:cxnChg>
+        <pc:cxnChg chg="add del mod">
+          <ac:chgData name="Fatima Pillosu" userId="a6295d4dc9e22643" providerId="LiveId" clId="{BA35B98B-1100-4073-9B78-73FD19002247}" dt="2021-01-22T13:58:19.372" v="265" actId="21"/>
+          <ac:cxnSpMkLst>
+            <pc:docMk/>
+            <pc:sldMk cId="142998642" sldId="260"/>
+            <ac:cxnSpMk id="200" creationId="{1B46FDBB-1F02-4D31-BC50-F3F9348B390A}"/>
+          </ac:cxnSpMkLst>
+        </pc:cxnChg>
+        <pc:cxnChg chg="add del mod">
+          <ac:chgData name="Fatima Pillosu" userId="a6295d4dc9e22643" providerId="LiveId" clId="{BA35B98B-1100-4073-9B78-73FD19002247}" dt="2021-01-22T13:58:19.372" v="265" actId="21"/>
+          <ac:cxnSpMkLst>
+            <pc:docMk/>
+            <pc:sldMk cId="142998642" sldId="260"/>
+            <ac:cxnSpMk id="202" creationId="{833FE0A2-D8A7-4C14-8102-0794555D4561}"/>
+          </ac:cxnSpMkLst>
+        </pc:cxnChg>
+        <pc:cxnChg chg="add del mod">
+          <ac:chgData name="Fatima Pillosu" userId="a6295d4dc9e22643" providerId="LiveId" clId="{BA35B98B-1100-4073-9B78-73FD19002247}" dt="2021-01-22T13:58:19.372" v="265" actId="21"/>
+          <ac:cxnSpMkLst>
+            <pc:docMk/>
+            <pc:sldMk cId="142998642" sldId="260"/>
+            <ac:cxnSpMk id="208" creationId="{A0648DB8-7FB6-424C-9CC6-C8D067072DA4}"/>
+          </ac:cxnSpMkLst>
+        </pc:cxnChg>
+        <pc:cxnChg chg="add mod">
+          <ac:chgData name="Fatima Pillosu" userId="a6295d4dc9e22643" providerId="LiveId" clId="{BA35B98B-1100-4073-9B78-73FD19002247}" dt="2021-01-22T13:58:34.195" v="272" actId="1037"/>
+          <ac:cxnSpMkLst>
+            <pc:docMk/>
+            <pc:sldMk cId="142998642" sldId="260"/>
+            <ac:cxnSpMk id="213" creationId="{43F46790-A9F4-4663-8A39-558709349295}"/>
+          </ac:cxnSpMkLst>
+        </pc:cxnChg>
+        <pc:cxnChg chg="add mod">
+          <ac:chgData name="Fatima Pillosu" userId="a6295d4dc9e22643" providerId="LiveId" clId="{BA35B98B-1100-4073-9B78-73FD19002247}" dt="2021-01-22T13:58:34.195" v="272" actId="1037"/>
+          <ac:cxnSpMkLst>
+            <pc:docMk/>
+            <pc:sldMk cId="142998642" sldId="260"/>
+            <ac:cxnSpMk id="215" creationId="{A9BF3F4A-F795-45BD-928A-803B5DA00E1D}"/>
+          </ac:cxnSpMkLst>
+        </pc:cxnChg>
+        <pc:cxnChg chg="add mod">
+          <ac:chgData name="Fatima Pillosu" userId="a6295d4dc9e22643" providerId="LiveId" clId="{BA35B98B-1100-4073-9B78-73FD19002247}" dt="2021-01-22T13:58:34.195" v="272" actId="1037"/>
+          <ac:cxnSpMkLst>
+            <pc:docMk/>
+            <pc:sldMk cId="142998642" sldId="260"/>
+            <ac:cxnSpMk id="216" creationId="{DE817FF3-CEB7-4717-8E3C-DE76D7AEB8C3}"/>
+          </ac:cxnSpMkLst>
+        </pc:cxnChg>
+        <pc:cxnChg chg="add mod">
+          <ac:chgData name="Fatima Pillosu" userId="a6295d4dc9e22643" providerId="LiveId" clId="{BA35B98B-1100-4073-9B78-73FD19002247}" dt="2021-01-22T13:58:34.195" v="272" actId="1037"/>
+          <ac:cxnSpMkLst>
+            <pc:docMk/>
+            <pc:sldMk cId="142998642" sldId="260"/>
+            <ac:cxnSpMk id="219" creationId="{3345721F-C67C-445B-BCC1-7C914DF98F46}"/>
+          </ac:cxnSpMkLst>
+        </pc:cxnChg>
+        <pc:cxnChg chg="add mod">
+          <ac:chgData name="Fatima Pillosu" userId="a6295d4dc9e22643" providerId="LiveId" clId="{BA35B98B-1100-4073-9B78-73FD19002247}" dt="2021-01-22T13:58:34.195" v="272" actId="1037"/>
+          <ac:cxnSpMkLst>
+            <pc:docMk/>
+            <pc:sldMk cId="142998642" sldId="260"/>
+            <ac:cxnSpMk id="220" creationId="{6E007132-CE16-4E1D-999B-1C7ED775462A}"/>
+          </ac:cxnSpMkLst>
+        </pc:cxnChg>
+        <pc:cxnChg chg="add mod">
+          <ac:chgData name="Fatima Pillosu" userId="a6295d4dc9e22643" providerId="LiveId" clId="{BA35B98B-1100-4073-9B78-73FD19002247}" dt="2021-01-22T13:58:34.195" v="272" actId="1037"/>
+          <ac:cxnSpMkLst>
+            <pc:docMk/>
+            <pc:sldMk cId="142998642" sldId="260"/>
+            <ac:cxnSpMk id="221" creationId="{1B058237-A5F4-457C-A0DC-2108520260E6}"/>
+          </ac:cxnSpMkLst>
+        </pc:cxnChg>
+        <pc:cxnChg chg="add mod">
+          <ac:chgData name="Fatima Pillosu" userId="a6295d4dc9e22643" providerId="LiveId" clId="{BA35B98B-1100-4073-9B78-73FD19002247}" dt="2021-01-22T13:58:34.195" v="272" actId="1037"/>
+          <ac:cxnSpMkLst>
+            <pc:docMk/>
+            <pc:sldMk cId="142998642" sldId="260"/>
+            <ac:cxnSpMk id="222" creationId="{F5A2A271-52F6-43A5-BFB9-E5377702E14D}"/>
+          </ac:cxnSpMkLst>
+        </pc:cxnChg>
+        <pc:cxnChg chg="add mod">
+          <ac:chgData name="Fatima Pillosu" userId="a6295d4dc9e22643" providerId="LiveId" clId="{BA35B98B-1100-4073-9B78-73FD19002247}" dt="2021-01-22T13:58:34.195" v="272" actId="1037"/>
+          <ac:cxnSpMkLst>
+            <pc:docMk/>
+            <pc:sldMk cId="142998642" sldId="260"/>
+            <ac:cxnSpMk id="223" creationId="{0D020DEB-F437-4D37-B028-539DFD6C7909}"/>
+          </ac:cxnSpMkLst>
+        </pc:cxnChg>
+        <pc:cxnChg chg="add mod">
+          <ac:chgData name="Fatima Pillosu" userId="a6295d4dc9e22643" providerId="LiveId" clId="{BA35B98B-1100-4073-9B78-73FD19002247}" dt="2021-01-22T13:58:34.195" v="272" actId="1037"/>
+          <ac:cxnSpMkLst>
+            <pc:docMk/>
+            <pc:sldMk cId="142998642" sldId="260"/>
+            <ac:cxnSpMk id="225" creationId="{010DF091-83EF-4116-85A8-4FF45DC26D5D}"/>
+          </ac:cxnSpMkLst>
+        </pc:cxnChg>
+        <pc:cxnChg chg="add mod">
+          <ac:chgData name="Fatima Pillosu" userId="a6295d4dc9e22643" providerId="LiveId" clId="{BA35B98B-1100-4073-9B78-73FD19002247}" dt="2021-01-22T13:58:34.195" v="272" actId="1037"/>
+          <ac:cxnSpMkLst>
+            <pc:docMk/>
+            <pc:sldMk cId="142998642" sldId="260"/>
+            <ac:cxnSpMk id="231" creationId="{18D22334-DC03-46F9-AC19-462E1D4FD57B}"/>
+          </ac:cxnSpMkLst>
+        </pc:cxnChg>
+        <pc:cxnChg chg="add mod">
+          <ac:chgData name="Fatima Pillosu" userId="a6295d4dc9e22643" providerId="LiveId" clId="{BA35B98B-1100-4073-9B78-73FD19002247}" dt="2021-01-22T13:58:34.195" v="272" actId="1037"/>
+          <ac:cxnSpMkLst>
+            <pc:docMk/>
+            <pc:sldMk cId="142998642" sldId="260"/>
+            <ac:cxnSpMk id="240" creationId="{E8C619DD-6EBC-4331-BD8D-77CEF3FF1E9F}"/>
+          </ac:cxnSpMkLst>
+        </pc:cxnChg>
+        <pc:cxnChg chg="add mod">
+          <ac:chgData name="Fatima Pillosu" userId="a6295d4dc9e22643" providerId="LiveId" clId="{BA35B98B-1100-4073-9B78-73FD19002247}" dt="2021-01-22T13:58:34.195" v="272" actId="1037"/>
+          <ac:cxnSpMkLst>
+            <pc:docMk/>
+            <pc:sldMk cId="142998642" sldId="260"/>
+            <ac:cxnSpMk id="241" creationId="{E6953CB0-36EF-45AA-B6EF-21FEA5A1B557}"/>
+          </ac:cxnSpMkLst>
+        </pc:cxnChg>
+        <pc:cxnChg chg="add mod">
+          <ac:chgData name="Fatima Pillosu" userId="a6295d4dc9e22643" providerId="LiveId" clId="{BA35B98B-1100-4073-9B78-73FD19002247}" dt="2021-01-22T13:58:34.195" v="272" actId="1037"/>
+          <ac:cxnSpMkLst>
+            <pc:docMk/>
+            <pc:sldMk cId="142998642" sldId="260"/>
+            <ac:cxnSpMk id="243" creationId="{6271C970-65CC-499E-8368-4CC86FC348EC}"/>
+          </ac:cxnSpMkLst>
+        </pc:cxnChg>
+        <pc:cxnChg chg="add mod">
+          <ac:chgData name="Fatima Pillosu" userId="a6295d4dc9e22643" providerId="LiveId" clId="{BA35B98B-1100-4073-9B78-73FD19002247}" dt="2021-01-22T13:58:34.195" v="272" actId="1037"/>
+          <ac:cxnSpMkLst>
+            <pc:docMk/>
+            <pc:sldMk cId="142998642" sldId="260"/>
+            <ac:cxnSpMk id="245" creationId="{277B4338-522A-47DA-8E34-8135D6BD6804}"/>
+          </ac:cxnSpMkLst>
+        </pc:cxnChg>
+        <pc:cxnChg chg="add mod">
+          <ac:chgData name="Fatima Pillosu" userId="a6295d4dc9e22643" providerId="LiveId" clId="{BA35B98B-1100-4073-9B78-73FD19002247}" dt="2021-01-22T13:58:34.195" v="272" actId="1037"/>
+          <ac:cxnSpMkLst>
+            <pc:docMk/>
+            <pc:sldMk cId="142998642" sldId="260"/>
+            <ac:cxnSpMk id="251" creationId="{2465785C-6A86-49E9-9934-7E3F6B0F456A}"/>
+          </ac:cxnSpMkLst>
+        </pc:cxnChg>
       </pc:sldChg>
     </pc:docChg>
   </pc:docChgLst>
@@ -477,15 +1909,15 @@
         </p:nvSpPr>
         <p:spPr>
           <a:xfrm>
-            <a:off x="245745" y="397764"/>
-            <a:ext cx="2785110" cy="846161"/>
+            <a:off x="180856" y="365288"/>
+            <a:ext cx="2049701" cy="777075"/>
           </a:xfrm>
         </p:spPr>
         <p:txBody>
           <a:bodyPr anchor="b"/>
           <a:lstStyle>
             <a:lvl1pPr algn="ctr">
-              <a:defRPr sz="2126"/>
+              <a:defRPr sz="1582"/>
             </a:lvl1pPr>
           </a:lstStyle>
           <a:p>
@@ -509,8 +1941,8 @@
         </p:nvSpPr>
         <p:spPr>
           <a:xfrm>
-            <a:off x="409575" y="1276556"/>
-            <a:ext cx="2457450" cy="586799"/>
+            <a:off x="301427" y="1172330"/>
+            <a:ext cx="1808560" cy="538889"/>
           </a:xfrm>
         </p:spPr>
         <p:txBody>
@@ -518,39 +1950,39 @@
           <a:lstStyle>
             <a:lvl1pPr marL="0" indent="0" algn="ctr">
               <a:buNone/>
-              <a:defRPr sz="851"/>
+              <a:defRPr sz="633"/>
             </a:lvl1pPr>
-            <a:lvl2pPr marL="162032" indent="0" algn="ctr">
+            <a:lvl2pPr marL="120564" indent="0" algn="ctr">
               <a:buNone/>
-              <a:defRPr sz="709"/>
+              <a:defRPr sz="527"/>
             </a:lvl2pPr>
-            <a:lvl3pPr marL="324063" indent="0" algn="ctr">
+            <a:lvl3pPr marL="241127" indent="0" algn="ctr">
               <a:buNone/>
-              <a:defRPr sz="638"/>
+              <a:defRPr sz="475"/>
             </a:lvl3pPr>
-            <a:lvl4pPr marL="486095" indent="0" algn="ctr">
+            <a:lvl4pPr marL="361691" indent="0" algn="ctr">
               <a:buNone/>
-              <a:defRPr sz="567"/>
+              <a:defRPr sz="422"/>
             </a:lvl4pPr>
-            <a:lvl5pPr marL="648127" indent="0" algn="ctr">
+            <a:lvl5pPr marL="482255" indent="0" algn="ctr">
               <a:buNone/>
-              <a:defRPr sz="567"/>
+              <a:defRPr sz="422"/>
             </a:lvl5pPr>
-            <a:lvl6pPr marL="810158" indent="0" algn="ctr">
+            <a:lvl6pPr marL="602818" indent="0" algn="ctr">
               <a:buNone/>
-              <a:defRPr sz="567"/>
+              <a:defRPr sz="422"/>
             </a:lvl6pPr>
-            <a:lvl7pPr marL="972190" indent="0" algn="ctr">
+            <a:lvl7pPr marL="723382" indent="0" algn="ctr">
               <a:buNone/>
-              <a:defRPr sz="567"/>
+              <a:defRPr sz="422"/>
             </a:lvl7pPr>
-            <a:lvl8pPr marL="1134222" indent="0" algn="ctr">
+            <a:lvl8pPr marL="843945" indent="0" algn="ctr">
               <a:buNone/>
-              <a:defRPr sz="567"/>
+              <a:defRPr sz="422"/>
             </a:lvl8pPr>
-            <a:lvl9pPr marL="1296253" indent="0" algn="ctr">
+            <a:lvl9pPr marL="964509" indent="0" algn="ctr">
               <a:buNone/>
-              <a:defRPr sz="567"/>
+              <a:defRPr sz="422"/>
             </a:lvl9pPr>
           </a:lstStyle>
           <a:p>
@@ -579,7 +2011,7 @@
           <a:p>
             <a:fld id="{167D0764-9DAD-4C7F-9AA0-390EE444472D}" type="datetimeFigureOut">
               <a:rPr lang="en-GB" smtClean="0"/>
-              <a:t>03/12/2020</a:t>
+              <a:t>22/01/2021</a:t>
             </a:fld>
             <a:endParaRPr lang="en-GB"/>
           </a:p>
@@ -630,7 +2062,7 @@
     </p:spTree>
     <p:extLst>
       <p:ext uri="{BB962C8B-B14F-4D97-AF65-F5344CB8AC3E}">
-        <p14:creationId xmlns:p14="http://schemas.microsoft.com/office/powerpoint/2010/main" val="444970431"/>
+        <p14:creationId xmlns:p14="http://schemas.microsoft.com/office/powerpoint/2010/main" val="2331356041"/>
       </p:ext>
     </p:extLst>
   </p:cSld>
@@ -749,7 +2181,7 @@
           <a:p>
             <a:fld id="{167D0764-9DAD-4C7F-9AA0-390EE444472D}" type="datetimeFigureOut">
               <a:rPr lang="en-GB" smtClean="0"/>
-              <a:t>03/12/2020</a:t>
+              <a:t>22/01/2021</a:t>
             </a:fld>
             <a:endParaRPr lang="en-GB"/>
           </a:p>
@@ -800,7 +2232,7 @@
     </p:spTree>
     <p:extLst>
       <p:ext uri="{BB962C8B-B14F-4D97-AF65-F5344CB8AC3E}">
-        <p14:creationId xmlns:p14="http://schemas.microsoft.com/office/powerpoint/2010/main" val="1052232198"/>
+        <p14:creationId xmlns:p14="http://schemas.microsoft.com/office/powerpoint/2010/main" val="3118009674"/>
       </p:ext>
     </p:extLst>
   </p:cSld>
@@ -839,8 +2271,8 @@
         </p:nvSpPr>
         <p:spPr>
           <a:xfrm>
-            <a:off x="2344817" y="129400"/>
-            <a:ext cx="706517" cy="2059705"/>
+            <a:off x="1725668" y="118835"/>
+            <a:ext cx="519961" cy="1891538"/>
           </a:xfrm>
         </p:spPr>
         <p:txBody>
@@ -867,8 +2299,8 @@
         </p:nvSpPr>
         <p:spPr>
           <a:xfrm>
-            <a:off x="225266" y="129400"/>
-            <a:ext cx="2078593" cy="2059705"/>
+            <a:off x="165785" y="118835"/>
+            <a:ext cx="1529740" cy="1891538"/>
           </a:xfrm>
         </p:spPr>
         <p:txBody>
@@ -929,7 +2361,7 @@
           <a:p>
             <a:fld id="{167D0764-9DAD-4C7F-9AA0-390EE444472D}" type="datetimeFigureOut">
               <a:rPr lang="en-GB" smtClean="0"/>
-              <a:t>03/12/2020</a:t>
+              <a:t>22/01/2021</a:t>
             </a:fld>
             <a:endParaRPr lang="en-GB"/>
           </a:p>
@@ -980,7 +2412,7 @@
     </p:spTree>
     <p:extLst>
       <p:ext uri="{BB962C8B-B14F-4D97-AF65-F5344CB8AC3E}">
-        <p14:creationId xmlns:p14="http://schemas.microsoft.com/office/powerpoint/2010/main" val="1450200208"/>
+        <p14:creationId xmlns:p14="http://schemas.microsoft.com/office/powerpoint/2010/main" val="385894708"/>
       </p:ext>
     </p:extLst>
   </p:cSld>
@@ -1099,7 +2531,7 @@
           <a:p>
             <a:fld id="{167D0764-9DAD-4C7F-9AA0-390EE444472D}" type="datetimeFigureOut">
               <a:rPr lang="en-GB" smtClean="0"/>
-              <a:t>03/12/2020</a:t>
+              <a:t>22/01/2021</a:t>
             </a:fld>
             <a:endParaRPr lang="en-GB"/>
           </a:p>
@@ -1150,7 +2582,7 @@
     </p:spTree>
     <p:extLst>
       <p:ext uri="{BB962C8B-B14F-4D97-AF65-F5344CB8AC3E}">
-        <p14:creationId xmlns:p14="http://schemas.microsoft.com/office/powerpoint/2010/main" val="495508448"/>
+        <p14:creationId xmlns:p14="http://schemas.microsoft.com/office/powerpoint/2010/main" val="702274071"/>
       </p:ext>
     </p:extLst>
   </p:cSld>
@@ -1189,15 +2621,15 @@
         </p:nvSpPr>
         <p:spPr>
           <a:xfrm>
-            <a:off x="223560" y="605929"/>
-            <a:ext cx="2826068" cy="1011005"/>
+            <a:off x="164529" y="556457"/>
+            <a:ext cx="2079844" cy="928460"/>
           </a:xfrm>
         </p:spPr>
         <p:txBody>
           <a:bodyPr anchor="b"/>
           <a:lstStyle>
             <a:lvl1pPr>
-              <a:defRPr sz="2126"/>
+              <a:defRPr sz="1582"/>
             </a:lvl1pPr>
           </a:lstStyle>
           <a:p>
@@ -1221,8 +2653,8 @@
         </p:nvSpPr>
         <p:spPr>
           <a:xfrm>
-            <a:off x="223560" y="1626498"/>
-            <a:ext cx="2826068" cy="531664"/>
+            <a:off x="164529" y="1493701"/>
+            <a:ext cx="2079844" cy="488255"/>
           </a:xfrm>
         </p:spPr>
         <p:txBody>
@@ -1230,15 +2662,15 @@
           <a:lstStyle>
             <a:lvl1pPr marL="0" indent="0">
               <a:buNone/>
-              <a:defRPr sz="851">
+              <a:defRPr sz="633">
                 <a:solidFill>
                   <a:schemeClr val="tx1"/>
                 </a:solidFill>
               </a:defRPr>
             </a:lvl1pPr>
-            <a:lvl2pPr marL="162032" indent="0">
+            <a:lvl2pPr marL="120564" indent="0">
               <a:buNone/>
-              <a:defRPr sz="709">
+              <a:defRPr sz="527">
                 <a:solidFill>
                   <a:schemeClr val="tx1">
                     <a:tint val="75000"/>
@@ -1246,9 +2678,9 @@
                 </a:solidFill>
               </a:defRPr>
             </a:lvl2pPr>
-            <a:lvl3pPr marL="324063" indent="0">
+            <a:lvl3pPr marL="241127" indent="0">
               <a:buNone/>
-              <a:defRPr sz="638">
+              <a:defRPr sz="475">
                 <a:solidFill>
                   <a:schemeClr val="tx1">
                     <a:tint val="75000"/>
@@ -1256,9 +2688,9 @@
                 </a:solidFill>
               </a:defRPr>
             </a:lvl3pPr>
-            <a:lvl4pPr marL="486095" indent="0">
+            <a:lvl4pPr marL="361691" indent="0">
               <a:buNone/>
-              <a:defRPr sz="567">
+              <a:defRPr sz="422">
                 <a:solidFill>
                   <a:schemeClr val="tx1">
                     <a:tint val="75000"/>
@@ -1266,9 +2698,9 @@
                 </a:solidFill>
               </a:defRPr>
             </a:lvl4pPr>
-            <a:lvl5pPr marL="648127" indent="0">
+            <a:lvl5pPr marL="482255" indent="0">
               <a:buNone/>
-              <a:defRPr sz="567">
+              <a:defRPr sz="422">
                 <a:solidFill>
                   <a:schemeClr val="tx1">
                     <a:tint val="75000"/>
@@ -1276,9 +2708,9 @@
                 </a:solidFill>
               </a:defRPr>
             </a:lvl5pPr>
-            <a:lvl6pPr marL="810158" indent="0">
+            <a:lvl6pPr marL="602818" indent="0">
               <a:buNone/>
-              <a:defRPr sz="567">
+              <a:defRPr sz="422">
                 <a:solidFill>
                   <a:schemeClr val="tx1">
                     <a:tint val="75000"/>
@@ -1286,9 +2718,9 @@
                 </a:solidFill>
               </a:defRPr>
             </a:lvl6pPr>
-            <a:lvl7pPr marL="972190" indent="0">
+            <a:lvl7pPr marL="723382" indent="0">
               <a:buNone/>
-              <a:defRPr sz="567">
+              <a:defRPr sz="422">
                 <a:solidFill>
                   <a:schemeClr val="tx1">
                     <a:tint val="75000"/>
@@ -1296,9 +2728,9 @@
                 </a:solidFill>
               </a:defRPr>
             </a:lvl7pPr>
-            <a:lvl8pPr marL="1134222" indent="0">
+            <a:lvl8pPr marL="843945" indent="0">
               <a:buNone/>
-              <a:defRPr sz="567">
+              <a:defRPr sz="422">
                 <a:solidFill>
                   <a:schemeClr val="tx1">
                     <a:tint val="75000"/>
@@ -1306,9 +2738,9 @@
                 </a:solidFill>
               </a:defRPr>
             </a:lvl8pPr>
-            <a:lvl9pPr marL="1296253" indent="0">
+            <a:lvl9pPr marL="964509" indent="0">
               <a:buNone/>
-              <a:defRPr sz="567">
+              <a:defRPr sz="422">
                 <a:solidFill>
                   <a:schemeClr val="tx1">
                     <a:tint val="75000"/>
@@ -1343,7 +2775,7 @@
           <a:p>
             <a:fld id="{167D0764-9DAD-4C7F-9AA0-390EE444472D}" type="datetimeFigureOut">
               <a:rPr lang="en-GB" smtClean="0"/>
-              <a:t>03/12/2020</a:t>
+              <a:t>22/01/2021</a:t>
             </a:fld>
             <a:endParaRPr lang="en-GB"/>
           </a:p>
@@ -1394,7 +2826,7 @@
     </p:spTree>
     <p:extLst>
       <p:ext uri="{BB962C8B-B14F-4D97-AF65-F5344CB8AC3E}">
-        <p14:creationId xmlns:p14="http://schemas.microsoft.com/office/powerpoint/2010/main" val="432138779"/>
+        <p14:creationId xmlns:p14="http://schemas.microsoft.com/office/powerpoint/2010/main" val="3335770404"/>
       </p:ext>
     </p:extLst>
   </p:cSld>
@@ -1456,8 +2888,8 @@
         </p:nvSpPr>
         <p:spPr>
           <a:xfrm>
-            <a:off x="225266" y="646998"/>
-            <a:ext cx="1392555" cy="1542106"/>
+            <a:off x="165784" y="594174"/>
+            <a:ext cx="1024851" cy="1416199"/>
           </a:xfrm>
         </p:spPr>
         <p:txBody>
@@ -1513,8 +2945,8 @@
         </p:nvSpPr>
         <p:spPr>
           <a:xfrm>
-            <a:off x="1658779" y="646998"/>
-            <a:ext cx="1392555" cy="1542106"/>
+            <a:off x="1220778" y="594174"/>
+            <a:ext cx="1024851" cy="1416199"/>
           </a:xfrm>
         </p:spPr>
         <p:txBody>
@@ -1575,7 +3007,7 @@
           <a:p>
             <a:fld id="{167D0764-9DAD-4C7F-9AA0-390EE444472D}" type="datetimeFigureOut">
               <a:rPr lang="en-GB" smtClean="0"/>
-              <a:t>03/12/2020</a:t>
+              <a:t>22/01/2021</a:t>
             </a:fld>
             <a:endParaRPr lang="en-GB"/>
           </a:p>
@@ -1626,7 +3058,7 @@
     </p:spTree>
     <p:extLst>
       <p:ext uri="{BB962C8B-B14F-4D97-AF65-F5344CB8AC3E}">
-        <p14:creationId xmlns:p14="http://schemas.microsoft.com/office/powerpoint/2010/main" val="2340731804"/>
+        <p14:creationId xmlns:p14="http://schemas.microsoft.com/office/powerpoint/2010/main" val="2126067935"/>
       </p:ext>
     </p:extLst>
   </p:cSld>
@@ -1665,8 +3097,8 @@
         </p:nvSpPr>
         <p:spPr>
           <a:xfrm>
-            <a:off x="225693" y="129400"/>
-            <a:ext cx="2826068" cy="469777"/>
+            <a:off x="166099" y="118835"/>
+            <a:ext cx="2079844" cy="431422"/>
           </a:xfrm>
         </p:spPr>
         <p:txBody>
@@ -1693,8 +3125,8 @@
         </p:nvSpPr>
         <p:spPr>
           <a:xfrm>
-            <a:off x="225693" y="595801"/>
-            <a:ext cx="1386155" cy="291993"/>
+            <a:off x="166099" y="547156"/>
+            <a:ext cx="1020141" cy="268153"/>
           </a:xfrm>
         </p:spPr>
         <p:txBody>
@@ -1702,39 +3134,39 @@
           <a:lstStyle>
             <a:lvl1pPr marL="0" indent="0">
               <a:buNone/>
-              <a:defRPr sz="851" b="1"/>
+              <a:defRPr sz="633" b="1"/>
             </a:lvl1pPr>
-            <a:lvl2pPr marL="162032" indent="0">
+            <a:lvl2pPr marL="120564" indent="0">
               <a:buNone/>
-              <a:defRPr sz="709" b="1"/>
+              <a:defRPr sz="527" b="1"/>
             </a:lvl2pPr>
-            <a:lvl3pPr marL="324063" indent="0">
+            <a:lvl3pPr marL="241127" indent="0">
               <a:buNone/>
-              <a:defRPr sz="638" b="1"/>
+              <a:defRPr sz="475" b="1"/>
             </a:lvl3pPr>
-            <a:lvl4pPr marL="486095" indent="0">
+            <a:lvl4pPr marL="361691" indent="0">
               <a:buNone/>
-              <a:defRPr sz="567" b="1"/>
+              <a:defRPr sz="422" b="1"/>
             </a:lvl4pPr>
-            <a:lvl5pPr marL="648127" indent="0">
+            <a:lvl5pPr marL="482255" indent="0">
               <a:buNone/>
-              <a:defRPr sz="567" b="1"/>
+              <a:defRPr sz="422" b="1"/>
             </a:lvl5pPr>
-            <a:lvl6pPr marL="810158" indent="0">
+            <a:lvl6pPr marL="602818" indent="0">
               <a:buNone/>
-              <a:defRPr sz="567" b="1"/>
+              <a:defRPr sz="422" b="1"/>
             </a:lvl6pPr>
-            <a:lvl7pPr marL="972190" indent="0">
+            <a:lvl7pPr marL="723382" indent="0">
               <a:buNone/>
-              <a:defRPr sz="567" b="1"/>
+              <a:defRPr sz="422" b="1"/>
             </a:lvl7pPr>
-            <a:lvl8pPr marL="1134222" indent="0">
+            <a:lvl8pPr marL="843945" indent="0">
               <a:buNone/>
-              <a:defRPr sz="567" b="1"/>
+              <a:defRPr sz="422" b="1"/>
             </a:lvl8pPr>
-            <a:lvl9pPr marL="1296253" indent="0">
+            <a:lvl9pPr marL="964509" indent="0">
               <a:buNone/>
-              <a:defRPr sz="567" b="1"/>
+              <a:defRPr sz="422" b="1"/>
             </a:lvl9pPr>
           </a:lstStyle>
           <a:p>
@@ -1758,8 +3190,8 @@
         </p:nvSpPr>
         <p:spPr>
           <a:xfrm>
-            <a:off x="225693" y="887794"/>
-            <a:ext cx="1386155" cy="1305811"/>
+            <a:off x="166099" y="815309"/>
+            <a:ext cx="1020141" cy="1199197"/>
           </a:xfrm>
         </p:spPr>
         <p:txBody>
@@ -1815,8 +3247,8 @@
         </p:nvSpPr>
         <p:spPr>
           <a:xfrm>
-            <a:off x="1658779" y="595801"/>
-            <a:ext cx="1392982" cy="291993"/>
+            <a:off x="1220778" y="547156"/>
+            <a:ext cx="1025165" cy="268153"/>
           </a:xfrm>
         </p:spPr>
         <p:txBody>
@@ -1824,39 +3256,39 @@
           <a:lstStyle>
             <a:lvl1pPr marL="0" indent="0">
               <a:buNone/>
-              <a:defRPr sz="851" b="1"/>
+              <a:defRPr sz="633" b="1"/>
             </a:lvl1pPr>
-            <a:lvl2pPr marL="162032" indent="0">
+            <a:lvl2pPr marL="120564" indent="0">
               <a:buNone/>
-              <a:defRPr sz="709" b="1"/>
+              <a:defRPr sz="527" b="1"/>
             </a:lvl2pPr>
-            <a:lvl3pPr marL="324063" indent="0">
+            <a:lvl3pPr marL="241127" indent="0">
               <a:buNone/>
-              <a:defRPr sz="638" b="1"/>
+              <a:defRPr sz="475" b="1"/>
             </a:lvl3pPr>
-            <a:lvl4pPr marL="486095" indent="0">
+            <a:lvl4pPr marL="361691" indent="0">
               <a:buNone/>
-              <a:defRPr sz="567" b="1"/>
+              <a:defRPr sz="422" b="1"/>
             </a:lvl4pPr>
-            <a:lvl5pPr marL="648127" indent="0">
+            <a:lvl5pPr marL="482255" indent="0">
               <a:buNone/>
-              <a:defRPr sz="567" b="1"/>
+              <a:defRPr sz="422" b="1"/>
             </a:lvl5pPr>
-            <a:lvl6pPr marL="810158" indent="0">
+            <a:lvl6pPr marL="602818" indent="0">
               <a:buNone/>
-              <a:defRPr sz="567" b="1"/>
+              <a:defRPr sz="422" b="1"/>
             </a:lvl6pPr>
-            <a:lvl7pPr marL="972190" indent="0">
+            <a:lvl7pPr marL="723382" indent="0">
               <a:buNone/>
-              <a:defRPr sz="567" b="1"/>
+              <a:defRPr sz="422" b="1"/>
             </a:lvl7pPr>
-            <a:lvl8pPr marL="1134222" indent="0">
+            <a:lvl8pPr marL="843945" indent="0">
               <a:buNone/>
-              <a:defRPr sz="567" b="1"/>
+              <a:defRPr sz="422" b="1"/>
             </a:lvl8pPr>
-            <a:lvl9pPr marL="1296253" indent="0">
+            <a:lvl9pPr marL="964509" indent="0">
               <a:buNone/>
-              <a:defRPr sz="567" b="1"/>
+              <a:defRPr sz="422" b="1"/>
             </a:lvl9pPr>
           </a:lstStyle>
           <a:p>
@@ -1880,8 +3312,8 @@
         </p:nvSpPr>
         <p:spPr>
           <a:xfrm>
-            <a:off x="1658779" y="887794"/>
-            <a:ext cx="1392982" cy="1305811"/>
+            <a:off x="1220778" y="815309"/>
+            <a:ext cx="1025165" cy="1199197"/>
           </a:xfrm>
         </p:spPr>
         <p:txBody>
@@ -1942,7 +3374,7 @@
           <a:p>
             <a:fld id="{167D0764-9DAD-4C7F-9AA0-390EE444472D}" type="datetimeFigureOut">
               <a:rPr lang="en-GB" smtClean="0"/>
-              <a:t>03/12/2020</a:t>
+              <a:t>22/01/2021</a:t>
             </a:fld>
             <a:endParaRPr lang="en-GB"/>
           </a:p>
@@ -1993,7 +3425,7 @@
     </p:spTree>
     <p:extLst>
       <p:ext uri="{BB962C8B-B14F-4D97-AF65-F5344CB8AC3E}">
-        <p14:creationId xmlns:p14="http://schemas.microsoft.com/office/powerpoint/2010/main" val="3714474719"/>
+        <p14:creationId xmlns:p14="http://schemas.microsoft.com/office/powerpoint/2010/main" val="2666767370"/>
       </p:ext>
     </p:extLst>
   </p:cSld>
@@ -2060,7 +3492,7 @@
           <a:p>
             <a:fld id="{167D0764-9DAD-4C7F-9AA0-390EE444472D}" type="datetimeFigureOut">
               <a:rPr lang="en-GB" smtClean="0"/>
-              <a:t>03/12/2020</a:t>
+              <a:t>22/01/2021</a:t>
             </a:fld>
             <a:endParaRPr lang="en-GB"/>
           </a:p>
@@ -2111,7 +3543,7 @@
     </p:spTree>
     <p:extLst>
       <p:ext uri="{BB962C8B-B14F-4D97-AF65-F5344CB8AC3E}">
-        <p14:creationId xmlns:p14="http://schemas.microsoft.com/office/powerpoint/2010/main" val="3035498205"/>
+        <p14:creationId xmlns:p14="http://schemas.microsoft.com/office/powerpoint/2010/main" val="2852193247"/>
       </p:ext>
     </p:extLst>
   </p:cSld>
@@ -2155,7 +3587,7 @@
           <a:p>
             <a:fld id="{167D0764-9DAD-4C7F-9AA0-390EE444472D}" type="datetimeFigureOut">
               <a:rPr lang="en-GB" smtClean="0"/>
-              <a:t>03/12/2020</a:t>
+              <a:t>22/01/2021</a:t>
             </a:fld>
             <a:endParaRPr lang="en-GB"/>
           </a:p>
@@ -2206,7 +3638,7 @@
     </p:spTree>
     <p:extLst>
       <p:ext uri="{BB962C8B-B14F-4D97-AF65-F5344CB8AC3E}">
-        <p14:creationId xmlns:p14="http://schemas.microsoft.com/office/powerpoint/2010/main" val="1502137959"/>
+        <p14:creationId xmlns:p14="http://schemas.microsoft.com/office/powerpoint/2010/main" val="2932151599"/>
       </p:ext>
     </p:extLst>
   </p:cSld>
@@ -2245,15 +3677,15 @@
         </p:nvSpPr>
         <p:spPr>
           <a:xfrm>
-            <a:off x="225693" y="162031"/>
-            <a:ext cx="1056789" cy="567108"/>
+            <a:off x="166099" y="148802"/>
+            <a:ext cx="777743" cy="520806"/>
           </a:xfrm>
         </p:spPr>
         <p:txBody>
           <a:bodyPr anchor="b"/>
           <a:lstStyle>
             <a:lvl1pPr>
-              <a:defRPr sz="1134"/>
+              <a:defRPr sz="844"/>
             </a:lvl1pPr>
           </a:lstStyle>
           <a:p>
@@ -2277,39 +3709,39 @@
         </p:nvSpPr>
         <p:spPr>
           <a:xfrm>
-            <a:off x="1392982" y="349942"/>
-            <a:ext cx="1658779" cy="1727204"/>
+            <a:off x="1025165" y="321371"/>
+            <a:ext cx="1220778" cy="1586184"/>
           </a:xfrm>
         </p:spPr>
         <p:txBody>
           <a:bodyPr/>
           <a:lstStyle>
             <a:lvl1pPr>
-              <a:defRPr sz="1134"/>
+              <a:defRPr sz="844"/>
             </a:lvl1pPr>
             <a:lvl2pPr>
-              <a:defRPr sz="992"/>
+              <a:defRPr sz="738"/>
             </a:lvl2pPr>
             <a:lvl3pPr>
-              <a:defRPr sz="851"/>
+              <a:defRPr sz="633"/>
             </a:lvl3pPr>
             <a:lvl4pPr>
-              <a:defRPr sz="709"/>
+              <a:defRPr sz="527"/>
             </a:lvl4pPr>
             <a:lvl5pPr>
-              <a:defRPr sz="709"/>
+              <a:defRPr sz="527"/>
             </a:lvl5pPr>
             <a:lvl6pPr>
-              <a:defRPr sz="709"/>
+              <a:defRPr sz="527"/>
             </a:lvl6pPr>
             <a:lvl7pPr>
-              <a:defRPr sz="709"/>
+              <a:defRPr sz="527"/>
             </a:lvl7pPr>
             <a:lvl8pPr>
-              <a:defRPr sz="709"/>
+              <a:defRPr sz="527"/>
             </a:lvl8pPr>
             <a:lvl9pPr>
-              <a:defRPr sz="709"/>
+              <a:defRPr sz="527"/>
             </a:lvl9pPr>
           </a:lstStyle>
           <a:p>
@@ -2362,8 +3794,8 @@
         </p:nvSpPr>
         <p:spPr>
           <a:xfrm>
-            <a:off x="225693" y="729139"/>
-            <a:ext cx="1056789" cy="1350820"/>
+            <a:off x="166099" y="669607"/>
+            <a:ext cx="777743" cy="1240531"/>
           </a:xfrm>
         </p:spPr>
         <p:txBody>
@@ -2371,39 +3803,39 @@
           <a:lstStyle>
             <a:lvl1pPr marL="0" indent="0">
               <a:buNone/>
-              <a:defRPr sz="567"/>
+              <a:defRPr sz="422"/>
             </a:lvl1pPr>
-            <a:lvl2pPr marL="162032" indent="0">
+            <a:lvl2pPr marL="120564" indent="0">
               <a:buNone/>
-              <a:defRPr sz="496"/>
+              <a:defRPr sz="369"/>
             </a:lvl2pPr>
-            <a:lvl3pPr marL="324063" indent="0">
+            <a:lvl3pPr marL="241127" indent="0">
               <a:buNone/>
-              <a:defRPr sz="425"/>
+              <a:defRPr sz="316"/>
             </a:lvl3pPr>
-            <a:lvl4pPr marL="486095" indent="0">
+            <a:lvl4pPr marL="361691" indent="0">
               <a:buNone/>
-              <a:defRPr sz="354"/>
+              <a:defRPr sz="264"/>
             </a:lvl4pPr>
-            <a:lvl5pPr marL="648127" indent="0">
+            <a:lvl5pPr marL="482255" indent="0">
               <a:buNone/>
-              <a:defRPr sz="354"/>
+              <a:defRPr sz="264"/>
             </a:lvl5pPr>
-            <a:lvl6pPr marL="810158" indent="0">
+            <a:lvl6pPr marL="602818" indent="0">
               <a:buNone/>
-              <a:defRPr sz="354"/>
+              <a:defRPr sz="264"/>
             </a:lvl6pPr>
-            <a:lvl7pPr marL="972190" indent="0">
+            <a:lvl7pPr marL="723382" indent="0">
               <a:buNone/>
-              <a:defRPr sz="354"/>
+              <a:defRPr sz="264"/>
             </a:lvl7pPr>
-            <a:lvl8pPr marL="1134222" indent="0">
+            <a:lvl8pPr marL="843945" indent="0">
               <a:buNone/>
-              <a:defRPr sz="354"/>
+              <a:defRPr sz="264"/>
             </a:lvl8pPr>
-            <a:lvl9pPr marL="1296253" indent="0">
+            <a:lvl9pPr marL="964509" indent="0">
               <a:buNone/>
-              <a:defRPr sz="354"/>
+              <a:defRPr sz="264"/>
             </a:lvl9pPr>
           </a:lstStyle>
           <a:p>
@@ -2432,7 +3864,7 @@
           <a:p>
             <a:fld id="{167D0764-9DAD-4C7F-9AA0-390EE444472D}" type="datetimeFigureOut">
               <a:rPr lang="en-GB" smtClean="0"/>
-              <a:t>03/12/2020</a:t>
+              <a:t>22/01/2021</a:t>
             </a:fld>
             <a:endParaRPr lang="en-GB"/>
           </a:p>
@@ -2483,7 +3915,7 @@
     </p:spTree>
     <p:extLst>
       <p:ext uri="{BB962C8B-B14F-4D97-AF65-F5344CB8AC3E}">
-        <p14:creationId xmlns:p14="http://schemas.microsoft.com/office/powerpoint/2010/main" val="1131301422"/>
+        <p14:creationId xmlns:p14="http://schemas.microsoft.com/office/powerpoint/2010/main" val="3280370598"/>
       </p:ext>
     </p:extLst>
   </p:cSld>
@@ -2522,15 +3954,15 @@
         </p:nvSpPr>
         <p:spPr>
           <a:xfrm>
-            <a:off x="225693" y="162031"/>
-            <a:ext cx="1056789" cy="567108"/>
+            <a:off x="166099" y="148802"/>
+            <a:ext cx="777743" cy="520806"/>
           </a:xfrm>
         </p:spPr>
         <p:txBody>
           <a:bodyPr anchor="b"/>
           <a:lstStyle>
             <a:lvl1pPr>
-              <a:defRPr sz="1134"/>
+              <a:defRPr sz="844"/>
             </a:lvl1pPr>
           </a:lstStyle>
           <a:p>
@@ -2554,8 +3986,8 @@
         </p:nvSpPr>
         <p:spPr>
           <a:xfrm>
-            <a:off x="1392982" y="349942"/>
-            <a:ext cx="1658779" cy="1727204"/>
+            <a:off x="1025165" y="321371"/>
+            <a:ext cx="1220778" cy="1586184"/>
           </a:xfrm>
         </p:spPr>
         <p:txBody>
@@ -2563,39 +3995,39 @@
           <a:lstStyle>
             <a:lvl1pPr marL="0" indent="0">
               <a:buNone/>
-              <a:defRPr sz="1134"/>
+              <a:defRPr sz="844"/>
             </a:lvl1pPr>
-            <a:lvl2pPr marL="162032" indent="0">
+            <a:lvl2pPr marL="120564" indent="0">
               <a:buNone/>
-              <a:defRPr sz="992"/>
+              <a:defRPr sz="738"/>
             </a:lvl2pPr>
-            <a:lvl3pPr marL="324063" indent="0">
+            <a:lvl3pPr marL="241127" indent="0">
               <a:buNone/>
-              <a:defRPr sz="851"/>
+              <a:defRPr sz="633"/>
             </a:lvl3pPr>
-            <a:lvl4pPr marL="486095" indent="0">
+            <a:lvl4pPr marL="361691" indent="0">
               <a:buNone/>
-              <a:defRPr sz="709"/>
+              <a:defRPr sz="527"/>
             </a:lvl4pPr>
-            <a:lvl5pPr marL="648127" indent="0">
+            <a:lvl5pPr marL="482255" indent="0">
               <a:buNone/>
-              <a:defRPr sz="709"/>
+              <a:defRPr sz="527"/>
             </a:lvl5pPr>
-            <a:lvl6pPr marL="810158" indent="0">
+            <a:lvl6pPr marL="602818" indent="0">
               <a:buNone/>
-              <a:defRPr sz="709"/>
+              <a:defRPr sz="527"/>
             </a:lvl6pPr>
-            <a:lvl7pPr marL="972190" indent="0">
+            <a:lvl7pPr marL="723382" indent="0">
               <a:buNone/>
-              <a:defRPr sz="709"/>
+              <a:defRPr sz="527"/>
             </a:lvl7pPr>
-            <a:lvl8pPr marL="1134222" indent="0">
+            <a:lvl8pPr marL="843945" indent="0">
               <a:buNone/>
-              <a:defRPr sz="709"/>
+              <a:defRPr sz="527"/>
             </a:lvl8pPr>
-            <a:lvl9pPr marL="1296253" indent="0">
+            <a:lvl9pPr marL="964509" indent="0">
               <a:buNone/>
-              <a:defRPr sz="709"/>
+              <a:defRPr sz="527"/>
             </a:lvl9pPr>
           </a:lstStyle>
           <a:p>
@@ -2619,8 +4051,8 @@
         </p:nvSpPr>
         <p:spPr>
           <a:xfrm>
-            <a:off x="225693" y="729139"/>
-            <a:ext cx="1056789" cy="1350820"/>
+            <a:off x="166099" y="669607"/>
+            <a:ext cx="777743" cy="1240531"/>
           </a:xfrm>
         </p:spPr>
         <p:txBody>
@@ -2628,39 +4060,39 @@
           <a:lstStyle>
             <a:lvl1pPr marL="0" indent="0">
               <a:buNone/>
-              <a:defRPr sz="567"/>
+              <a:defRPr sz="422"/>
             </a:lvl1pPr>
-            <a:lvl2pPr marL="162032" indent="0">
+            <a:lvl2pPr marL="120564" indent="0">
               <a:buNone/>
-              <a:defRPr sz="496"/>
+              <a:defRPr sz="369"/>
             </a:lvl2pPr>
-            <a:lvl3pPr marL="324063" indent="0">
+            <a:lvl3pPr marL="241127" indent="0">
               <a:buNone/>
-              <a:defRPr sz="425"/>
+              <a:defRPr sz="316"/>
             </a:lvl3pPr>
-            <a:lvl4pPr marL="486095" indent="0">
+            <a:lvl4pPr marL="361691" indent="0">
               <a:buNone/>
-              <a:defRPr sz="354"/>
+              <a:defRPr sz="264"/>
             </a:lvl4pPr>
-            <a:lvl5pPr marL="648127" indent="0">
+            <a:lvl5pPr marL="482255" indent="0">
               <a:buNone/>
-              <a:defRPr sz="354"/>
+              <a:defRPr sz="264"/>
             </a:lvl5pPr>
-            <a:lvl6pPr marL="810158" indent="0">
+            <a:lvl6pPr marL="602818" indent="0">
               <a:buNone/>
-              <a:defRPr sz="354"/>
+              <a:defRPr sz="264"/>
             </a:lvl6pPr>
-            <a:lvl7pPr marL="972190" indent="0">
+            <a:lvl7pPr marL="723382" indent="0">
               <a:buNone/>
-              <a:defRPr sz="354"/>
+              <a:defRPr sz="264"/>
             </a:lvl7pPr>
-            <a:lvl8pPr marL="1134222" indent="0">
+            <a:lvl8pPr marL="843945" indent="0">
               <a:buNone/>
-              <a:defRPr sz="354"/>
+              <a:defRPr sz="264"/>
             </a:lvl8pPr>
-            <a:lvl9pPr marL="1296253" indent="0">
+            <a:lvl9pPr marL="964509" indent="0">
               <a:buNone/>
-              <a:defRPr sz="354"/>
+              <a:defRPr sz="264"/>
             </a:lvl9pPr>
           </a:lstStyle>
           <a:p>
@@ -2689,7 +4121,7 @@
           <a:p>
             <a:fld id="{167D0764-9DAD-4C7F-9AA0-390EE444472D}" type="datetimeFigureOut">
               <a:rPr lang="en-GB" smtClean="0"/>
-              <a:t>03/12/2020</a:t>
+              <a:t>22/01/2021</a:t>
             </a:fld>
             <a:endParaRPr lang="en-GB"/>
           </a:p>
@@ -2740,7 +4172,7 @@
     </p:spTree>
     <p:extLst>
       <p:ext uri="{BB962C8B-B14F-4D97-AF65-F5344CB8AC3E}">
-        <p14:creationId xmlns:p14="http://schemas.microsoft.com/office/powerpoint/2010/main" val="4174305693"/>
+        <p14:creationId xmlns:p14="http://schemas.microsoft.com/office/powerpoint/2010/main" val="3387871641"/>
       </p:ext>
     </p:extLst>
   </p:cSld>
@@ -2784,8 +4216,8 @@
         </p:nvSpPr>
         <p:spPr>
           <a:xfrm>
-            <a:off x="225266" y="129400"/>
-            <a:ext cx="2826068" cy="469777"/>
+            <a:off x="165785" y="118835"/>
+            <a:ext cx="2079844" cy="431422"/>
           </a:xfrm>
           <a:prstGeom prst="rect">
             <a:avLst/>
@@ -2817,8 +4249,8 @@
         </p:nvSpPr>
         <p:spPr>
           <a:xfrm>
-            <a:off x="225266" y="646998"/>
-            <a:ext cx="2826068" cy="1542106"/>
+            <a:off x="165785" y="594174"/>
+            <a:ext cx="2079844" cy="1416199"/>
           </a:xfrm>
           <a:prstGeom prst="rect">
             <a:avLst/>
@@ -2879,8 +4311,8 @@
         </p:nvSpPr>
         <p:spPr>
           <a:xfrm>
-            <a:off x="225266" y="2252679"/>
-            <a:ext cx="737235" cy="129400"/>
+            <a:off x="165785" y="2068757"/>
+            <a:ext cx="542568" cy="118835"/>
           </a:xfrm>
           <a:prstGeom prst="rect">
             <a:avLst/>
@@ -2890,7 +4322,7 @@
           <a:bodyPr vert="horz" lIns="91440" tIns="45720" rIns="91440" bIns="45720" rtlCol="0" anchor="ctr"/>
           <a:lstStyle>
             <a:lvl1pPr algn="l">
-              <a:defRPr sz="425">
+              <a:defRPr sz="316">
                 <a:solidFill>
                   <a:schemeClr val="tx1">
                     <a:tint val="75000"/>
@@ -2902,7 +4334,7 @@
           <a:p>
             <a:fld id="{167D0764-9DAD-4C7F-9AA0-390EE444472D}" type="datetimeFigureOut">
               <a:rPr lang="en-GB" smtClean="0"/>
-              <a:t>03/12/2020</a:t>
+              <a:t>22/01/2021</a:t>
             </a:fld>
             <a:endParaRPr lang="en-GB"/>
           </a:p>
@@ -2920,8 +4352,8 @@
         </p:nvSpPr>
         <p:spPr>
           <a:xfrm>
-            <a:off x="1085374" y="2252679"/>
-            <a:ext cx="1105853" cy="129400"/>
+            <a:off x="798781" y="2068757"/>
+            <a:ext cx="813852" cy="118835"/>
           </a:xfrm>
           <a:prstGeom prst="rect">
             <a:avLst/>
@@ -2931,7 +4363,7 @@
           <a:bodyPr vert="horz" lIns="91440" tIns="45720" rIns="91440" bIns="45720" rtlCol="0" anchor="ctr"/>
           <a:lstStyle>
             <a:lvl1pPr algn="ctr">
-              <a:defRPr sz="425">
+              <a:defRPr sz="316">
                 <a:solidFill>
                   <a:schemeClr val="tx1">
                     <a:tint val="75000"/>
@@ -2957,8 +4389,8 @@
         </p:nvSpPr>
         <p:spPr>
           <a:xfrm>
-            <a:off x="2314099" y="2252679"/>
-            <a:ext cx="737235" cy="129400"/>
+            <a:off x="1703060" y="2068757"/>
+            <a:ext cx="542568" cy="118835"/>
           </a:xfrm>
           <a:prstGeom prst="rect">
             <a:avLst/>
@@ -2968,7 +4400,7 @@
           <a:bodyPr vert="horz" lIns="91440" tIns="45720" rIns="91440" bIns="45720" rtlCol="0" anchor="ctr"/>
           <a:lstStyle>
             <a:lvl1pPr algn="r">
-              <a:defRPr sz="425">
+              <a:defRPr sz="316">
                 <a:solidFill>
                   <a:schemeClr val="tx1">
                     <a:tint val="75000"/>
@@ -2989,27 +4421,27 @@
     </p:spTree>
     <p:extLst>
       <p:ext uri="{BB962C8B-B14F-4D97-AF65-F5344CB8AC3E}">
-        <p14:creationId xmlns:p14="http://schemas.microsoft.com/office/powerpoint/2010/main" val="2365061257"/>
+        <p14:creationId xmlns:p14="http://schemas.microsoft.com/office/powerpoint/2010/main" val="144932414"/>
       </p:ext>
     </p:extLst>
   </p:cSld>
   <p:clrMap bg1="lt1" tx1="dk1" bg2="lt2" tx2="dk2" accent1="accent1" accent2="accent2" accent3="accent3" accent4="accent4" accent5="accent5" accent6="accent6" hlink="hlink" folHlink="folHlink"/>
   <p:sldLayoutIdLst>
-    <p:sldLayoutId id="2147483709" r:id="rId1"/>
-    <p:sldLayoutId id="2147483710" r:id="rId2"/>
-    <p:sldLayoutId id="2147483711" r:id="rId3"/>
-    <p:sldLayoutId id="2147483712" r:id="rId4"/>
-    <p:sldLayoutId id="2147483713" r:id="rId5"/>
-    <p:sldLayoutId id="2147483714" r:id="rId6"/>
-    <p:sldLayoutId id="2147483715" r:id="rId7"/>
-    <p:sldLayoutId id="2147483716" r:id="rId8"/>
-    <p:sldLayoutId id="2147483717" r:id="rId9"/>
-    <p:sldLayoutId id="2147483718" r:id="rId10"/>
-    <p:sldLayoutId id="2147483719" r:id="rId11"/>
+    <p:sldLayoutId id="2147483781" r:id="rId1"/>
+    <p:sldLayoutId id="2147483782" r:id="rId2"/>
+    <p:sldLayoutId id="2147483783" r:id="rId3"/>
+    <p:sldLayoutId id="2147483784" r:id="rId4"/>
+    <p:sldLayoutId id="2147483785" r:id="rId5"/>
+    <p:sldLayoutId id="2147483786" r:id="rId6"/>
+    <p:sldLayoutId id="2147483787" r:id="rId7"/>
+    <p:sldLayoutId id="2147483788" r:id="rId8"/>
+    <p:sldLayoutId id="2147483789" r:id="rId9"/>
+    <p:sldLayoutId id="2147483790" r:id="rId10"/>
+    <p:sldLayoutId id="2147483791" r:id="rId11"/>
   </p:sldLayoutIdLst>
   <p:txStyles>
     <p:titleStyle>
-      <a:lvl1pPr algn="l" defTabSz="324063" rtl="0" eaLnBrk="1" latinLnBrk="0" hangingPunct="1">
+      <a:lvl1pPr algn="l" defTabSz="241127" rtl="0" eaLnBrk="1" latinLnBrk="0" hangingPunct="1">
         <a:lnSpc>
           <a:spcPct val="90000"/>
         </a:lnSpc>
@@ -3017,7 +4449,7 @@
           <a:spcPct val="0"/>
         </a:spcBef>
         <a:buNone/>
-        <a:defRPr sz="1559" kern="1200">
+        <a:defRPr sz="1160" kern="1200">
           <a:solidFill>
             <a:schemeClr val="tx1"/>
           </a:solidFill>
@@ -3028,16 +4460,16 @@
       </a:lvl1pPr>
     </p:titleStyle>
     <p:bodyStyle>
-      <a:lvl1pPr marL="81016" indent="-81016" algn="l" defTabSz="324063" rtl="0" eaLnBrk="1" latinLnBrk="0" hangingPunct="1">
+      <a:lvl1pPr marL="60282" indent="-60282" algn="l" defTabSz="241127" rtl="0" eaLnBrk="1" latinLnBrk="0" hangingPunct="1">
         <a:lnSpc>
           <a:spcPct val="90000"/>
         </a:lnSpc>
         <a:spcBef>
-          <a:spcPts val="354"/>
+          <a:spcPts val="264"/>
         </a:spcBef>
         <a:buFont typeface="Arial" panose="020B0604020202020204" pitchFamily="34" charset="0"/>
         <a:buChar char="•"/>
-        <a:defRPr sz="992" kern="1200">
+        <a:defRPr sz="738" kern="1200">
           <a:solidFill>
             <a:schemeClr val="tx1"/>
           </a:solidFill>
@@ -3046,16 +4478,16 @@
           <a:cs typeface="+mn-cs"/>
         </a:defRPr>
       </a:lvl1pPr>
-      <a:lvl2pPr marL="243048" indent="-81016" algn="l" defTabSz="324063" rtl="0" eaLnBrk="1" latinLnBrk="0" hangingPunct="1">
+      <a:lvl2pPr marL="180845" indent="-60282" algn="l" defTabSz="241127" rtl="0" eaLnBrk="1" latinLnBrk="0" hangingPunct="1">
         <a:lnSpc>
           <a:spcPct val="90000"/>
         </a:lnSpc>
         <a:spcBef>
-          <a:spcPts val="177"/>
+          <a:spcPts val="132"/>
         </a:spcBef>
         <a:buFont typeface="Arial" panose="020B0604020202020204" pitchFamily="34" charset="0"/>
         <a:buChar char="•"/>
-        <a:defRPr sz="851" kern="1200">
+        <a:defRPr sz="633" kern="1200">
           <a:solidFill>
             <a:schemeClr val="tx1"/>
           </a:solidFill>
@@ -3064,16 +4496,16 @@
           <a:cs typeface="+mn-cs"/>
         </a:defRPr>
       </a:lvl2pPr>
-      <a:lvl3pPr marL="405079" indent="-81016" algn="l" defTabSz="324063" rtl="0" eaLnBrk="1" latinLnBrk="0" hangingPunct="1">
+      <a:lvl3pPr marL="301409" indent="-60282" algn="l" defTabSz="241127" rtl="0" eaLnBrk="1" latinLnBrk="0" hangingPunct="1">
         <a:lnSpc>
           <a:spcPct val="90000"/>
         </a:lnSpc>
         <a:spcBef>
-          <a:spcPts val="177"/>
+          <a:spcPts val="132"/>
         </a:spcBef>
         <a:buFont typeface="Arial" panose="020B0604020202020204" pitchFamily="34" charset="0"/>
         <a:buChar char="•"/>
-        <a:defRPr sz="709" kern="1200">
+        <a:defRPr sz="527" kern="1200">
           <a:solidFill>
             <a:schemeClr val="tx1"/>
           </a:solidFill>
@@ -3082,16 +4514,16 @@
           <a:cs typeface="+mn-cs"/>
         </a:defRPr>
       </a:lvl3pPr>
-      <a:lvl4pPr marL="567111" indent="-81016" algn="l" defTabSz="324063" rtl="0" eaLnBrk="1" latinLnBrk="0" hangingPunct="1">
+      <a:lvl4pPr marL="421973" indent="-60282" algn="l" defTabSz="241127" rtl="0" eaLnBrk="1" latinLnBrk="0" hangingPunct="1">
         <a:lnSpc>
           <a:spcPct val="90000"/>
         </a:lnSpc>
         <a:spcBef>
-          <a:spcPts val="177"/>
+          <a:spcPts val="132"/>
         </a:spcBef>
         <a:buFont typeface="Arial" panose="020B0604020202020204" pitchFamily="34" charset="0"/>
         <a:buChar char="•"/>
-        <a:defRPr sz="638" kern="1200">
+        <a:defRPr sz="475" kern="1200">
           <a:solidFill>
             <a:schemeClr val="tx1"/>
           </a:solidFill>
@@ -3100,16 +4532,16 @@
           <a:cs typeface="+mn-cs"/>
         </a:defRPr>
       </a:lvl4pPr>
-      <a:lvl5pPr marL="729143" indent="-81016" algn="l" defTabSz="324063" rtl="0" eaLnBrk="1" latinLnBrk="0" hangingPunct="1">
+      <a:lvl5pPr marL="542536" indent="-60282" algn="l" defTabSz="241127" rtl="0" eaLnBrk="1" latinLnBrk="0" hangingPunct="1">
         <a:lnSpc>
           <a:spcPct val="90000"/>
         </a:lnSpc>
         <a:spcBef>
-          <a:spcPts val="177"/>
+          <a:spcPts val="132"/>
         </a:spcBef>
         <a:buFont typeface="Arial" panose="020B0604020202020204" pitchFamily="34" charset="0"/>
         <a:buChar char="•"/>
-        <a:defRPr sz="638" kern="1200">
+        <a:defRPr sz="475" kern="1200">
           <a:solidFill>
             <a:schemeClr val="tx1"/>
           </a:solidFill>
@@ -3118,16 +4550,16 @@
           <a:cs typeface="+mn-cs"/>
         </a:defRPr>
       </a:lvl5pPr>
-      <a:lvl6pPr marL="891174" indent="-81016" algn="l" defTabSz="324063" rtl="0" eaLnBrk="1" latinLnBrk="0" hangingPunct="1">
+      <a:lvl6pPr marL="663100" indent="-60282" algn="l" defTabSz="241127" rtl="0" eaLnBrk="1" latinLnBrk="0" hangingPunct="1">
         <a:lnSpc>
           <a:spcPct val="90000"/>
         </a:lnSpc>
         <a:spcBef>
-          <a:spcPts val="177"/>
+          <a:spcPts val="132"/>
         </a:spcBef>
         <a:buFont typeface="Arial" panose="020B0604020202020204" pitchFamily="34" charset="0"/>
         <a:buChar char="•"/>
-        <a:defRPr sz="638" kern="1200">
+        <a:defRPr sz="475" kern="1200">
           <a:solidFill>
             <a:schemeClr val="tx1"/>
           </a:solidFill>
@@ -3136,16 +4568,16 @@
           <a:cs typeface="+mn-cs"/>
         </a:defRPr>
       </a:lvl6pPr>
-      <a:lvl7pPr marL="1053206" indent="-81016" algn="l" defTabSz="324063" rtl="0" eaLnBrk="1" latinLnBrk="0" hangingPunct="1">
+      <a:lvl7pPr marL="783664" indent="-60282" algn="l" defTabSz="241127" rtl="0" eaLnBrk="1" latinLnBrk="0" hangingPunct="1">
         <a:lnSpc>
           <a:spcPct val="90000"/>
         </a:lnSpc>
         <a:spcBef>
-          <a:spcPts val="177"/>
+          <a:spcPts val="132"/>
         </a:spcBef>
         <a:buFont typeface="Arial" panose="020B0604020202020204" pitchFamily="34" charset="0"/>
         <a:buChar char="•"/>
-        <a:defRPr sz="638" kern="1200">
+        <a:defRPr sz="475" kern="1200">
           <a:solidFill>
             <a:schemeClr val="tx1"/>
           </a:solidFill>
@@ -3154,16 +4586,16 @@
           <a:cs typeface="+mn-cs"/>
         </a:defRPr>
       </a:lvl7pPr>
-      <a:lvl8pPr marL="1215238" indent="-81016" algn="l" defTabSz="324063" rtl="0" eaLnBrk="1" latinLnBrk="0" hangingPunct="1">
+      <a:lvl8pPr marL="904227" indent="-60282" algn="l" defTabSz="241127" rtl="0" eaLnBrk="1" latinLnBrk="0" hangingPunct="1">
         <a:lnSpc>
           <a:spcPct val="90000"/>
         </a:lnSpc>
         <a:spcBef>
-          <a:spcPts val="177"/>
+          <a:spcPts val="132"/>
         </a:spcBef>
         <a:buFont typeface="Arial" panose="020B0604020202020204" pitchFamily="34" charset="0"/>
         <a:buChar char="•"/>
-        <a:defRPr sz="638" kern="1200">
+        <a:defRPr sz="475" kern="1200">
           <a:solidFill>
             <a:schemeClr val="tx1"/>
           </a:solidFill>
@@ -3172,16 +4604,16 @@
           <a:cs typeface="+mn-cs"/>
         </a:defRPr>
       </a:lvl8pPr>
-      <a:lvl9pPr marL="1377269" indent="-81016" algn="l" defTabSz="324063" rtl="0" eaLnBrk="1" latinLnBrk="0" hangingPunct="1">
+      <a:lvl9pPr marL="1024791" indent="-60282" algn="l" defTabSz="241127" rtl="0" eaLnBrk="1" latinLnBrk="0" hangingPunct="1">
         <a:lnSpc>
           <a:spcPct val="90000"/>
         </a:lnSpc>
         <a:spcBef>
-          <a:spcPts val="177"/>
+          <a:spcPts val="132"/>
         </a:spcBef>
         <a:buFont typeface="Arial" panose="020B0604020202020204" pitchFamily="34" charset="0"/>
         <a:buChar char="•"/>
-        <a:defRPr sz="638" kern="1200">
+        <a:defRPr sz="475" kern="1200">
           <a:solidFill>
             <a:schemeClr val="tx1"/>
           </a:solidFill>
@@ -3195,8 +4627,8 @@
       <a:defPPr>
         <a:defRPr lang="en-US"/>
       </a:defPPr>
-      <a:lvl1pPr marL="0" algn="l" defTabSz="324063" rtl="0" eaLnBrk="1" latinLnBrk="0" hangingPunct="1">
-        <a:defRPr sz="638" kern="1200">
+      <a:lvl1pPr marL="0" algn="l" defTabSz="241127" rtl="0" eaLnBrk="1" latinLnBrk="0" hangingPunct="1">
+        <a:defRPr sz="475" kern="1200">
           <a:solidFill>
             <a:schemeClr val="tx1"/>
           </a:solidFill>
@@ -3205,8 +4637,8 @@
           <a:cs typeface="+mn-cs"/>
         </a:defRPr>
       </a:lvl1pPr>
-      <a:lvl2pPr marL="162032" algn="l" defTabSz="324063" rtl="0" eaLnBrk="1" latinLnBrk="0" hangingPunct="1">
-        <a:defRPr sz="638" kern="1200">
+      <a:lvl2pPr marL="120564" algn="l" defTabSz="241127" rtl="0" eaLnBrk="1" latinLnBrk="0" hangingPunct="1">
+        <a:defRPr sz="475" kern="1200">
           <a:solidFill>
             <a:schemeClr val="tx1"/>
           </a:solidFill>
@@ -3215,8 +4647,8 @@
           <a:cs typeface="+mn-cs"/>
         </a:defRPr>
       </a:lvl2pPr>
-      <a:lvl3pPr marL="324063" algn="l" defTabSz="324063" rtl="0" eaLnBrk="1" latinLnBrk="0" hangingPunct="1">
-        <a:defRPr sz="638" kern="1200">
+      <a:lvl3pPr marL="241127" algn="l" defTabSz="241127" rtl="0" eaLnBrk="1" latinLnBrk="0" hangingPunct="1">
+        <a:defRPr sz="475" kern="1200">
           <a:solidFill>
             <a:schemeClr val="tx1"/>
           </a:solidFill>
@@ -3225,8 +4657,8 @@
           <a:cs typeface="+mn-cs"/>
         </a:defRPr>
       </a:lvl3pPr>
-      <a:lvl4pPr marL="486095" algn="l" defTabSz="324063" rtl="0" eaLnBrk="1" latinLnBrk="0" hangingPunct="1">
-        <a:defRPr sz="638" kern="1200">
+      <a:lvl4pPr marL="361691" algn="l" defTabSz="241127" rtl="0" eaLnBrk="1" latinLnBrk="0" hangingPunct="1">
+        <a:defRPr sz="475" kern="1200">
           <a:solidFill>
             <a:schemeClr val="tx1"/>
           </a:solidFill>
@@ -3235,8 +4667,8 @@
           <a:cs typeface="+mn-cs"/>
         </a:defRPr>
       </a:lvl4pPr>
-      <a:lvl5pPr marL="648127" algn="l" defTabSz="324063" rtl="0" eaLnBrk="1" latinLnBrk="0" hangingPunct="1">
-        <a:defRPr sz="638" kern="1200">
+      <a:lvl5pPr marL="482255" algn="l" defTabSz="241127" rtl="0" eaLnBrk="1" latinLnBrk="0" hangingPunct="1">
+        <a:defRPr sz="475" kern="1200">
           <a:solidFill>
             <a:schemeClr val="tx1"/>
           </a:solidFill>
@@ -3245,8 +4677,8 @@
           <a:cs typeface="+mn-cs"/>
         </a:defRPr>
       </a:lvl5pPr>
-      <a:lvl6pPr marL="810158" algn="l" defTabSz="324063" rtl="0" eaLnBrk="1" latinLnBrk="0" hangingPunct="1">
-        <a:defRPr sz="638" kern="1200">
+      <a:lvl6pPr marL="602818" algn="l" defTabSz="241127" rtl="0" eaLnBrk="1" latinLnBrk="0" hangingPunct="1">
+        <a:defRPr sz="475" kern="1200">
           <a:solidFill>
             <a:schemeClr val="tx1"/>
           </a:solidFill>
@@ -3255,8 +4687,8 @@
           <a:cs typeface="+mn-cs"/>
         </a:defRPr>
       </a:lvl6pPr>
-      <a:lvl7pPr marL="972190" algn="l" defTabSz="324063" rtl="0" eaLnBrk="1" latinLnBrk="0" hangingPunct="1">
-        <a:defRPr sz="638" kern="1200">
+      <a:lvl7pPr marL="723382" algn="l" defTabSz="241127" rtl="0" eaLnBrk="1" latinLnBrk="0" hangingPunct="1">
+        <a:defRPr sz="475" kern="1200">
           <a:solidFill>
             <a:schemeClr val="tx1"/>
           </a:solidFill>
@@ -3265,8 +4697,8 @@
           <a:cs typeface="+mn-cs"/>
         </a:defRPr>
       </a:lvl7pPr>
-      <a:lvl8pPr marL="1134222" algn="l" defTabSz="324063" rtl="0" eaLnBrk="1" latinLnBrk="0" hangingPunct="1">
-        <a:defRPr sz="638" kern="1200">
+      <a:lvl8pPr marL="843945" algn="l" defTabSz="241127" rtl="0" eaLnBrk="1" latinLnBrk="0" hangingPunct="1">
+        <a:defRPr sz="475" kern="1200">
           <a:solidFill>
             <a:schemeClr val="tx1"/>
           </a:solidFill>
@@ -3275,8 +4707,8 @@
           <a:cs typeface="+mn-cs"/>
         </a:defRPr>
       </a:lvl8pPr>
-      <a:lvl9pPr marL="1296253" algn="l" defTabSz="324063" rtl="0" eaLnBrk="1" latinLnBrk="0" hangingPunct="1">
-        <a:defRPr sz="638" kern="1200">
+      <a:lvl9pPr marL="964509" algn="l" defTabSz="241127" rtl="0" eaLnBrk="1" latinLnBrk="0" hangingPunct="1">
+        <a:defRPr sz="475" kern="1200">
           <a:solidFill>
             <a:schemeClr val="tx1"/>
           </a:solidFill>
@@ -3307,12 +4739,56 @@
           <a:chExt cx="0" cy="0"/>
         </a:xfrm>
       </p:grpSpPr>
-      <p:sp>
-        <p:nvSpPr>
-          <p:cNvPr id="117" name="Figura a mano libera: forma 85">
+      <p:cxnSp>
+        <p:nvCxnSpPr>
+          <p:cNvPr id="213" name="Straight Connector 212">
             <a:extLst>
               <a:ext uri="{FF2B5EF4-FFF2-40B4-BE49-F238E27FC236}">
-                <a16:creationId xmlns:a16="http://schemas.microsoft.com/office/drawing/2014/main" id="{D1C31FDC-53F8-4E0A-BD1F-75754661FE84}"/>
+                <a16:creationId xmlns:a16="http://schemas.microsoft.com/office/drawing/2014/main" id="{43F46790-A9F4-4663-8A39-558709349295}"/>
+              </a:ext>
+            </a:extLst>
+          </p:cNvPr>
+          <p:cNvCxnSpPr>
+            <a:cxnSpLocks/>
+          </p:cNvCxnSpPr>
+          <p:nvPr/>
+        </p:nvCxnSpPr>
+        <p:spPr>
+          <a:xfrm flipV="1">
+            <a:off x="251058" y="543804"/>
+            <a:ext cx="1570731" cy="1450623"/>
+          </a:xfrm>
+          <a:prstGeom prst="line">
+            <a:avLst/>
+          </a:prstGeom>
+          <a:ln w="12700">
+            <a:solidFill>
+              <a:srgbClr val="FF0000"/>
+            </a:solidFill>
+            <a:prstDash val="solid"/>
+          </a:ln>
+        </p:spPr>
+        <p:style>
+          <a:lnRef idx="1">
+            <a:schemeClr val="accent1"/>
+          </a:lnRef>
+          <a:fillRef idx="0">
+            <a:schemeClr val="accent1"/>
+          </a:fillRef>
+          <a:effectRef idx="0">
+            <a:schemeClr val="accent1"/>
+          </a:effectRef>
+          <a:fontRef idx="minor">
+            <a:schemeClr val="tx1"/>
+          </a:fontRef>
+        </p:style>
+      </p:cxnSp>
+      <p:sp>
+        <p:nvSpPr>
+          <p:cNvPr id="214" name="Isosceles Triangle 213">
+            <a:extLst>
+              <a:ext uri="{FF2B5EF4-FFF2-40B4-BE49-F238E27FC236}">
+                <a16:creationId xmlns:a16="http://schemas.microsoft.com/office/drawing/2014/main" id="{23D4F409-2973-4209-BBA1-C7178066E0D2}"/>
               </a:ext>
             </a:extLst>
           </p:cNvPr>
@@ -3320,108 +4796,18 @@
           <p:nvPr/>
         </p:nvSpPr>
         <p:spPr>
-          <a:xfrm>
-            <a:off x="652731" y="705459"/>
-            <a:ext cx="1516835" cy="1330695"/>
+          <a:xfrm flipH="1" flipV="1">
+            <a:off x="251192" y="386470"/>
+            <a:ext cx="1555294" cy="1600093"/>
           </a:xfrm>
-          <a:custGeom>
-            <a:avLst/>
-            <a:gdLst>
-              <a:gd name="connsiteX0" fmla="*/ 1869 w 1510095"/>
-              <a:gd name="connsiteY0" fmla="*/ 1348751 h 1349948"/>
-              <a:gd name="connsiteX1" fmla="*/ 802051 w 1510095"/>
-              <a:gd name="connsiteY1" fmla="*/ 1348751 h 1349948"/>
-              <a:gd name="connsiteX2" fmla="*/ 802051 w 1510095"/>
-              <a:gd name="connsiteY2" fmla="*/ 1349948 h 1349948"/>
-              <a:gd name="connsiteX3" fmla="*/ 1 w 1510095"/>
-              <a:gd name="connsiteY3" fmla="*/ 1349948 h 1349948"/>
-              <a:gd name="connsiteX4" fmla="*/ 1510095 w 1510095"/>
-              <a:gd name="connsiteY4" fmla="*/ 0 h 1349948"/>
-              <a:gd name="connsiteX5" fmla="*/ 1510095 w 1510095"/>
-              <a:gd name="connsiteY5" fmla="*/ 846156 h 1349948"/>
-              <a:gd name="connsiteX6" fmla="*/ 802051 w 1510095"/>
-              <a:gd name="connsiteY6" fmla="*/ 846156 h 1349948"/>
-              <a:gd name="connsiteX7" fmla="*/ 802051 w 1510095"/>
-              <a:gd name="connsiteY7" fmla="*/ 836098 h 1349948"/>
-              <a:gd name="connsiteX8" fmla="*/ 1869 w 1510095"/>
-              <a:gd name="connsiteY8" fmla="*/ 1348751 h 1349948"/>
-              <a:gd name="connsiteX9" fmla="*/ 0 w 1510095"/>
-              <a:gd name="connsiteY9" fmla="*/ 1348751 h 1349948"/>
-            </a:gdLst>
-            <a:ahLst/>
-            <a:cxnLst>
-              <a:cxn ang="0">
-                <a:pos x="connsiteX0" y="connsiteY0"/>
-              </a:cxn>
-              <a:cxn ang="0">
-                <a:pos x="connsiteX1" y="connsiteY1"/>
-              </a:cxn>
-              <a:cxn ang="0">
-                <a:pos x="connsiteX2" y="connsiteY2"/>
-              </a:cxn>
-              <a:cxn ang="0">
-                <a:pos x="connsiteX3" y="connsiteY3"/>
-              </a:cxn>
-              <a:cxn ang="0">
-                <a:pos x="connsiteX4" y="connsiteY4"/>
-              </a:cxn>
-              <a:cxn ang="0">
-                <a:pos x="connsiteX5" y="connsiteY5"/>
-              </a:cxn>
-              <a:cxn ang="0">
-                <a:pos x="connsiteX6" y="connsiteY6"/>
-              </a:cxn>
-              <a:cxn ang="0">
-                <a:pos x="connsiteX7" y="connsiteY7"/>
-              </a:cxn>
-              <a:cxn ang="0">
-                <a:pos x="connsiteX8" y="connsiteY8"/>
-              </a:cxn>
-              <a:cxn ang="0">
-                <a:pos x="connsiteX9" y="connsiteY9"/>
-              </a:cxn>
-            </a:cxnLst>
-            <a:rect l="l" t="t" r="r" b="b"/>
-            <a:pathLst>
-              <a:path w="1510095" h="1349948">
-                <a:moveTo>
-                  <a:pt x="1869" y="1348751"/>
-                </a:moveTo>
-                <a:lnTo>
-                  <a:pt x="802051" y="1348751"/>
-                </a:lnTo>
-                <a:lnTo>
-                  <a:pt x="802051" y="1349948"/>
-                </a:lnTo>
-                <a:lnTo>
-                  <a:pt x="1" y="1349948"/>
-                </a:lnTo>
-                <a:close/>
-                <a:moveTo>
-                  <a:pt x="1510095" y="0"/>
-                </a:moveTo>
-                <a:lnTo>
-                  <a:pt x="1510095" y="846156"/>
-                </a:lnTo>
-                <a:lnTo>
-                  <a:pt x="802051" y="846156"/>
-                </a:lnTo>
-                <a:lnTo>
-                  <a:pt x="802051" y="836098"/>
-                </a:lnTo>
-                <a:lnTo>
-                  <a:pt x="1869" y="1348751"/>
-                </a:lnTo>
-                <a:lnTo>
-                  <a:pt x="0" y="1348751"/>
-                </a:lnTo>
-                <a:close/>
-              </a:path>
-            </a:pathLst>
-          </a:custGeom>
-          <a:pattFill prst="ltVert">
+          <a:prstGeom prst="triangle">
+            <a:avLst>
+              <a:gd name="adj" fmla="val 100000"/>
+            </a:avLst>
+          </a:prstGeom>
+          <a:pattFill prst="wdDnDiag">
             <a:fgClr>
-              <a:srgbClr val="CC0099"/>
+              <a:srgbClr val="9BFFE5"/>
             </a:fgClr>
             <a:bgClr>
               <a:schemeClr val="bg1"/>
@@ -3452,77 +4838,16 @@
           <a:lstStyle/>
           <a:p>
             <a:pPr algn="ctr"/>
-            <a:endParaRPr lang="en-GB" sz="1572"/>
-          </a:p>
-        </p:txBody>
-      </p:sp>
-      <p:sp>
-        <p:nvSpPr>
-          <p:cNvPr id="118" name="Isosceles Triangle 117">
+            <a:endParaRPr lang="en-GB" sz="600"/>
+          </a:p>
+        </p:txBody>
+      </p:sp>
+      <p:cxnSp>
+        <p:nvCxnSpPr>
+          <p:cNvPr id="215" name="Straight Arrow Connector 214">
             <a:extLst>
               <a:ext uri="{FF2B5EF4-FFF2-40B4-BE49-F238E27FC236}">
-                <a16:creationId xmlns:a16="http://schemas.microsoft.com/office/drawing/2014/main" id="{D7EAF5BE-3802-4486-9696-E36FD0802E70}"/>
-              </a:ext>
-            </a:extLst>
-          </p:cNvPr>
-          <p:cNvSpPr/>
-          <p:nvPr/>
-        </p:nvSpPr>
-        <p:spPr>
-          <a:xfrm flipH="1" flipV="1">
-            <a:off x="628658" y="489118"/>
-            <a:ext cx="1555294" cy="1562189"/>
-          </a:xfrm>
-          <a:prstGeom prst="triangle">
-            <a:avLst>
-              <a:gd name="adj" fmla="val 100000"/>
-            </a:avLst>
-          </a:prstGeom>
-          <a:pattFill prst="wdDnDiag">
-            <a:fgClr>
-              <a:schemeClr val="bg1">
-                <a:lumMod val="85000"/>
-              </a:schemeClr>
-            </a:fgClr>
-            <a:bgClr>
-              <a:schemeClr val="bg1"/>
-            </a:bgClr>
-          </a:pattFill>
-          <a:ln>
-            <a:noFill/>
-          </a:ln>
-        </p:spPr>
-        <p:style>
-          <a:lnRef idx="2">
-            <a:schemeClr val="accent1">
-              <a:shade val="50000"/>
-            </a:schemeClr>
-          </a:lnRef>
-          <a:fillRef idx="1">
-            <a:schemeClr val="accent1"/>
-          </a:fillRef>
-          <a:effectRef idx="0">
-            <a:schemeClr val="accent1"/>
-          </a:effectRef>
-          <a:fontRef idx="minor">
-            <a:schemeClr val="lt1"/>
-          </a:fontRef>
-        </p:style>
-        <p:txBody>
-          <a:bodyPr rtlCol="0" anchor="ctr"/>
-          <a:lstStyle/>
-          <a:p>
-            <a:pPr algn="ctr"/>
-            <a:endParaRPr lang="en-GB"/>
-          </a:p>
-        </p:txBody>
-      </p:sp>
-      <p:cxnSp>
-        <p:nvCxnSpPr>
-          <p:cNvPr id="119" name="Straight Arrow Connector 118">
-            <a:extLst>
-              <a:ext uri="{FF2B5EF4-FFF2-40B4-BE49-F238E27FC236}">
-                <a16:creationId xmlns:a16="http://schemas.microsoft.com/office/drawing/2014/main" id="{F8E50899-CFFF-48C9-84FA-805441248CDA}"/>
+                <a16:creationId xmlns:a16="http://schemas.microsoft.com/office/drawing/2014/main" id="{A9BF3F4A-F795-45BD-928A-803B5DA00E1D}"/>
               </a:ext>
             </a:extLst>
           </p:cNvPr>
@@ -3533,8 +4858,8 @@
         </p:nvCxnSpPr>
         <p:spPr>
           <a:xfrm flipV="1">
-            <a:off x="636931" y="198681"/>
-            <a:ext cx="0" cy="1849716"/>
+            <a:off x="253573" y="96034"/>
+            <a:ext cx="5892" cy="1890530"/>
           </a:xfrm>
           <a:prstGeom prst="straightConnector1">
             <a:avLst/>
@@ -3560,10 +4885,10 @@
       </p:cxnSp>
       <p:cxnSp>
         <p:nvCxnSpPr>
-          <p:cNvPr id="120" name="Straight Arrow Connector 119">
+          <p:cNvPr id="216" name="Straight Arrow Connector 215">
             <a:extLst>
               <a:ext uri="{FF2B5EF4-FFF2-40B4-BE49-F238E27FC236}">
-                <a16:creationId xmlns:a16="http://schemas.microsoft.com/office/drawing/2014/main" id="{42DF6A30-E21A-43D6-ABD4-BD838D3A5562}"/>
+                <a16:creationId xmlns:a16="http://schemas.microsoft.com/office/drawing/2014/main" id="{DE817FF3-CEB7-4717-8E3C-DE76D7AEB8C3}"/>
               </a:ext>
             </a:extLst>
           </p:cNvPr>
@@ -3574,7 +4899,7 @@
         </p:nvCxnSpPr>
         <p:spPr>
           <a:xfrm flipV="1">
-            <a:off x="630367" y="2047226"/>
+            <a:off x="252901" y="1990914"/>
             <a:ext cx="1954237" cy="0"/>
           </a:xfrm>
           <a:prstGeom prst="straightConnector1">
@@ -3601,10 +4926,10 @@
       </p:cxnSp>
       <p:sp>
         <p:nvSpPr>
-          <p:cNvPr id="121" name="TextBox 120">
+          <p:cNvPr id="217" name="TextBox 216">
             <a:extLst>
               <a:ext uri="{FF2B5EF4-FFF2-40B4-BE49-F238E27FC236}">
-                <a16:creationId xmlns:a16="http://schemas.microsoft.com/office/drawing/2014/main" id="{77D43699-6543-4F2F-B211-E711B179F19E}"/>
+                <a16:creationId xmlns:a16="http://schemas.microsoft.com/office/drawing/2014/main" id="{918F7CB3-B24C-47F8-9FF0-C429B0E5D4D6}"/>
               </a:ext>
             </a:extLst>
           </p:cNvPr>
@@ -3613,8 +4938,8 @@
         </p:nvSpPr>
         <p:spPr>
           <a:xfrm>
-            <a:off x="2389547" y="1860792"/>
-            <a:ext cx="1027952" cy="338554"/>
+            <a:off x="1972983" y="1975760"/>
+            <a:ext cx="412628" cy="276999"/>
           </a:xfrm>
           <a:prstGeom prst="rect">
             <a:avLst/>
@@ -3627,22 +4952,21 @@
           </a:bodyPr>
           <a:lstStyle/>
           <a:p>
-            <a:pPr algn="ctr"/>
-            <a:r>
-              <a:rPr lang="en-GB" sz="800" dirty="0">
+            <a:r>
+              <a:rPr lang="en-GB" sz="600" dirty="0">
                 <a:cs typeface="Arial" panose="020B0604020202020204" pitchFamily="34" charset="0"/>
               </a:rPr>
-              <a:t>Understanding Prob. FC</a:t>
-            </a:r>
-          </a:p>
-        </p:txBody>
-      </p:sp>
-      <p:sp>
-        <p:nvSpPr>
-          <p:cNvPr id="122" name="TextBox 121">
+              <a:t>UND Levels</a:t>
+            </a:r>
+          </a:p>
+        </p:txBody>
+      </p:sp>
+      <p:sp>
+        <p:nvSpPr>
+          <p:cNvPr id="218" name="TextBox 217">
             <a:extLst>
               <a:ext uri="{FF2B5EF4-FFF2-40B4-BE49-F238E27FC236}">
-                <a16:creationId xmlns:a16="http://schemas.microsoft.com/office/drawing/2014/main" id="{FC88BF95-950A-4784-99DA-2FF069E0EC95}"/>
+                <a16:creationId xmlns:a16="http://schemas.microsoft.com/office/drawing/2014/main" id="{8CED7080-058F-49CC-97E9-C4A4AF50D3CA}"/>
               </a:ext>
             </a:extLst>
           </p:cNvPr>
@@ -3651,8 +4975,8 @@
         </p:nvSpPr>
         <p:spPr>
           <a:xfrm>
-            <a:off x="463396" y="45646"/>
-            <a:ext cx="968188" cy="338554"/>
+            <a:off x="-99612" y="-43868"/>
+            <a:ext cx="433629" cy="276999"/>
           </a:xfrm>
           <a:prstGeom prst="rect">
             <a:avLst/>
@@ -3667,20 +4991,20 @@
           <a:p>
             <a:pPr algn="ctr"/>
             <a:r>
-              <a:rPr lang="en-GB" sz="800" dirty="0">
+              <a:rPr lang="en-GB" sz="600" dirty="0">
                 <a:cs typeface="Arial" panose="020B0604020202020204" pitchFamily="34" charset="0"/>
               </a:rPr>
-              <a:t>Effectiveness Prob. FC</a:t>
+              <a:t>EFF Levels</a:t>
             </a:r>
           </a:p>
         </p:txBody>
       </p:sp>
       <p:cxnSp>
         <p:nvCxnSpPr>
-          <p:cNvPr id="123" name="Straight Connector 122">
+          <p:cNvPr id="219" name="Straight Connector 218">
             <a:extLst>
               <a:ext uri="{FF2B5EF4-FFF2-40B4-BE49-F238E27FC236}">
-                <a16:creationId xmlns:a16="http://schemas.microsoft.com/office/drawing/2014/main" id="{5C0260F0-3C1C-45A0-9E5D-95B7AC88C26A}"/>
+                <a16:creationId xmlns:a16="http://schemas.microsoft.com/office/drawing/2014/main" id="{3345721F-C67C-445B-BCC1-7C914DF98F46}"/>
               </a:ext>
             </a:extLst>
           </p:cNvPr>
@@ -3689,7 +5013,7 @@
         </p:nvCxnSpPr>
         <p:spPr>
           <a:xfrm>
-            <a:off x="601299" y="1936745"/>
+            <a:off x="223833" y="1834098"/>
             <a:ext cx="72000" cy="0"/>
           </a:xfrm>
           <a:prstGeom prst="line">
@@ -3713,10 +5037,10 @@
       </p:cxnSp>
       <p:cxnSp>
         <p:nvCxnSpPr>
-          <p:cNvPr id="124" name="Straight Connector 123">
+          <p:cNvPr id="220" name="Straight Connector 219">
             <a:extLst>
               <a:ext uri="{FF2B5EF4-FFF2-40B4-BE49-F238E27FC236}">
-                <a16:creationId xmlns:a16="http://schemas.microsoft.com/office/drawing/2014/main" id="{E7CC4479-8C1E-46A1-AF6B-7EF92793D54D}"/>
+                <a16:creationId xmlns:a16="http://schemas.microsoft.com/office/drawing/2014/main" id="{6E007132-CE16-4E1D-999B-1C7ED775462A}"/>
               </a:ext>
             </a:extLst>
           </p:cNvPr>
@@ -3725,7 +5049,7 @@
         </p:nvCxnSpPr>
         <p:spPr>
           <a:xfrm>
-            <a:off x="601432" y="1211080"/>
+            <a:off x="223966" y="1108433"/>
             <a:ext cx="72000" cy="0"/>
           </a:xfrm>
           <a:prstGeom prst="line">
@@ -3749,10 +5073,10 @@
       </p:cxnSp>
       <p:cxnSp>
         <p:nvCxnSpPr>
-          <p:cNvPr id="125" name="Straight Connector 124">
+          <p:cNvPr id="221" name="Straight Connector 220">
             <a:extLst>
               <a:ext uri="{FF2B5EF4-FFF2-40B4-BE49-F238E27FC236}">
-                <a16:creationId xmlns:a16="http://schemas.microsoft.com/office/drawing/2014/main" id="{12194293-3104-4441-ACD5-2D33DA8D5A5A}"/>
+                <a16:creationId xmlns:a16="http://schemas.microsoft.com/office/drawing/2014/main" id="{1B058237-A5F4-457C-A0DC-2108520260E6}"/>
               </a:ext>
             </a:extLst>
           </p:cNvPr>
@@ -3761,7 +5085,7 @@
         </p:nvCxnSpPr>
         <p:spPr>
           <a:xfrm>
-            <a:off x="601299" y="489118"/>
+            <a:off x="223833" y="386471"/>
             <a:ext cx="72000" cy="0"/>
           </a:xfrm>
           <a:prstGeom prst="line">
@@ -3785,10 +5109,10 @@
       </p:cxnSp>
       <p:cxnSp>
         <p:nvCxnSpPr>
-          <p:cNvPr id="126" name="Straight Connector 125">
+          <p:cNvPr id="222" name="Straight Connector 221">
             <a:extLst>
               <a:ext uri="{FF2B5EF4-FFF2-40B4-BE49-F238E27FC236}">
-                <a16:creationId xmlns:a16="http://schemas.microsoft.com/office/drawing/2014/main" id="{FAD1AD1E-C85C-4644-A3B6-CB72DE1B77FD}"/>
+                <a16:creationId xmlns:a16="http://schemas.microsoft.com/office/drawing/2014/main" id="{F5A2A271-52F6-43A5-BFB9-E5377702E14D}"/>
               </a:ext>
             </a:extLst>
           </p:cNvPr>
@@ -3799,7 +5123,7 @@
         </p:nvCxnSpPr>
         <p:spPr>
           <a:xfrm rot="5400000">
-            <a:off x="702386" y="2042876"/>
+            <a:off x="322871" y="1986564"/>
             <a:ext cx="72000" cy="0"/>
           </a:xfrm>
           <a:prstGeom prst="line">
@@ -3823,10 +5147,10 @@
       </p:cxnSp>
       <p:cxnSp>
         <p:nvCxnSpPr>
-          <p:cNvPr id="127" name="Straight Connector 126">
+          <p:cNvPr id="223" name="Straight Connector 222">
             <a:extLst>
               <a:ext uri="{FF2B5EF4-FFF2-40B4-BE49-F238E27FC236}">
-                <a16:creationId xmlns:a16="http://schemas.microsoft.com/office/drawing/2014/main" id="{14856509-04CC-48D1-A498-C12ADCF0E994}"/>
+                <a16:creationId xmlns:a16="http://schemas.microsoft.com/office/drawing/2014/main" id="{0D020DEB-F437-4D37-B028-539DFD6C7909}"/>
               </a:ext>
             </a:extLst>
           </p:cNvPr>
@@ -3837,7 +5161,7 @@
         </p:nvCxnSpPr>
         <p:spPr>
           <a:xfrm rot="5400000">
-            <a:off x="1428086" y="2042876"/>
+            <a:off x="1050620" y="1986564"/>
             <a:ext cx="72000" cy="0"/>
           </a:xfrm>
           <a:prstGeom prst="line">
@@ -3861,10 +5185,10 @@
       </p:cxnSp>
       <p:sp>
         <p:nvSpPr>
-          <p:cNvPr id="128" name="TextBox 127">
+          <p:cNvPr id="224" name="TextBox 223">
             <a:extLst>
               <a:ext uri="{FF2B5EF4-FFF2-40B4-BE49-F238E27FC236}">
-                <a16:creationId xmlns:a16="http://schemas.microsoft.com/office/drawing/2014/main" id="{E9D1C55F-474A-4F86-BD32-F566AF11B2E4}"/>
+                <a16:creationId xmlns:a16="http://schemas.microsoft.com/office/drawing/2014/main" id="{B3D504C0-3694-42E4-B927-6D1E4AF779DC}"/>
               </a:ext>
             </a:extLst>
           </p:cNvPr>
@@ -3873,8 +5197,8 @@
         </p:nvSpPr>
         <p:spPr>
           <a:xfrm>
-            <a:off x="220533" y="2032072"/>
-            <a:ext cx="1027952" cy="215444"/>
+            <a:off x="-156933" y="1929425"/>
+            <a:ext cx="1027952" cy="184666"/>
           </a:xfrm>
           <a:prstGeom prst="rect">
             <a:avLst/>
@@ -3889,7 +5213,7 @@
           <a:p>
             <a:pPr algn="ctr"/>
             <a:r>
-              <a:rPr lang="en-GB" sz="800" dirty="0">
+              <a:rPr lang="en-GB" sz="600" dirty="0">
                 <a:cs typeface="Arial" panose="020B0604020202020204" pitchFamily="34" charset="0"/>
               </a:rPr>
               <a:t>Low</a:t>
@@ -3899,10 +5223,10 @@
       </p:sp>
       <p:cxnSp>
         <p:nvCxnSpPr>
-          <p:cNvPr id="129" name="Straight Connector 128">
+          <p:cNvPr id="225" name="Straight Connector 224">
             <a:extLst>
               <a:ext uri="{FF2B5EF4-FFF2-40B4-BE49-F238E27FC236}">
-                <a16:creationId xmlns:a16="http://schemas.microsoft.com/office/drawing/2014/main" id="{06D91AA9-8A5E-4168-B251-50CCDB3ECA34}"/>
+                <a16:creationId xmlns:a16="http://schemas.microsoft.com/office/drawing/2014/main" id="{010DF091-83EF-4116-85A8-4FF45DC26D5D}"/>
               </a:ext>
             </a:extLst>
           </p:cNvPr>
@@ -3913,7 +5237,7 @@
         </p:nvCxnSpPr>
         <p:spPr>
           <a:xfrm rot="5400000">
-            <a:off x="2148086" y="2042876"/>
+            <a:off x="1770620" y="1986564"/>
             <a:ext cx="72000" cy="0"/>
           </a:xfrm>
           <a:prstGeom prst="line">
@@ -3937,10 +5261,10 @@
       </p:cxnSp>
       <p:sp>
         <p:nvSpPr>
-          <p:cNvPr id="130" name="TextBox 129">
+          <p:cNvPr id="226" name="TextBox 225">
             <a:extLst>
               <a:ext uri="{FF2B5EF4-FFF2-40B4-BE49-F238E27FC236}">
-                <a16:creationId xmlns:a16="http://schemas.microsoft.com/office/drawing/2014/main" id="{40DDE356-114C-4C18-8373-1D58F3D01A2D}"/>
+                <a16:creationId xmlns:a16="http://schemas.microsoft.com/office/drawing/2014/main" id="{E62849B2-C881-4D3E-84AC-EB00B469F05B}"/>
               </a:ext>
             </a:extLst>
           </p:cNvPr>
@@ -3949,8 +5273,8 @@
         </p:nvSpPr>
         <p:spPr>
           <a:xfrm>
-            <a:off x="962065" y="2032072"/>
-            <a:ext cx="1027952" cy="215444"/>
+            <a:off x="584599" y="1975760"/>
+            <a:ext cx="1027952" cy="184666"/>
           </a:xfrm>
           <a:prstGeom prst="rect">
             <a:avLst/>
@@ -3965,7 +5289,7 @@
           <a:p>
             <a:pPr algn="ctr"/>
             <a:r>
-              <a:rPr lang="en-GB" sz="800" dirty="0">
+              <a:rPr lang="en-GB" sz="600" dirty="0">
                 <a:cs typeface="Arial" panose="020B0604020202020204" pitchFamily="34" charset="0"/>
               </a:rPr>
               <a:t>Medium</a:t>
@@ -3975,10 +5299,10 @@
       </p:sp>
       <p:sp>
         <p:nvSpPr>
-          <p:cNvPr id="131" name="TextBox 130">
+          <p:cNvPr id="227" name="TextBox 226">
             <a:extLst>
               <a:ext uri="{FF2B5EF4-FFF2-40B4-BE49-F238E27FC236}">
-                <a16:creationId xmlns:a16="http://schemas.microsoft.com/office/drawing/2014/main" id="{01993258-2D42-4049-B8E5-B4676345BECD}"/>
+                <a16:creationId xmlns:a16="http://schemas.microsoft.com/office/drawing/2014/main" id="{BA035DB8-FD73-468E-B5BB-36E55ACC4A30}"/>
               </a:ext>
             </a:extLst>
           </p:cNvPr>
@@ -3987,8 +5311,8 @@
         </p:nvSpPr>
         <p:spPr>
           <a:xfrm>
-            <a:off x="1670110" y="2032072"/>
-            <a:ext cx="1027952" cy="215444"/>
+            <a:off x="1292644" y="1975760"/>
+            <a:ext cx="1027952" cy="184666"/>
           </a:xfrm>
           <a:prstGeom prst="rect">
             <a:avLst/>
@@ -4003,7 +5327,7 @@
           <a:p>
             <a:pPr algn="ctr"/>
             <a:r>
-              <a:rPr lang="en-GB" sz="800" dirty="0">
+              <a:rPr lang="en-GB" sz="600" dirty="0">
                 <a:cs typeface="Arial" panose="020B0604020202020204" pitchFamily="34" charset="0"/>
               </a:rPr>
               <a:t>High</a:t>
@@ -4013,10 +5337,10 @@
       </p:sp>
       <p:sp>
         <p:nvSpPr>
-          <p:cNvPr id="132" name="TextBox 131">
+          <p:cNvPr id="228" name="TextBox 227">
             <a:extLst>
               <a:ext uri="{FF2B5EF4-FFF2-40B4-BE49-F238E27FC236}">
-                <a16:creationId xmlns:a16="http://schemas.microsoft.com/office/drawing/2014/main" id="{09391332-6AFD-4497-9962-73BABE8C7493}"/>
+                <a16:creationId xmlns:a16="http://schemas.microsoft.com/office/drawing/2014/main" id="{F671C088-EF7C-4CE3-B740-F132E541182F}"/>
               </a:ext>
             </a:extLst>
           </p:cNvPr>
@@ -4025,8 +5349,8 @@
         </p:nvSpPr>
         <p:spPr>
           <a:xfrm rot="16200000">
-            <a:off x="10976" y="1764667"/>
-            <a:ext cx="1027952" cy="215444"/>
+            <a:off x="-99695" y="1738061"/>
+            <a:ext cx="526129" cy="184666"/>
           </a:xfrm>
           <a:prstGeom prst="rect">
             <a:avLst/>
@@ -4041,7 +5365,7 @@
           <a:p>
             <a:pPr algn="ctr"/>
             <a:r>
-              <a:rPr lang="en-GB" sz="800" dirty="0">
+              <a:rPr lang="en-GB" sz="600" dirty="0">
                 <a:cs typeface="Arial" panose="020B0604020202020204" pitchFamily="34" charset="0"/>
               </a:rPr>
               <a:t>Ineffective</a:t>
@@ -4051,10 +5375,10 @@
       </p:sp>
       <p:sp>
         <p:nvSpPr>
-          <p:cNvPr id="133" name="TextBox 132">
+          <p:cNvPr id="229" name="TextBox 228">
             <a:extLst>
               <a:ext uri="{FF2B5EF4-FFF2-40B4-BE49-F238E27FC236}">
-                <a16:creationId xmlns:a16="http://schemas.microsoft.com/office/drawing/2014/main" id="{6D7E80E1-D66E-45F3-8948-EDFDAB64E7FB}"/>
+                <a16:creationId xmlns:a16="http://schemas.microsoft.com/office/drawing/2014/main" id="{6EC7C800-CDC2-4875-BA74-3699CC2F1434}"/>
               </a:ext>
             </a:extLst>
           </p:cNvPr>
@@ -4063,8 +5387,8 @@
         </p:nvSpPr>
         <p:spPr>
           <a:xfrm rot="16200000">
-            <a:off x="-50579" y="1043655"/>
-            <a:ext cx="1027952" cy="338554"/>
+            <a:off x="-159532" y="975000"/>
+            <a:ext cx="553470" cy="276999"/>
           </a:xfrm>
           <a:prstGeom prst="rect">
             <a:avLst/>
@@ -4079,7 +5403,7 @@
           <a:p>
             <a:pPr algn="ctr"/>
             <a:r>
-              <a:rPr lang="en-GB" sz="800" dirty="0">
+              <a:rPr lang="en-GB" sz="600" dirty="0">
                 <a:cs typeface="Arial" panose="020B0604020202020204" pitchFamily="34" charset="0"/>
               </a:rPr>
               <a:t>Moderately</a:t>
@@ -4088,7 +5412,7 @@
           <a:p>
             <a:pPr algn="ctr"/>
             <a:r>
-              <a:rPr lang="en-GB" sz="800" dirty="0">
+              <a:rPr lang="en-GB" sz="600" dirty="0">
                 <a:cs typeface="Arial" panose="020B0604020202020204" pitchFamily="34" charset="0"/>
               </a:rPr>
               <a:t>Effective</a:t>
@@ -4098,10 +5422,10 @@
       </p:sp>
       <p:sp>
         <p:nvSpPr>
-          <p:cNvPr id="134" name="TextBox 133">
+          <p:cNvPr id="230" name="TextBox 229">
             <a:extLst>
               <a:ext uri="{FF2B5EF4-FFF2-40B4-BE49-F238E27FC236}">
-                <a16:creationId xmlns:a16="http://schemas.microsoft.com/office/drawing/2014/main" id="{DA35C2FB-9256-4E91-8D07-E37F38CF4089}"/>
+                <a16:creationId xmlns:a16="http://schemas.microsoft.com/office/drawing/2014/main" id="{C6709A29-E96D-4BC6-9839-D524F8BFB105}"/>
               </a:ext>
             </a:extLst>
           </p:cNvPr>
@@ -4110,8 +5434,8 @@
         </p:nvSpPr>
         <p:spPr>
           <a:xfrm rot="16200000">
-            <a:off x="-33432" y="326952"/>
-            <a:ext cx="1027952" cy="338554"/>
+            <a:off x="-109293" y="251899"/>
+            <a:ext cx="452992" cy="276999"/>
           </a:xfrm>
           <a:prstGeom prst="rect">
             <a:avLst/>
@@ -4126,7 +5450,7 @@
           <a:p>
             <a:pPr algn="ctr"/>
             <a:r>
-              <a:rPr lang="en-GB" sz="800" dirty="0">
+              <a:rPr lang="en-GB" sz="600" dirty="0">
                 <a:cs typeface="Arial" panose="020B0604020202020204" pitchFamily="34" charset="0"/>
               </a:rPr>
               <a:t>Very</a:t>
@@ -4135,7 +5459,7 @@
           <a:p>
             <a:pPr algn="ctr"/>
             <a:r>
-              <a:rPr lang="en-GB" sz="800" dirty="0">
+              <a:rPr lang="en-GB" sz="600" dirty="0">
                 <a:cs typeface="Arial" panose="020B0604020202020204" pitchFamily="34" charset="0"/>
               </a:rPr>
               <a:t>Effective</a:t>
@@ -4145,30 +5469,30 @@
       </p:sp>
       <p:cxnSp>
         <p:nvCxnSpPr>
-          <p:cNvPr id="135" name="Straight Connector 134">
+          <p:cNvPr id="231" name="Straight Connector 230">
             <a:extLst>
               <a:ext uri="{FF2B5EF4-FFF2-40B4-BE49-F238E27FC236}">
-                <a16:creationId xmlns:a16="http://schemas.microsoft.com/office/drawing/2014/main" id="{B829B954-8ED3-4F75-8769-CDA7A3296382}"/>
+                <a16:creationId xmlns:a16="http://schemas.microsoft.com/office/drawing/2014/main" id="{18D22334-DC03-46F9-AC19-462E1D4FD57B}"/>
               </a:ext>
             </a:extLst>
           </p:cNvPr>
           <p:cNvCxnSpPr>
             <a:cxnSpLocks/>
-            <a:endCxn id="136" idx="7"/>
+            <a:endCxn id="232" idx="7"/>
           </p:cNvCxnSpPr>
           <p:nvPr/>
         </p:nvCxnSpPr>
         <p:spPr>
           <a:xfrm flipV="1">
-            <a:off x="631039" y="463446"/>
-            <a:ext cx="1578503" cy="1584950"/>
+            <a:off x="259465" y="360799"/>
+            <a:ext cx="1572611" cy="1630828"/>
           </a:xfrm>
           <a:prstGeom prst="line">
             <a:avLst/>
           </a:prstGeom>
-          <a:ln w="19050">
+          <a:ln w="12700">
             <a:solidFill>
-              <a:schemeClr val="tx1"/>
+              <a:srgbClr val="00CC99"/>
             </a:solidFill>
           </a:ln>
         </p:spPr>
@@ -4189,10 +5513,10 @@
       </p:cxnSp>
       <p:sp>
         <p:nvSpPr>
-          <p:cNvPr id="136" name="Oval 135">
+          <p:cNvPr id="232" name="Oval 231">
             <a:extLst>
               <a:ext uri="{FF2B5EF4-FFF2-40B4-BE49-F238E27FC236}">
-                <a16:creationId xmlns:a16="http://schemas.microsoft.com/office/drawing/2014/main" id="{DD2344AC-16F0-452B-B21A-739B2EC85ECD}"/>
+                <a16:creationId xmlns:a16="http://schemas.microsoft.com/office/drawing/2014/main" id="{239D76BC-C9B3-4D0B-AEAB-8F63B7CFB615}"/>
               </a:ext>
             </a:extLst>
           </p:cNvPr>
@@ -4201,14 +5525,14 @@
         </p:nvSpPr>
         <p:spPr>
           <a:xfrm>
-            <a:off x="2148086" y="452902"/>
+            <a:off x="1770620" y="350255"/>
             <a:ext cx="72000" cy="72000"/>
           </a:xfrm>
           <a:prstGeom prst="ellipse">
             <a:avLst/>
           </a:prstGeom>
           <a:solidFill>
-            <a:schemeClr val="tx1"/>
+            <a:srgbClr val="00CC99"/>
           </a:solidFill>
           <a:ln>
             <a:noFill/>
@@ -4235,16 +5559,16 @@
           <a:lstStyle/>
           <a:p>
             <a:pPr algn="ctr"/>
-            <a:endParaRPr lang="en-GB"/>
-          </a:p>
-        </p:txBody>
-      </p:sp>
-      <p:sp>
-        <p:nvSpPr>
-          <p:cNvPr id="137" name="Oval 136">
+            <a:endParaRPr lang="en-GB" sz="600"/>
+          </a:p>
+        </p:txBody>
+      </p:sp>
+      <p:sp>
+        <p:nvSpPr>
+          <p:cNvPr id="233" name="Oval 232">
             <a:extLst>
               <a:ext uri="{FF2B5EF4-FFF2-40B4-BE49-F238E27FC236}">
-                <a16:creationId xmlns:a16="http://schemas.microsoft.com/office/drawing/2014/main" id="{57E3D636-4F49-4F9A-B8DA-BE2E8FCAB48D}"/>
+                <a16:creationId xmlns:a16="http://schemas.microsoft.com/office/drawing/2014/main" id="{A86DB783-D0A6-4CB6-BAFE-501DF3FE9AB6}"/>
               </a:ext>
             </a:extLst>
           </p:cNvPr>
@@ -4253,14 +5577,14 @@
         </p:nvSpPr>
         <p:spPr>
           <a:xfrm>
-            <a:off x="698509" y="1901076"/>
+            <a:off x="322871" y="1850942"/>
             <a:ext cx="72000" cy="72000"/>
           </a:xfrm>
           <a:prstGeom prst="ellipse">
             <a:avLst/>
           </a:prstGeom>
           <a:solidFill>
-            <a:schemeClr val="tx1"/>
+            <a:srgbClr val="00CC99"/>
           </a:solidFill>
           <a:ln>
             <a:noFill/>
@@ -4287,16 +5611,16 @@
           <a:lstStyle/>
           <a:p>
             <a:pPr algn="ctr"/>
-            <a:endParaRPr lang="en-GB"/>
-          </a:p>
-        </p:txBody>
-      </p:sp>
-      <p:sp>
-        <p:nvSpPr>
-          <p:cNvPr id="138" name="Oval 137">
+            <a:endParaRPr lang="en-GB" sz="600"/>
+          </a:p>
+        </p:txBody>
+      </p:sp>
+      <p:sp>
+        <p:nvSpPr>
+          <p:cNvPr id="234" name="Oval 233">
             <a:extLst>
               <a:ext uri="{FF2B5EF4-FFF2-40B4-BE49-F238E27FC236}">
-                <a16:creationId xmlns:a16="http://schemas.microsoft.com/office/drawing/2014/main" id="{C686689D-00B3-4CD4-8EED-584D50ECC5DC}"/>
+                <a16:creationId xmlns:a16="http://schemas.microsoft.com/office/drawing/2014/main" id="{A2DAFEA7-E085-4F37-9ACF-F66A489C6465}"/>
               </a:ext>
             </a:extLst>
           </p:cNvPr>
@@ -4305,14 +5629,14 @@
         </p:nvSpPr>
         <p:spPr>
           <a:xfrm>
-            <a:off x="1440041" y="1173439"/>
+            <a:off x="1062575" y="1101682"/>
             <a:ext cx="72000" cy="72000"/>
           </a:xfrm>
           <a:prstGeom prst="ellipse">
             <a:avLst/>
           </a:prstGeom>
           <a:solidFill>
-            <a:schemeClr val="tx1"/>
+            <a:srgbClr val="00CC99"/>
           </a:solidFill>
           <a:ln>
             <a:noFill/>
@@ -4339,16 +5663,16 @@
           <a:lstStyle/>
           <a:p>
             <a:pPr algn="ctr"/>
-            <a:endParaRPr lang="en-GB"/>
-          </a:p>
-        </p:txBody>
-      </p:sp>
-      <p:sp>
-        <p:nvSpPr>
-          <p:cNvPr id="139" name="TextBox 138">
+            <a:endParaRPr lang="en-GB" sz="600"/>
+          </a:p>
+        </p:txBody>
+      </p:sp>
+      <p:sp>
+        <p:nvSpPr>
+          <p:cNvPr id="235" name="TextBox 234">
             <a:extLst>
               <a:ext uri="{FF2B5EF4-FFF2-40B4-BE49-F238E27FC236}">
-                <a16:creationId xmlns:a16="http://schemas.microsoft.com/office/drawing/2014/main" id="{C45905E5-C1AD-46E6-81F6-D8CBA15ADC71}"/>
+                <a16:creationId xmlns:a16="http://schemas.microsoft.com/office/drawing/2014/main" id="{8995A219-4072-416E-9F87-9BCF6D993A60}"/>
               </a:ext>
             </a:extLst>
           </p:cNvPr>
@@ -4356,9 +5680,53 @@
           <p:nvPr/>
         </p:nvSpPr>
         <p:spPr>
-          <a:xfrm rot="-2700000">
-            <a:off x="242101" y="1111771"/>
-            <a:ext cx="2202946" cy="215444"/>
+          <a:xfrm rot="18818324">
+            <a:off x="-59865" y="1019360"/>
+            <a:ext cx="2151716" cy="184666"/>
+          </a:xfrm>
+          <a:prstGeom prst="rect">
+            <a:avLst/>
+          </a:prstGeom>
+          <a:noFill/>
+          <a:ln>
+            <a:noFill/>
+          </a:ln>
+        </p:spPr>
+        <p:txBody>
+          <a:bodyPr wrap="square" rtlCol="0">
+            <a:spAutoFit/>
+          </a:bodyPr>
+          <a:lstStyle/>
+          <a:p>
+            <a:pPr algn="ctr"/>
+            <a:r>
+              <a:rPr lang="en-GB" sz="600" dirty="0">
+                <a:solidFill>
+                  <a:srgbClr val="00CC99"/>
+                </a:solidFill>
+                <a:cs typeface="Arial" panose="020B0604020202020204" pitchFamily="34" charset="0"/>
+              </a:rPr>
+              <a:t>Optimal UND-EFF relationship</a:t>
+            </a:r>
+          </a:p>
+        </p:txBody>
+      </p:sp>
+      <p:sp>
+        <p:nvSpPr>
+          <p:cNvPr id="236" name="TextBox 235">
+            <a:extLst>
+              <a:ext uri="{FF2B5EF4-FFF2-40B4-BE49-F238E27FC236}">
+                <a16:creationId xmlns:a16="http://schemas.microsoft.com/office/drawing/2014/main" id="{6E946915-68E6-4B03-91E6-E03C358A2A73}"/>
+              </a:ext>
+            </a:extLst>
+          </p:cNvPr>
+          <p:cNvSpPr txBox="1"/>
+          <p:nvPr/>
+        </p:nvSpPr>
+        <p:spPr>
+          <a:xfrm>
+            <a:off x="1793721" y="704815"/>
+            <a:ext cx="522022" cy="276999"/>
           </a:xfrm>
           <a:prstGeom prst="rect">
             <a:avLst/>
@@ -4371,152 +5739,35 @@
           </a:bodyPr>
           <a:lstStyle/>
           <a:p>
-            <a:pPr algn="ctr"/>
-            <a:r>
-              <a:rPr lang="en-GB" sz="800" dirty="0">
-                <a:cs typeface="Arial" panose="020B0604020202020204" pitchFamily="34" charset="0"/>
-              </a:rPr>
-              <a:t>Optimal Understanding - Effectiveness</a:t>
-            </a:r>
-          </a:p>
-        </p:txBody>
-      </p:sp>
-      <p:cxnSp>
-        <p:nvCxnSpPr>
-          <p:cNvPr id="140" name="Straight Connector 139">
-            <a:extLst>
-              <a:ext uri="{FF2B5EF4-FFF2-40B4-BE49-F238E27FC236}">
-                <a16:creationId xmlns:a16="http://schemas.microsoft.com/office/drawing/2014/main" id="{783B6CC4-C1AC-4F4E-94B3-600BCE2A1A03}"/>
-              </a:ext>
-            </a:extLst>
-          </p:cNvPr>
-          <p:cNvCxnSpPr>
-            <a:cxnSpLocks/>
-          </p:cNvCxnSpPr>
-          <p:nvPr/>
-        </p:nvCxnSpPr>
-        <p:spPr>
-          <a:xfrm flipV="1">
-            <a:off x="628717" y="680995"/>
-            <a:ext cx="1571596" cy="1364414"/>
-          </a:xfrm>
-          <a:prstGeom prst="line">
-            <a:avLst/>
-          </a:prstGeom>
-          <a:ln w="12700">
-            <a:solidFill>
-              <a:srgbClr val="0000FF"/>
-            </a:solidFill>
-            <a:prstDash val="solid"/>
-          </a:ln>
-        </p:spPr>
-        <p:style>
-          <a:lnRef idx="1">
-            <a:schemeClr val="accent1"/>
-          </a:lnRef>
-          <a:fillRef idx="0">
-            <a:schemeClr val="accent1"/>
-          </a:fillRef>
-          <a:effectRef idx="0">
-            <a:schemeClr val="accent1"/>
-          </a:effectRef>
-          <a:fontRef idx="minor">
-            <a:schemeClr val="tx1"/>
-          </a:fontRef>
-        </p:style>
-      </p:cxnSp>
-      <p:sp>
-        <p:nvSpPr>
-          <p:cNvPr id="141" name="TextBox 140">
-            <a:extLst>
-              <a:ext uri="{FF2B5EF4-FFF2-40B4-BE49-F238E27FC236}">
-                <a16:creationId xmlns:a16="http://schemas.microsoft.com/office/drawing/2014/main" id="{C8690B1B-7EB6-477F-8A08-9BB2F7F2C5A6}"/>
-              </a:ext>
-            </a:extLst>
-          </p:cNvPr>
-          <p:cNvSpPr txBox="1"/>
-          <p:nvPr/>
-        </p:nvSpPr>
-        <p:spPr>
-          <a:xfrm>
-            <a:off x="2107565" y="592692"/>
-            <a:ext cx="1152454" cy="215444"/>
-          </a:xfrm>
-          <a:prstGeom prst="rect">
-            <a:avLst/>
-          </a:prstGeom>
-          <a:noFill/>
-        </p:spPr>
-        <p:txBody>
-          <a:bodyPr wrap="square" rtlCol="0">
-            <a:spAutoFit/>
-          </a:bodyPr>
-          <a:lstStyle/>
-          <a:p>
-            <a:pPr algn="ctr"/>
-            <a:r>
-              <a:rPr lang="en-GB" sz="800" dirty="0">
+            <a:r>
+              <a:rPr lang="en-GB" sz="600" dirty="0">
                 <a:solidFill>
                   <a:srgbClr val="0000FF"/>
                 </a:solidFill>
                 <a:cs typeface="Arial" panose="020B0604020202020204" pitchFamily="34" charset="0"/>
               </a:rPr>
-              <a:t>Traditional Prob. FC</a:t>
-            </a:r>
-          </a:p>
-        </p:txBody>
-      </p:sp>
-      <p:cxnSp>
-        <p:nvCxnSpPr>
-          <p:cNvPr id="142" name="Straight Connector 141">
+              <a:t>Traditional </a:t>
+            </a:r>
+          </a:p>
+          <a:p>
+            <a:r>
+              <a:rPr lang="en-GB" sz="600" dirty="0">
+                <a:solidFill>
+                  <a:srgbClr val="0000FF"/>
+                </a:solidFill>
+                <a:cs typeface="Arial" panose="020B0604020202020204" pitchFamily="34" charset="0"/>
+              </a:rPr>
+              <a:t>EPFs</a:t>
+            </a:r>
+          </a:p>
+        </p:txBody>
+      </p:sp>
+      <p:sp>
+        <p:nvSpPr>
+          <p:cNvPr id="237" name="Oval 236">
             <a:extLst>
               <a:ext uri="{FF2B5EF4-FFF2-40B4-BE49-F238E27FC236}">
-                <a16:creationId xmlns:a16="http://schemas.microsoft.com/office/drawing/2014/main" id="{F353CC3A-0F1F-4D34-A664-8FE32AB7FD53}"/>
-              </a:ext>
-            </a:extLst>
-          </p:cNvPr>
-          <p:cNvCxnSpPr>
-            <a:cxnSpLocks/>
-            <a:endCxn id="147" idx="7"/>
-          </p:cNvCxnSpPr>
-          <p:nvPr/>
-        </p:nvCxnSpPr>
-        <p:spPr>
-          <a:xfrm flipV="1">
-            <a:off x="628657" y="923034"/>
-            <a:ext cx="1575613" cy="1124192"/>
-          </a:xfrm>
-          <a:prstGeom prst="line">
-            <a:avLst/>
-          </a:prstGeom>
-          <a:ln w="12700">
-            <a:solidFill>
-              <a:srgbClr val="FF0000"/>
-            </a:solidFill>
-            <a:prstDash val="dash"/>
-          </a:ln>
-        </p:spPr>
-        <p:style>
-          <a:lnRef idx="1">
-            <a:schemeClr val="accent1"/>
-          </a:lnRef>
-          <a:fillRef idx="0">
-            <a:schemeClr val="accent1"/>
-          </a:fillRef>
-          <a:effectRef idx="0">
-            <a:schemeClr val="accent1"/>
-          </a:effectRef>
-          <a:fontRef idx="minor">
-            <a:schemeClr val="tx1"/>
-          </a:fontRef>
-        </p:style>
-      </p:cxnSp>
-      <p:sp>
-        <p:nvSpPr>
-          <p:cNvPr id="143" name="Oval 142">
-            <a:extLst>
-              <a:ext uri="{FF2B5EF4-FFF2-40B4-BE49-F238E27FC236}">
-                <a16:creationId xmlns:a16="http://schemas.microsoft.com/office/drawing/2014/main" id="{A9374C4D-6BDD-4CA1-BC53-08C2E7056D5D}"/>
+                <a16:creationId xmlns:a16="http://schemas.microsoft.com/office/drawing/2014/main" id="{3DE7BB97-6CBF-43E2-A2C9-315AA48D8350}"/>
               </a:ext>
             </a:extLst>
           </p:cNvPr>
@@ -4525,7 +5776,7 @@
         </p:nvSpPr>
         <p:spPr>
           <a:xfrm>
-            <a:off x="702165" y="1912409"/>
+            <a:off x="322871" y="1862275"/>
             <a:ext cx="72000" cy="72000"/>
           </a:xfrm>
           <a:prstGeom prst="ellipse">
@@ -4559,16 +5810,16 @@
           <a:lstStyle/>
           <a:p>
             <a:pPr algn="ctr"/>
-            <a:endParaRPr lang="en-GB"/>
-          </a:p>
-        </p:txBody>
-      </p:sp>
-      <p:sp>
-        <p:nvSpPr>
-          <p:cNvPr id="144" name="Oval 143">
+            <a:endParaRPr lang="en-GB" sz="600"/>
+          </a:p>
+        </p:txBody>
+      </p:sp>
+      <p:sp>
+        <p:nvSpPr>
+          <p:cNvPr id="238" name="Oval 237">
             <a:extLst>
               <a:ext uri="{FF2B5EF4-FFF2-40B4-BE49-F238E27FC236}">
-                <a16:creationId xmlns:a16="http://schemas.microsoft.com/office/drawing/2014/main" id="{519FF198-B9AD-457F-93BE-E6DD47B03BCE}"/>
+                <a16:creationId xmlns:a16="http://schemas.microsoft.com/office/drawing/2014/main" id="{7E6705A4-BC22-4E80-B1B6-9A1F744DD1F9}"/>
               </a:ext>
             </a:extLst>
           </p:cNvPr>
@@ -4577,7 +5828,393 @@
         </p:nvSpPr>
         <p:spPr>
           <a:xfrm>
-            <a:off x="700215" y="1926115"/>
+            <a:off x="1062575" y="1340526"/>
+            <a:ext cx="72000" cy="72000"/>
+          </a:xfrm>
+          <a:prstGeom prst="ellipse">
+            <a:avLst/>
+          </a:prstGeom>
+          <a:solidFill>
+            <a:srgbClr val="0000FF"/>
+          </a:solidFill>
+          <a:ln>
+            <a:noFill/>
+          </a:ln>
+        </p:spPr>
+        <p:style>
+          <a:lnRef idx="2">
+            <a:schemeClr val="accent1">
+              <a:shade val="50000"/>
+            </a:schemeClr>
+          </a:lnRef>
+          <a:fillRef idx="1">
+            <a:schemeClr val="accent1"/>
+          </a:fillRef>
+          <a:effectRef idx="0">
+            <a:schemeClr val="accent1"/>
+          </a:effectRef>
+          <a:fontRef idx="minor">
+            <a:schemeClr val="lt1"/>
+          </a:fontRef>
+        </p:style>
+        <p:txBody>
+          <a:bodyPr rtlCol="0" anchor="ctr"/>
+          <a:lstStyle/>
+          <a:p>
+            <a:pPr algn="ctr"/>
+            <a:endParaRPr lang="en-GB" sz="600"/>
+          </a:p>
+        </p:txBody>
+      </p:sp>
+      <p:sp>
+        <p:nvSpPr>
+          <p:cNvPr id="239" name="Oval 238">
+            <a:extLst>
+              <a:ext uri="{FF2B5EF4-FFF2-40B4-BE49-F238E27FC236}">
+                <a16:creationId xmlns:a16="http://schemas.microsoft.com/office/drawing/2014/main" id="{7A7DD37D-2286-4D4A-AC0E-08F4622D77A4}"/>
+              </a:ext>
+            </a:extLst>
+          </p:cNvPr>
+          <p:cNvSpPr/>
+          <p:nvPr/>
+        </p:nvSpPr>
+        <p:spPr>
+          <a:xfrm>
+            <a:off x="1777014" y="815360"/>
+            <a:ext cx="72000" cy="72000"/>
+          </a:xfrm>
+          <a:prstGeom prst="ellipse">
+            <a:avLst/>
+          </a:prstGeom>
+          <a:solidFill>
+            <a:srgbClr val="0000FF"/>
+          </a:solidFill>
+          <a:ln>
+            <a:noFill/>
+          </a:ln>
+        </p:spPr>
+        <p:style>
+          <a:lnRef idx="2">
+            <a:schemeClr val="accent1">
+              <a:shade val="50000"/>
+            </a:schemeClr>
+          </a:lnRef>
+          <a:fillRef idx="1">
+            <a:schemeClr val="accent1"/>
+          </a:fillRef>
+          <a:effectRef idx="0">
+            <a:schemeClr val="accent1"/>
+          </a:effectRef>
+          <a:fontRef idx="minor">
+            <a:schemeClr val="lt1"/>
+          </a:fontRef>
+        </p:style>
+        <p:txBody>
+          <a:bodyPr rtlCol="0" anchor="ctr"/>
+          <a:lstStyle/>
+          <a:p>
+            <a:pPr algn="ctr"/>
+            <a:endParaRPr lang="en-GB" sz="600"/>
+          </a:p>
+        </p:txBody>
+      </p:sp>
+      <p:cxnSp>
+        <p:nvCxnSpPr>
+          <p:cNvPr id="240" name="Straight Arrow Connector 239">
+            <a:extLst>
+              <a:ext uri="{FF2B5EF4-FFF2-40B4-BE49-F238E27FC236}">
+                <a16:creationId xmlns:a16="http://schemas.microsoft.com/office/drawing/2014/main" id="{E8C619DD-6EBC-4331-BD8D-77CEF3FF1E9F}"/>
+              </a:ext>
+            </a:extLst>
+          </p:cNvPr>
+          <p:cNvCxnSpPr>
+            <a:cxnSpLocks/>
+          </p:cNvCxnSpPr>
+          <p:nvPr/>
+        </p:nvCxnSpPr>
+        <p:spPr>
+          <a:xfrm>
+            <a:off x="1332367" y="286978"/>
+            <a:ext cx="555" cy="183005"/>
+          </a:xfrm>
+          <a:prstGeom prst="straightConnector1">
+            <a:avLst/>
+          </a:prstGeom>
+          <a:ln w="6350" cap="sq">
+            <a:solidFill>
+              <a:srgbClr val="00CC99"/>
+            </a:solidFill>
+            <a:headEnd w="med" len="sm"/>
+            <a:tailEnd type="diamond" w="sm" len="sm"/>
+          </a:ln>
+        </p:spPr>
+        <p:style>
+          <a:lnRef idx="1">
+            <a:schemeClr val="accent1"/>
+          </a:lnRef>
+          <a:fillRef idx="0">
+            <a:schemeClr val="accent1"/>
+          </a:fillRef>
+          <a:effectRef idx="0">
+            <a:schemeClr val="accent1"/>
+          </a:effectRef>
+          <a:fontRef idx="minor">
+            <a:schemeClr val="tx1"/>
+          </a:fontRef>
+        </p:style>
+      </p:cxnSp>
+      <p:cxnSp>
+        <p:nvCxnSpPr>
+          <p:cNvPr id="241" name="Straight Connector 240">
+            <a:extLst>
+              <a:ext uri="{FF2B5EF4-FFF2-40B4-BE49-F238E27FC236}">
+                <a16:creationId xmlns:a16="http://schemas.microsoft.com/office/drawing/2014/main" id="{E6953CB0-36EF-45AA-B6EF-21FEA5A1B557}"/>
+              </a:ext>
+            </a:extLst>
+          </p:cNvPr>
+          <p:cNvCxnSpPr>
+            <a:cxnSpLocks/>
+          </p:cNvCxnSpPr>
+          <p:nvPr/>
+        </p:nvCxnSpPr>
+        <p:spPr>
+          <a:xfrm>
+            <a:off x="477390" y="286011"/>
+            <a:ext cx="854977" cy="0"/>
+          </a:xfrm>
+          <a:prstGeom prst="line">
+            <a:avLst/>
+          </a:prstGeom>
+          <a:ln w="6350">
+            <a:solidFill>
+              <a:srgbClr val="00CC99"/>
+            </a:solidFill>
+          </a:ln>
+        </p:spPr>
+        <p:style>
+          <a:lnRef idx="1">
+            <a:schemeClr val="accent1"/>
+          </a:lnRef>
+          <a:fillRef idx="0">
+            <a:schemeClr val="accent1"/>
+          </a:fillRef>
+          <a:effectRef idx="0">
+            <a:schemeClr val="accent1"/>
+          </a:effectRef>
+          <a:fontRef idx="minor">
+            <a:schemeClr val="tx1"/>
+          </a:fontRef>
+        </p:style>
+      </p:cxnSp>
+      <p:sp>
+        <p:nvSpPr>
+          <p:cNvPr id="242" name="TextBox 241">
+            <a:extLst>
+              <a:ext uri="{FF2B5EF4-FFF2-40B4-BE49-F238E27FC236}">
+                <a16:creationId xmlns:a16="http://schemas.microsoft.com/office/drawing/2014/main" id="{7B9F5C4A-366B-467F-B838-BDED577E2AA9}"/>
+              </a:ext>
+            </a:extLst>
+          </p:cNvPr>
+          <p:cNvSpPr txBox="1"/>
+          <p:nvPr/>
+        </p:nvSpPr>
+        <p:spPr>
+          <a:xfrm>
+            <a:off x="477390" y="54281"/>
+            <a:ext cx="854977" cy="276999"/>
+          </a:xfrm>
+          <a:prstGeom prst="rect">
+            <a:avLst/>
+          </a:prstGeom>
+          <a:noFill/>
+        </p:spPr>
+        <p:txBody>
+          <a:bodyPr wrap="square" rtlCol="0">
+            <a:spAutoFit/>
+          </a:bodyPr>
+          <a:lstStyle/>
+          <a:p>
+            <a:pPr algn="ctr"/>
+            <a:r>
+              <a:rPr lang="en-GB" sz="600" dirty="0">
+                <a:solidFill>
+                  <a:srgbClr val="00CC99"/>
+                </a:solidFill>
+                <a:cs typeface="Arial" panose="020B0604020202020204" pitchFamily="34" charset="0"/>
+              </a:rPr>
+              <a:t>Impossible UND-EFF relationships</a:t>
+            </a:r>
+          </a:p>
+        </p:txBody>
+      </p:sp>
+      <p:cxnSp>
+        <p:nvCxnSpPr>
+          <p:cNvPr id="243" name="Straight Connector 242">
+            <a:extLst>
+              <a:ext uri="{FF2B5EF4-FFF2-40B4-BE49-F238E27FC236}">
+                <a16:creationId xmlns:a16="http://schemas.microsoft.com/office/drawing/2014/main" id="{6271C970-65CC-499E-8368-4CC86FC348EC}"/>
+              </a:ext>
+            </a:extLst>
+          </p:cNvPr>
+          <p:cNvCxnSpPr>
+            <a:cxnSpLocks/>
+          </p:cNvCxnSpPr>
+          <p:nvPr/>
+        </p:nvCxnSpPr>
+        <p:spPr>
+          <a:xfrm flipV="1">
+            <a:off x="251251" y="836764"/>
+            <a:ext cx="1574024" cy="1156214"/>
+          </a:xfrm>
+          <a:prstGeom prst="line">
+            <a:avLst/>
+          </a:prstGeom>
+          <a:ln w="12700">
+            <a:solidFill>
+              <a:srgbClr val="0000FF"/>
+            </a:solidFill>
+            <a:prstDash val="solid"/>
+          </a:ln>
+        </p:spPr>
+        <p:style>
+          <a:lnRef idx="1">
+            <a:schemeClr val="accent1"/>
+          </a:lnRef>
+          <a:fillRef idx="0">
+            <a:schemeClr val="accent1"/>
+          </a:fillRef>
+          <a:effectRef idx="0">
+            <a:schemeClr val="accent1"/>
+          </a:effectRef>
+          <a:fontRef idx="minor">
+            <a:schemeClr val="tx1"/>
+          </a:fontRef>
+        </p:style>
+      </p:cxnSp>
+      <p:sp>
+        <p:nvSpPr>
+          <p:cNvPr id="244" name="TextBox 48">
+            <a:extLst>
+              <a:ext uri="{FF2B5EF4-FFF2-40B4-BE49-F238E27FC236}">
+                <a16:creationId xmlns:a16="http://schemas.microsoft.com/office/drawing/2014/main" id="{161DFEA6-3F9E-4F38-80BD-AC2F43FE0AFA}"/>
+              </a:ext>
+            </a:extLst>
+          </p:cNvPr>
+          <p:cNvSpPr txBox="1"/>
+          <p:nvPr/>
+        </p:nvSpPr>
+        <p:spPr>
+          <a:xfrm>
+            <a:off x="1782543" y="1221921"/>
+            <a:ext cx="715206" cy="369332"/>
+          </a:xfrm>
+          <a:prstGeom prst="rect">
+            <a:avLst/>
+          </a:prstGeom>
+          <a:noFill/>
+          <a:ln>
+            <a:noFill/>
+          </a:ln>
+        </p:spPr>
+        <p:txBody>
+          <a:bodyPr wrap="square" rtlCol="0">
+            <a:spAutoFit/>
+          </a:bodyPr>
+          <a:lstStyle/>
+          <a:p>
+            <a:r>
+              <a:rPr lang="en-GB" sz="600" dirty="0">
+                <a:solidFill>
+                  <a:srgbClr val="FF0000"/>
+                </a:solidFill>
+                <a:cs typeface="Arial" panose="020B0604020202020204" pitchFamily="34" charset="0"/>
+              </a:rPr>
+              <a:t>ecPoint FC </a:t>
+            </a:r>
+          </a:p>
+          <a:p>
+            <a:r>
+              <a:rPr lang="en-GB" sz="600" dirty="0">
+                <a:solidFill>
+                  <a:srgbClr val="FF0000"/>
+                </a:solidFill>
+                <a:cs typeface="Arial" panose="020B0604020202020204" pitchFamily="34" charset="0"/>
+              </a:rPr>
+              <a:t>(from “real-time </a:t>
+            </a:r>
+          </a:p>
+          <a:p>
+            <a:r>
+              <a:rPr lang="en-GB" sz="600" dirty="0">
+                <a:solidFill>
+                  <a:srgbClr val="FF0000"/>
+                </a:solidFill>
+                <a:cs typeface="Arial" panose="020B0604020202020204" pitchFamily="34" charset="0"/>
+              </a:rPr>
+              <a:t>phase”)</a:t>
+            </a:r>
+          </a:p>
+        </p:txBody>
+      </p:sp>
+      <p:cxnSp>
+        <p:nvCxnSpPr>
+          <p:cNvPr id="245" name="Straight Connector 63">
+            <a:extLst>
+              <a:ext uri="{FF2B5EF4-FFF2-40B4-BE49-F238E27FC236}">
+                <a16:creationId xmlns:a16="http://schemas.microsoft.com/office/drawing/2014/main" id="{277B4338-522A-47DA-8E34-8135D6BD6804}"/>
+              </a:ext>
+            </a:extLst>
+          </p:cNvPr>
+          <p:cNvCxnSpPr>
+            <a:cxnSpLocks/>
+          </p:cNvCxnSpPr>
+          <p:nvPr/>
+        </p:nvCxnSpPr>
+        <p:spPr>
+          <a:xfrm flipV="1">
+            <a:off x="262022" y="1513052"/>
+            <a:ext cx="805527" cy="473768"/>
+          </a:xfrm>
+          <a:prstGeom prst="line">
+            <a:avLst/>
+          </a:prstGeom>
+          <a:ln w="12700">
+            <a:solidFill>
+              <a:srgbClr val="FF0000"/>
+            </a:solidFill>
+            <a:prstDash val="solid"/>
+          </a:ln>
+        </p:spPr>
+        <p:style>
+          <a:lnRef idx="1">
+            <a:schemeClr val="accent1"/>
+          </a:lnRef>
+          <a:fillRef idx="0">
+            <a:schemeClr val="accent1"/>
+          </a:fillRef>
+          <a:effectRef idx="0">
+            <a:schemeClr val="accent1"/>
+          </a:effectRef>
+          <a:fontRef idx="minor">
+            <a:schemeClr val="tx1"/>
+          </a:fontRef>
+        </p:style>
+      </p:cxnSp>
+      <p:sp>
+        <p:nvSpPr>
+          <p:cNvPr id="246" name="Oval 74">
+            <a:extLst>
+              <a:ext uri="{FF2B5EF4-FFF2-40B4-BE49-F238E27FC236}">
+                <a16:creationId xmlns:a16="http://schemas.microsoft.com/office/drawing/2014/main" id="{9BDB1AE4-2E96-4EE8-87CB-17F107DC7D04}"/>
+              </a:ext>
+            </a:extLst>
+          </p:cNvPr>
+          <p:cNvSpPr/>
+          <p:nvPr/>
+        </p:nvSpPr>
+        <p:spPr>
+          <a:xfrm>
+            <a:off x="322581" y="1900273"/>
             <a:ext cx="72000" cy="72000"/>
           </a:xfrm>
           <a:prstGeom prst="ellipse">
@@ -4611,56 +6248,20 @@
           <a:lstStyle/>
           <a:p>
             <a:pPr algn="ctr"/>
-            <a:endParaRPr lang="en-GB"/>
-          </a:p>
-        </p:txBody>
-      </p:sp>
-      <p:sp>
-        <p:nvSpPr>
-          <p:cNvPr id="145" name="TextBox 144">
+            <a:endParaRPr lang="en-GB" sz="1572">
+              <a:solidFill>
+                <a:srgbClr val="FF0000"/>
+              </a:solidFill>
+            </a:endParaRPr>
+          </a:p>
+        </p:txBody>
+      </p:sp>
+      <p:sp>
+        <p:nvSpPr>
+          <p:cNvPr id="247" name="Oval 34">
             <a:extLst>
               <a:ext uri="{FF2B5EF4-FFF2-40B4-BE49-F238E27FC236}">
-                <a16:creationId xmlns:a16="http://schemas.microsoft.com/office/drawing/2014/main" id="{CE4CDC11-0D92-4D7C-9AAE-9F58AFAF2C2E}"/>
-              </a:ext>
-            </a:extLst>
-          </p:cNvPr>
-          <p:cNvSpPr txBox="1"/>
-          <p:nvPr/>
-        </p:nvSpPr>
-        <p:spPr>
-          <a:xfrm>
-            <a:off x="2137230" y="843400"/>
-            <a:ext cx="1215178" cy="215444"/>
-          </a:xfrm>
-          <a:prstGeom prst="rect">
-            <a:avLst/>
-          </a:prstGeom>
-          <a:noFill/>
-        </p:spPr>
-        <p:txBody>
-          <a:bodyPr wrap="square" rtlCol="0">
-            <a:spAutoFit/>
-          </a:bodyPr>
-          <a:lstStyle/>
-          <a:p>
-            <a:r>
-              <a:rPr lang="en-GB" sz="800" dirty="0">
-                <a:solidFill>
-                  <a:srgbClr val="FF0000"/>
-                </a:solidFill>
-                <a:cs typeface="Arial" panose="020B0604020202020204" pitchFamily="34" charset="0"/>
-              </a:rPr>
-              <a:t>ecPoint FC (estimate)</a:t>
-            </a:r>
-          </a:p>
-        </p:txBody>
-      </p:sp>
-      <p:sp>
-        <p:nvSpPr>
-          <p:cNvPr id="146" name="Oval 145">
-            <a:extLst>
-              <a:ext uri="{FF2B5EF4-FFF2-40B4-BE49-F238E27FC236}">
-                <a16:creationId xmlns:a16="http://schemas.microsoft.com/office/drawing/2014/main" id="{51B8912C-76F7-4001-8A6F-963913AAF60B}"/>
+                <a16:creationId xmlns:a16="http://schemas.microsoft.com/office/drawing/2014/main" id="{5F98A03D-2206-46A8-9514-38147D6B5E20}"/>
               </a:ext>
             </a:extLst>
           </p:cNvPr>
@@ -4669,7 +6270,7 @@
         </p:nvSpPr>
         <p:spPr>
           <a:xfrm>
-            <a:off x="1445645" y="1403555"/>
+            <a:off x="1061725" y="1479964"/>
             <a:ext cx="72000" cy="72000"/>
           </a:xfrm>
           <a:prstGeom prst="ellipse">
@@ -4703,16 +6304,20 @@
           <a:lstStyle/>
           <a:p>
             <a:pPr algn="ctr"/>
-            <a:endParaRPr lang="en-GB"/>
-          </a:p>
-        </p:txBody>
-      </p:sp>
-      <p:sp>
-        <p:nvSpPr>
-          <p:cNvPr id="147" name="Oval 146">
+            <a:endParaRPr lang="en-GB" sz="1572">
+              <a:solidFill>
+                <a:srgbClr val="FF0000"/>
+              </a:solidFill>
+            </a:endParaRPr>
+          </a:p>
+        </p:txBody>
+      </p:sp>
+      <p:sp>
+        <p:nvSpPr>
+          <p:cNvPr id="248" name="Oval 43">
             <a:extLst>
               <a:ext uri="{FF2B5EF4-FFF2-40B4-BE49-F238E27FC236}">
-                <a16:creationId xmlns:a16="http://schemas.microsoft.com/office/drawing/2014/main" id="{6C40F420-1A80-43F7-8237-E469B4ECB1DE}"/>
+                <a16:creationId xmlns:a16="http://schemas.microsoft.com/office/drawing/2014/main" id="{97C0189B-8CC0-4710-9373-C99B408E8254}"/>
               </a:ext>
             </a:extLst>
           </p:cNvPr>
@@ -4721,7 +6326,7 @@
         </p:nvSpPr>
         <p:spPr>
           <a:xfrm>
-            <a:off x="2142814" y="912490"/>
+            <a:off x="1756152" y="1473247"/>
             <a:ext cx="72000" cy="72000"/>
           </a:xfrm>
           <a:prstGeom prst="ellipse">
@@ -4755,193 +6360,20 @@
           <a:lstStyle/>
           <a:p>
             <a:pPr algn="ctr"/>
-            <a:endParaRPr lang="en-GB"/>
-          </a:p>
-        </p:txBody>
-      </p:sp>
-      <p:sp>
-        <p:nvSpPr>
-          <p:cNvPr id="148" name="Freeform: Shape 147">
+            <a:endParaRPr lang="en-GB" sz="1572">
+              <a:solidFill>
+                <a:srgbClr val="FF0000"/>
+              </a:solidFill>
+            </a:endParaRPr>
+          </a:p>
+        </p:txBody>
+      </p:sp>
+      <p:sp>
+        <p:nvSpPr>
+          <p:cNvPr id="249" name="TextBox 70">
             <a:extLst>
               <a:ext uri="{FF2B5EF4-FFF2-40B4-BE49-F238E27FC236}">
-                <a16:creationId xmlns:a16="http://schemas.microsoft.com/office/drawing/2014/main" id="{476866D5-1329-411B-8E00-6054BCDBB4BE}"/>
-              </a:ext>
-            </a:extLst>
-          </p:cNvPr>
-          <p:cNvSpPr/>
-          <p:nvPr/>
-        </p:nvSpPr>
-        <p:spPr>
-          <a:xfrm>
-            <a:off x="624320" y="710970"/>
-            <a:ext cx="1546331" cy="1336254"/>
-          </a:xfrm>
-          <a:custGeom>
-            <a:avLst/>
-            <a:gdLst>
-              <a:gd name="connsiteX0" fmla="*/ 1546331 w 1546331"/>
-              <a:gd name="connsiteY0" fmla="*/ 0 h 1336254"/>
-              <a:gd name="connsiteX1" fmla="*/ 1546331 w 1546331"/>
-              <a:gd name="connsiteY1" fmla="*/ 232370 h 1336254"/>
-              <a:gd name="connsiteX2" fmla="*/ 0 w 1546331"/>
-              <a:gd name="connsiteY2" fmla="*/ 1336254 h 1336254"/>
-            </a:gdLst>
-            <a:ahLst/>
-            <a:cxnLst>
-              <a:cxn ang="0">
-                <a:pos x="connsiteX0" y="connsiteY0"/>
-              </a:cxn>
-              <a:cxn ang="0">
-                <a:pos x="connsiteX1" y="connsiteY1"/>
-              </a:cxn>
-              <a:cxn ang="0">
-                <a:pos x="connsiteX2" y="connsiteY2"/>
-              </a:cxn>
-            </a:cxnLst>
-            <a:rect l="l" t="t" r="r" b="b"/>
-            <a:pathLst>
-              <a:path w="1546331" h="1336254">
-                <a:moveTo>
-                  <a:pt x="1546331" y="0"/>
-                </a:moveTo>
-                <a:lnTo>
-                  <a:pt x="1546331" y="232370"/>
-                </a:lnTo>
-                <a:lnTo>
-                  <a:pt x="0" y="1336254"/>
-                </a:lnTo>
-                <a:close/>
-              </a:path>
-            </a:pathLst>
-          </a:custGeom>
-          <a:solidFill>
-            <a:srgbClr val="FF33CC">
-              <a:alpha val="30000"/>
-            </a:srgbClr>
-          </a:solidFill>
-          <a:ln>
-            <a:noFill/>
-          </a:ln>
-        </p:spPr>
-        <p:style>
-          <a:lnRef idx="2">
-            <a:schemeClr val="accent1">
-              <a:shade val="50000"/>
-            </a:schemeClr>
-          </a:lnRef>
-          <a:fillRef idx="1">
-            <a:schemeClr val="accent1"/>
-          </a:fillRef>
-          <a:effectRef idx="0">
-            <a:schemeClr val="accent1"/>
-          </a:effectRef>
-          <a:fontRef idx="minor">
-            <a:schemeClr val="lt1"/>
-          </a:fontRef>
-        </p:style>
-        <p:txBody>
-          <a:bodyPr rtlCol="0" anchor="ctr"/>
-          <a:lstStyle/>
-          <a:p>
-            <a:pPr algn="ctr"/>
-            <a:endParaRPr lang="en-GB"/>
-          </a:p>
-        </p:txBody>
-      </p:sp>
-      <p:cxnSp>
-        <p:nvCxnSpPr>
-          <p:cNvPr id="149" name="Straight Arrow Connector 148">
-            <a:extLst>
-              <a:ext uri="{FF2B5EF4-FFF2-40B4-BE49-F238E27FC236}">
-                <a16:creationId xmlns:a16="http://schemas.microsoft.com/office/drawing/2014/main" id="{0D7C4CEF-49CD-4693-B536-8214DE9B278B}"/>
-              </a:ext>
-            </a:extLst>
-          </p:cNvPr>
-          <p:cNvCxnSpPr>
-            <a:cxnSpLocks/>
-          </p:cNvCxnSpPr>
-          <p:nvPr/>
-        </p:nvCxnSpPr>
-        <p:spPr>
-          <a:xfrm flipH="1" flipV="1">
-            <a:off x="1832802" y="1086827"/>
-            <a:ext cx="474422" cy="106839"/>
-          </a:xfrm>
-          <a:prstGeom prst="straightConnector1">
-            <a:avLst/>
-          </a:prstGeom>
-          <a:ln w="0" cap="sq">
-            <a:solidFill>
-              <a:srgbClr val="FF33CC"/>
-            </a:solidFill>
-            <a:headEnd w="med" len="sm"/>
-            <a:tailEnd type="diamond" w="sm" len="sm"/>
-          </a:ln>
-        </p:spPr>
-        <p:style>
-          <a:lnRef idx="1">
-            <a:schemeClr val="accent1"/>
-          </a:lnRef>
-          <a:fillRef idx="0">
-            <a:schemeClr val="accent1"/>
-          </a:fillRef>
-          <a:effectRef idx="0">
-            <a:schemeClr val="accent1"/>
-          </a:effectRef>
-          <a:fontRef idx="minor">
-            <a:schemeClr val="tx1"/>
-          </a:fontRef>
-        </p:style>
-      </p:cxnSp>
-      <p:cxnSp>
-        <p:nvCxnSpPr>
-          <p:cNvPr id="150" name="Straight Connector 149">
-            <a:extLst>
-              <a:ext uri="{FF2B5EF4-FFF2-40B4-BE49-F238E27FC236}">
-                <a16:creationId xmlns:a16="http://schemas.microsoft.com/office/drawing/2014/main" id="{E6968A13-247B-406E-A618-8B4828738B85}"/>
-              </a:ext>
-            </a:extLst>
-          </p:cNvPr>
-          <p:cNvCxnSpPr>
-            <a:cxnSpLocks/>
-          </p:cNvCxnSpPr>
-          <p:nvPr/>
-        </p:nvCxnSpPr>
-        <p:spPr>
-          <a:xfrm>
-            <a:off x="2301045" y="1190885"/>
-            <a:ext cx="677027" cy="0"/>
-          </a:xfrm>
-          <a:prstGeom prst="line">
-            <a:avLst/>
-          </a:prstGeom>
-          <a:ln w="3175">
-            <a:solidFill>
-              <a:srgbClr val="FF33CC"/>
-            </a:solidFill>
-          </a:ln>
-        </p:spPr>
-        <p:style>
-          <a:lnRef idx="1">
-            <a:schemeClr val="accent1"/>
-          </a:lnRef>
-          <a:fillRef idx="0">
-            <a:schemeClr val="accent1"/>
-          </a:fillRef>
-          <a:effectRef idx="0">
-            <a:schemeClr val="accent1"/>
-          </a:effectRef>
-          <a:fontRef idx="minor">
-            <a:schemeClr val="tx1"/>
-          </a:fontRef>
-        </p:style>
-      </p:cxnSp>
-      <p:sp>
-        <p:nvSpPr>
-          <p:cNvPr id="151" name="TextBox 150">
-            <a:extLst>
-              <a:ext uri="{FF2B5EF4-FFF2-40B4-BE49-F238E27FC236}">
-                <a16:creationId xmlns:a16="http://schemas.microsoft.com/office/drawing/2014/main" id="{15FADE80-A39C-4E9F-85C7-24A19456D068}"/>
+                <a16:creationId xmlns:a16="http://schemas.microsoft.com/office/drawing/2014/main" id="{2214F735-4E61-4DD9-AE80-41772711414C}"/>
               </a:ext>
             </a:extLst>
           </p:cNvPr>
@@ -4950,8 +6382,8 @@
         </p:nvSpPr>
         <p:spPr>
           <a:xfrm>
-            <a:off x="2217444" y="1028231"/>
-            <a:ext cx="1160049" cy="215444"/>
+            <a:off x="931705" y="1513471"/>
+            <a:ext cx="393232" cy="184666"/>
           </a:xfrm>
           <a:prstGeom prst="rect">
             <a:avLst/>
@@ -4965,115 +6397,20 @@
           <a:lstStyle/>
           <a:p>
             <a:r>
-              <a:rPr lang="en-GB" sz="800" dirty="0">
-                <a:solidFill>
-                  <a:srgbClr val="FF33CC"/>
-                </a:solidFill>
+              <a:rPr lang="en-GB" sz="600" dirty="0">
                 <a:cs typeface="Arial" panose="020B0604020202020204" pitchFamily="34" charset="0"/>
               </a:rPr>
-              <a:t>Estimated gap</a:t>
-            </a:r>
-          </a:p>
-        </p:txBody>
-      </p:sp>
-      <p:cxnSp>
-        <p:nvCxnSpPr>
-          <p:cNvPr id="152" name="Straight Arrow Connector 151">
+              <a:t>IMN</a:t>
+            </a:r>
+          </a:p>
+        </p:txBody>
+      </p:sp>
+      <p:sp>
+        <p:nvSpPr>
+          <p:cNvPr id="250" name="TextBox 70">
             <a:extLst>
               <a:ext uri="{FF2B5EF4-FFF2-40B4-BE49-F238E27FC236}">
-                <a16:creationId xmlns:a16="http://schemas.microsoft.com/office/drawing/2014/main" id="{CF5BEE33-FBCD-4B9D-9E81-8EC2F9C18506}"/>
-              </a:ext>
-            </a:extLst>
-          </p:cNvPr>
-          <p:cNvCxnSpPr>
-            <a:cxnSpLocks/>
-          </p:cNvCxnSpPr>
-          <p:nvPr/>
-        </p:nvCxnSpPr>
-        <p:spPr>
-          <a:xfrm flipV="1">
-            <a:off x="976929" y="2279386"/>
-            <a:ext cx="1260000" cy="0"/>
-          </a:xfrm>
-          <a:prstGeom prst="straightConnector1">
-            <a:avLst/>
-          </a:prstGeom>
-          <a:ln>
-            <a:solidFill>
-              <a:schemeClr val="accent6">
-                <a:lumMod val="75000"/>
-              </a:schemeClr>
-            </a:solidFill>
-            <a:tailEnd type="triangle"/>
-          </a:ln>
-        </p:spPr>
-        <p:style>
-          <a:lnRef idx="1">
-            <a:schemeClr val="accent1"/>
-          </a:lnRef>
-          <a:fillRef idx="0">
-            <a:schemeClr val="accent1"/>
-          </a:fillRef>
-          <a:effectRef idx="0">
-            <a:schemeClr val="accent1"/>
-          </a:effectRef>
-          <a:fontRef idx="minor">
-            <a:schemeClr val="tx1"/>
-          </a:fontRef>
-        </p:style>
-      </p:cxnSp>
-      <p:cxnSp>
-        <p:nvCxnSpPr>
-          <p:cNvPr id="153" name="Straight Arrow Connector 152">
-            <a:extLst>
-              <a:ext uri="{FF2B5EF4-FFF2-40B4-BE49-F238E27FC236}">
-                <a16:creationId xmlns:a16="http://schemas.microsoft.com/office/drawing/2014/main" id="{2104AB99-6E01-43DD-B865-F382F2BF1402}"/>
-              </a:ext>
-            </a:extLst>
-          </p:cNvPr>
-          <p:cNvCxnSpPr>
-            <a:cxnSpLocks/>
-          </p:cNvCxnSpPr>
-          <p:nvPr/>
-        </p:nvCxnSpPr>
-        <p:spPr>
-          <a:xfrm rot="10800000">
-            <a:off x="281146" y="492368"/>
-            <a:ext cx="1546" cy="1260000"/>
-          </a:xfrm>
-          <a:prstGeom prst="straightConnector1">
-            <a:avLst/>
-          </a:prstGeom>
-          <a:ln>
-            <a:solidFill>
-              <a:schemeClr val="accent6">
-                <a:lumMod val="75000"/>
-              </a:schemeClr>
-            </a:solidFill>
-            <a:tailEnd type="triangle"/>
-          </a:ln>
-        </p:spPr>
-        <p:style>
-          <a:lnRef idx="1">
-            <a:schemeClr val="accent1"/>
-          </a:lnRef>
-          <a:fillRef idx="0">
-            <a:schemeClr val="accent1"/>
-          </a:fillRef>
-          <a:effectRef idx="0">
-            <a:schemeClr val="accent1"/>
-          </a:effectRef>
-          <a:fontRef idx="minor">
-            <a:schemeClr val="tx1"/>
-          </a:fontRef>
-        </p:style>
-      </p:cxnSp>
-      <p:sp>
-        <p:nvSpPr>
-          <p:cNvPr id="154" name="TextBox 153">
-            <a:extLst>
-              <a:ext uri="{FF2B5EF4-FFF2-40B4-BE49-F238E27FC236}">
-                <a16:creationId xmlns:a16="http://schemas.microsoft.com/office/drawing/2014/main" id="{B116ED5D-3418-478C-A80B-3C79FA5EA377}"/>
+                <a16:creationId xmlns:a16="http://schemas.microsoft.com/office/drawing/2014/main" id="{CFC8AF12-5B6E-42EE-A94B-90B9438FFF41}"/>
               </a:ext>
             </a:extLst>
           </p:cNvPr>
@@ -5082,8 +6419,8 @@
         </p:nvSpPr>
         <p:spPr>
           <a:xfrm>
-            <a:off x="981976" y="2249148"/>
-            <a:ext cx="1249906" cy="215444"/>
+            <a:off x="1558211" y="1507878"/>
+            <a:ext cx="485931" cy="184666"/>
           </a:xfrm>
           <a:prstGeom prst="rect">
             <a:avLst/>
@@ -5096,234 +6433,39 @@
           </a:bodyPr>
           <a:lstStyle/>
           <a:p>
-            <a:pPr algn="ctr"/>
-            <a:r>
-              <a:rPr lang="en-GB" sz="800" dirty="0">
-                <a:solidFill>
-                  <a:schemeClr val="accent6">
-                    <a:lumMod val="50000"/>
-                  </a:schemeClr>
-                </a:solidFill>
+            <a:r>
+              <a:rPr lang="en-GB" sz="600" dirty="0">
                 <a:cs typeface="Arial" panose="020B0604020202020204" pitchFamily="34" charset="0"/>
               </a:rPr>
-              <a:t>Prob. FC training</a:t>
-            </a:r>
-          </a:p>
-        </p:txBody>
-      </p:sp>
-      <p:sp>
-        <p:nvSpPr>
-          <p:cNvPr id="155" name="TextBox 154">
+              <a:t>OMSZ</a:t>
+            </a:r>
+          </a:p>
+        </p:txBody>
+      </p:sp>
+      <p:cxnSp>
+        <p:nvCxnSpPr>
+          <p:cNvPr id="251" name="Straight Connector 63">
             <a:extLst>
               <a:ext uri="{FF2B5EF4-FFF2-40B4-BE49-F238E27FC236}">
-                <a16:creationId xmlns:a16="http://schemas.microsoft.com/office/drawing/2014/main" id="{CE64A30D-C032-40AE-A77E-F0CC31E36A5E}"/>
-              </a:ext>
-            </a:extLst>
-          </p:cNvPr>
-          <p:cNvSpPr txBox="1"/>
-          <p:nvPr/>
-        </p:nvSpPr>
-        <p:spPr>
-          <a:xfrm rot="16200000">
-            <a:off x="-480731" y="953091"/>
-            <a:ext cx="1249906" cy="338554"/>
-          </a:xfrm>
-          <a:prstGeom prst="rect">
-            <a:avLst/>
-          </a:prstGeom>
-          <a:noFill/>
-        </p:spPr>
-        <p:txBody>
-          <a:bodyPr wrap="square" rtlCol="0">
-            <a:spAutoFit/>
-          </a:bodyPr>
-          <a:lstStyle/>
-          <a:p>
-            <a:pPr algn="ctr"/>
-            <a:r>
-              <a:rPr lang="en-GB" sz="800" dirty="0">
-                <a:solidFill>
-                  <a:schemeClr val="accent6">
-                    <a:lumMod val="50000"/>
-                  </a:schemeClr>
-                </a:solidFill>
-                <a:cs typeface="Arial" panose="020B0604020202020204" pitchFamily="34" charset="0"/>
-              </a:rPr>
-              <a:t>Training in Prob. FC communication</a:t>
-            </a:r>
-          </a:p>
-        </p:txBody>
-      </p:sp>
-      <p:sp>
-        <p:nvSpPr>
-          <p:cNvPr id="156" name="Oval 155">
-            <a:extLst>
-              <a:ext uri="{FF2B5EF4-FFF2-40B4-BE49-F238E27FC236}">
-                <a16:creationId xmlns:a16="http://schemas.microsoft.com/office/drawing/2014/main" id="{A1953EBF-74B3-45CF-8FFB-F2311C2027A3}"/>
-              </a:ext>
-            </a:extLst>
-          </p:cNvPr>
-          <p:cNvSpPr/>
-          <p:nvPr/>
-        </p:nvSpPr>
-        <p:spPr>
-          <a:xfrm>
-            <a:off x="1440041" y="1276491"/>
-            <a:ext cx="72000" cy="72000"/>
-          </a:xfrm>
-          <a:prstGeom prst="ellipse">
-            <a:avLst/>
-          </a:prstGeom>
-          <a:solidFill>
-            <a:srgbClr val="0000FF"/>
-          </a:solidFill>
-          <a:ln>
-            <a:noFill/>
-          </a:ln>
-        </p:spPr>
-        <p:style>
-          <a:lnRef idx="2">
-            <a:schemeClr val="accent1">
-              <a:shade val="50000"/>
-            </a:schemeClr>
-          </a:lnRef>
-          <a:fillRef idx="1">
-            <a:schemeClr val="accent1"/>
-          </a:fillRef>
-          <a:effectRef idx="0">
-            <a:schemeClr val="accent1"/>
-          </a:effectRef>
-          <a:fontRef idx="minor">
-            <a:schemeClr val="lt1"/>
-          </a:fontRef>
-        </p:style>
-        <p:txBody>
-          <a:bodyPr rtlCol="0" anchor="ctr"/>
-          <a:lstStyle/>
-          <a:p>
-            <a:pPr algn="ctr"/>
-            <a:endParaRPr lang="en-GB"/>
-          </a:p>
-        </p:txBody>
-      </p:sp>
-      <p:sp>
-        <p:nvSpPr>
-          <p:cNvPr id="157" name="Oval 156">
-            <a:extLst>
-              <a:ext uri="{FF2B5EF4-FFF2-40B4-BE49-F238E27FC236}">
-                <a16:creationId xmlns:a16="http://schemas.microsoft.com/office/drawing/2014/main" id="{8B743732-842B-4E6A-9ABE-4D7766E04B16}"/>
-              </a:ext>
-            </a:extLst>
-          </p:cNvPr>
-          <p:cNvSpPr/>
-          <p:nvPr/>
-        </p:nvSpPr>
-        <p:spPr>
-          <a:xfrm>
-            <a:off x="2142814" y="666997"/>
-            <a:ext cx="72000" cy="72000"/>
-          </a:xfrm>
-          <a:prstGeom prst="ellipse">
-            <a:avLst/>
-          </a:prstGeom>
-          <a:solidFill>
-            <a:srgbClr val="0000FF"/>
-          </a:solidFill>
-          <a:ln>
-            <a:noFill/>
-          </a:ln>
-        </p:spPr>
-        <p:style>
-          <a:lnRef idx="2">
-            <a:schemeClr val="accent1">
-              <a:shade val="50000"/>
-            </a:schemeClr>
-          </a:lnRef>
-          <a:fillRef idx="1">
-            <a:schemeClr val="accent1"/>
-          </a:fillRef>
-          <a:effectRef idx="0">
-            <a:schemeClr val="accent1"/>
-          </a:effectRef>
-          <a:fontRef idx="minor">
-            <a:schemeClr val="lt1"/>
-          </a:fontRef>
-        </p:style>
-        <p:txBody>
-          <a:bodyPr rtlCol="0" anchor="ctr"/>
-          <a:lstStyle/>
-          <a:p>
-            <a:pPr algn="ctr"/>
-            <a:endParaRPr lang="en-GB"/>
-          </a:p>
-        </p:txBody>
-      </p:sp>
-      <p:sp>
-        <p:nvSpPr>
-          <p:cNvPr id="158" name="TextBox 48">
-            <a:extLst>
-              <a:ext uri="{FF2B5EF4-FFF2-40B4-BE49-F238E27FC236}">
-                <a16:creationId xmlns:a16="http://schemas.microsoft.com/office/drawing/2014/main" id="{B3B723C9-4F75-4C9D-A6B4-03B3C3059697}"/>
-              </a:ext>
-            </a:extLst>
-          </p:cNvPr>
-          <p:cNvSpPr txBox="1"/>
-          <p:nvPr/>
-        </p:nvSpPr>
-        <p:spPr>
-          <a:xfrm>
-            <a:off x="2141182" y="1419679"/>
-            <a:ext cx="1229433" cy="215444"/>
-          </a:xfrm>
-          <a:prstGeom prst="rect">
-            <a:avLst/>
-          </a:prstGeom>
-          <a:noFill/>
-          <a:ln>
-            <a:noFill/>
-          </a:ln>
-        </p:spPr>
-        <p:txBody>
-          <a:bodyPr wrap="square" rtlCol="0">
-            <a:spAutoFit/>
-          </a:bodyPr>
-          <a:lstStyle/>
-          <a:p>
-            <a:r>
-              <a:rPr lang="en-GB" sz="800" dirty="0">
-                <a:solidFill>
-                  <a:srgbClr val="FF0000"/>
-                </a:solidFill>
-                <a:cs typeface="Arial" panose="020B0604020202020204" pitchFamily="34" charset="0"/>
-              </a:rPr>
-              <a:t>ecPoint FC (observed)</a:t>
-            </a:r>
-          </a:p>
-        </p:txBody>
-      </p:sp>
-      <p:cxnSp>
-        <p:nvCxnSpPr>
-          <p:cNvPr id="159" name="Straight Connector 63">
-            <a:extLst>
-              <a:ext uri="{FF2B5EF4-FFF2-40B4-BE49-F238E27FC236}">
-                <a16:creationId xmlns:a16="http://schemas.microsoft.com/office/drawing/2014/main" id="{21E19572-AA4B-4D8B-A926-033E574726C2}"/>
+                <a16:creationId xmlns:a16="http://schemas.microsoft.com/office/drawing/2014/main" id="{2465785C-6A86-49E9-9934-7E3F6B0F456A}"/>
               </a:ext>
             </a:extLst>
           </p:cNvPr>
           <p:cNvCxnSpPr>
             <a:cxnSpLocks/>
+            <a:endCxn id="248" idx="6"/>
           </p:cNvCxnSpPr>
           <p:nvPr/>
         </p:nvCxnSpPr>
         <p:spPr>
-          <a:xfrm flipV="1">
-            <a:off x="637276" y="1519889"/>
-            <a:ext cx="864000" cy="522000"/>
+          <a:xfrm>
+            <a:off x="1119435" y="1509247"/>
+            <a:ext cx="684000" cy="0"/>
           </a:xfrm>
           <a:prstGeom prst="line">
             <a:avLst/>
           </a:prstGeom>
-          <a:ln w="28575">
+          <a:ln w="12700">
             <a:solidFill>
               <a:srgbClr val="FF0000"/>
             </a:solidFill>
@@ -5347,10 +6489,75 @@
       </p:cxnSp>
       <p:sp>
         <p:nvSpPr>
-          <p:cNvPr id="160" name="Oval 74">
+          <p:cNvPr id="252" name="TextBox 48">
             <a:extLst>
               <a:ext uri="{FF2B5EF4-FFF2-40B4-BE49-F238E27FC236}">
-                <a16:creationId xmlns:a16="http://schemas.microsoft.com/office/drawing/2014/main" id="{76F0BFA6-50E1-4DD5-9533-3196A2E398D5}"/>
+                <a16:creationId xmlns:a16="http://schemas.microsoft.com/office/drawing/2014/main" id="{45FD676A-AC86-468E-B771-011A278F8CEE}"/>
+              </a:ext>
+            </a:extLst>
+          </p:cNvPr>
+          <p:cNvSpPr txBox="1"/>
+          <p:nvPr/>
+        </p:nvSpPr>
+        <p:spPr>
+          <a:xfrm>
+            <a:off x="1780646" y="364412"/>
+            <a:ext cx="608498" cy="369332"/>
+          </a:xfrm>
+          <a:prstGeom prst="rect">
+            <a:avLst/>
+          </a:prstGeom>
+          <a:noFill/>
+          <a:ln>
+            <a:noFill/>
+          </a:ln>
+        </p:spPr>
+        <p:txBody>
+          <a:bodyPr wrap="square" rtlCol="0">
+            <a:spAutoFit/>
+          </a:bodyPr>
+          <a:lstStyle/>
+          <a:p>
+            <a:r>
+              <a:rPr lang="en-GB" sz="600" dirty="0">
+                <a:solidFill>
+                  <a:srgbClr val="FF0000"/>
+                </a:solidFill>
+                <a:cs typeface="Arial" panose="020B0604020202020204" pitchFamily="34" charset="0"/>
+              </a:rPr>
+              <a:t>ecPoint FC </a:t>
+            </a:r>
+          </a:p>
+          <a:p>
+            <a:r>
+              <a:rPr lang="en-GB" sz="600" dirty="0">
+                <a:solidFill>
+                  <a:srgbClr val="FF0000"/>
+                </a:solidFill>
+                <a:cs typeface="Arial" panose="020B0604020202020204" pitchFamily="34" charset="0"/>
+              </a:rPr>
+              <a:t>(after “offline </a:t>
+            </a:r>
+          </a:p>
+          <a:p>
+            <a:r>
+              <a:rPr lang="en-GB" sz="600" dirty="0">
+                <a:solidFill>
+                  <a:srgbClr val="FF0000"/>
+                </a:solidFill>
+                <a:cs typeface="Arial" panose="020B0604020202020204" pitchFamily="34" charset="0"/>
+              </a:rPr>
+              <a:t>phase”)</a:t>
+            </a:r>
+          </a:p>
+        </p:txBody>
+      </p:sp>
+      <p:sp>
+        <p:nvSpPr>
+          <p:cNvPr id="253" name="Oval 252">
+            <a:extLst>
+              <a:ext uri="{FF2B5EF4-FFF2-40B4-BE49-F238E27FC236}">
+                <a16:creationId xmlns:a16="http://schemas.microsoft.com/office/drawing/2014/main" id="{D90AA1D3-6B05-4E57-B92C-2516341C7774}"/>
               </a:ext>
             </a:extLst>
           </p:cNvPr>
@@ -5359,7 +6566,7 @@
         </p:nvSpPr>
         <p:spPr>
           <a:xfrm>
-            <a:off x="700831" y="1966422"/>
+            <a:off x="325457" y="1876794"/>
             <a:ext cx="72000" cy="72000"/>
           </a:xfrm>
           <a:prstGeom prst="ellipse">
@@ -5393,20 +6600,16 @@
           <a:lstStyle/>
           <a:p>
             <a:pPr algn="ctr"/>
-            <a:endParaRPr lang="en-GB" sz="1572">
-              <a:solidFill>
-                <a:srgbClr val="FF0000"/>
-              </a:solidFill>
-            </a:endParaRPr>
-          </a:p>
-        </p:txBody>
-      </p:sp>
-      <p:sp>
-        <p:nvSpPr>
-          <p:cNvPr id="161" name="Oval 34">
+            <a:endParaRPr lang="en-GB" sz="600"/>
+          </a:p>
+        </p:txBody>
+      </p:sp>
+      <p:sp>
+        <p:nvSpPr>
+          <p:cNvPr id="254" name="Oval 253">
             <a:extLst>
               <a:ext uri="{FF2B5EF4-FFF2-40B4-BE49-F238E27FC236}">
-                <a16:creationId xmlns:a16="http://schemas.microsoft.com/office/drawing/2014/main" id="{4851B2E3-A735-458C-AD34-86837021656B}"/>
+                <a16:creationId xmlns:a16="http://schemas.microsoft.com/office/drawing/2014/main" id="{0362DD85-5ABE-439C-BCB2-4A8101C5FE51}"/>
               </a:ext>
             </a:extLst>
           </p:cNvPr>
@@ -5415,7 +6618,7 @@
         </p:nvSpPr>
         <p:spPr>
           <a:xfrm>
-            <a:off x="1442803" y="1504583"/>
+            <a:off x="1065825" y="1166870"/>
             <a:ext cx="72000" cy="72000"/>
           </a:xfrm>
           <a:prstGeom prst="ellipse">
@@ -5449,20 +6652,16 @@
           <a:lstStyle/>
           <a:p>
             <a:pPr algn="ctr"/>
-            <a:endParaRPr lang="en-GB" sz="1572">
-              <a:solidFill>
-                <a:srgbClr val="FF0000"/>
-              </a:solidFill>
-            </a:endParaRPr>
-          </a:p>
-        </p:txBody>
-      </p:sp>
-      <p:sp>
-        <p:nvSpPr>
-          <p:cNvPr id="162" name="Oval 43">
+            <a:endParaRPr lang="en-GB" sz="600"/>
+          </a:p>
+        </p:txBody>
+      </p:sp>
+      <p:sp>
+        <p:nvSpPr>
+          <p:cNvPr id="255" name="Oval 254">
             <a:extLst>
               <a:ext uri="{FF2B5EF4-FFF2-40B4-BE49-F238E27FC236}">
-                <a16:creationId xmlns:a16="http://schemas.microsoft.com/office/drawing/2014/main" id="{31FDEF19-37DD-4615-BCE2-9D54DFAC4CE5}"/>
+                <a16:creationId xmlns:a16="http://schemas.microsoft.com/office/drawing/2014/main" id="{0395CF60-4F09-430F-9617-4B5EDF52357C}"/>
               </a:ext>
             </a:extLst>
           </p:cNvPr>
@@ -5471,7 +6670,7 @@
         </p:nvSpPr>
         <p:spPr>
           <a:xfrm>
-            <a:off x="2137230" y="1497866"/>
+            <a:off x="1773453" y="526417"/>
             <a:ext cx="72000" cy="72000"/>
           </a:xfrm>
           <a:prstGeom prst="ellipse">
@@ -5505,265 +6704,14 @@
           <a:lstStyle/>
           <a:p>
             <a:pPr algn="ctr"/>
-            <a:endParaRPr lang="en-GB" sz="1572">
-              <a:solidFill>
-                <a:srgbClr val="FF0000"/>
-              </a:solidFill>
-            </a:endParaRPr>
-          </a:p>
-        </p:txBody>
-      </p:sp>
-      <p:sp>
-        <p:nvSpPr>
-          <p:cNvPr id="163" name="TextBox 70">
-            <a:extLst>
-              <a:ext uri="{FF2B5EF4-FFF2-40B4-BE49-F238E27FC236}">
-                <a16:creationId xmlns:a16="http://schemas.microsoft.com/office/drawing/2014/main" id="{6D4AA04D-1BA2-4E1B-8945-B0CC772F620A}"/>
-              </a:ext>
-            </a:extLst>
-          </p:cNvPr>
-          <p:cNvSpPr txBox="1"/>
-          <p:nvPr/>
-        </p:nvSpPr>
-        <p:spPr>
-          <a:xfrm>
-            <a:off x="1362710" y="1533794"/>
-            <a:ext cx="393232" cy="215444"/>
-          </a:xfrm>
-          <a:prstGeom prst="rect">
-            <a:avLst/>
-          </a:prstGeom>
-          <a:noFill/>
-        </p:spPr>
-        <p:txBody>
-          <a:bodyPr wrap="square" rtlCol="0">
-            <a:spAutoFit/>
-          </a:bodyPr>
-          <a:lstStyle/>
-          <a:p>
-            <a:r>
-              <a:rPr lang="en-GB" sz="800" dirty="0">
-                <a:cs typeface="Arial" panose="020B0604020202020204" pitchFamily="34" charset="0"/>
-              </a:rPr>
-              <a:t>IMN</a:t>
-            </a:r>
-          </a:p>
-        </p:txBody>
-      </p:sp>
-      <p:sp>
-        <p:nvSpPr>
-          <p:cNvPr id="164" name="TextBox 70">
-            <a:extLst>
-              <a:ext uri="{FF2B5EF4-FFF2-40B4-BE49-F238E27FC236}">
-                <a16:creationId xmlns:a16="http://schemas.microsoft.com/office/drawing/2014/main" id="{65A8B8C1-8F38-411A-BDA0-ECC9FB534B81}"/>
-              </a:ext>
-            </a:extLst>
-          </p:cNvPr>
-          <p:cNvSpPr txBox="1"/>
-          <p:nvPr/>
-        </p:nvSpPr>
-        <p:spPr>
-          <a:xfrm>
-            <a:off x="1923686" y="1531791"/>
-            <a:ext cx="485931" cy="215444"/>
-          </a:xfrm>
-          <a:prstGeom prst="rect">
-            <a:avLst/>
-          </a:prstGeom>
-          <a:noFill/>
-        </p:spPr>
-        <p:txBody>
-          <a:bodyPr wrap="square" rtlCol="0">
-            <a:spAutoFit/>
-          </a:bodyPr>
-          <a:lstStyle/>
-          <a:p>
-            <a:r>
-              <a:rPr lang="en-GB" sz="800" dirty="0">
-                <a:cs typeface="Arial" panose="020B0604020202020204" pitchFamily="34" charset="0"/>
-              </a:rPr>
-              <a:t>OMSZ</a:t>
-            </a:r>
-          </a:p>
-        </p:txBody>
-      </p:sp>
-      <p:cxnSp>
-        <p:nvCxnSpPr>
-          <p:cNvPr id="165" name="Straight Connector 63">
-            <a:extLst>
-              <a:ext uri="{FF2B5EF4-FFF2-40B4-BE49-F238E27FC236}">
-                <a16:creationId xmlns:a16="http://schemas.microsoft.com/office/drawing/2014/main" id="{A1450339-08CB-40DF-87A0-CE03925BB3A1}"/>
-              </a:ext>
-            </a:extLst>
-          </p:cNvPr>
-          <p:cNvCxnSpPr>
-            <a:cxnSpLocks/>
-            <a:endCxn id="162" idx="6"/>
-          </p:cNvCxnSpPr>
-          <p:nvPr/>
-        </p:nvCxnSpPr>
-        <p:spPr>
-          <a:xfrm>
-            <a:off x="1500513" y="1533866"/>
-            <a:ext cx="684000" cy="0"/>
-          </a:xfrm>
-          <a:prstGeom prst="line">
-            <a:avLst/>
-          </a:prstGeom>
-          <a:ln w="28575">
-            <a:solidFill>
-              <a:srgbClr val="FF0000"/>
-            </a:solidFill>
-            <a:prstDash val="solid"/>
-          </a:ln>
-        </p:spPr>
-        <p:style>
-          <a:lnRef idx="1">
-            <a:schemeClr val="accent1"/>
-          </a:lnRef>
-          <a:fillRef idx="0">
-            <a:schemeClr val="accent1"/>
-          </a:fillRef>
-          <a:effectRef idx="0">
-            <a:schemeClr val="accent1"/>
-          </a:effectRef>
-          <a:fontRef idx="minor">
-            <a:schemeClr val="tx1"/>
-          </a:fontRef>
-        </p:style>
-      </p:cxnSp>
-      <p:cxnSp>
-        <p:nvCxnSpPr>
-          <p:cNvPr id="166" name="Straight Arrow Connector 165">
-            <a:extLst>
-              <a:ext uri="{FF2B5EF4-FFF2-40B4-BE49-F238E27FC236}">
-                <a16:creationId xmlns:a16="http://schemas.microsoft.com/office/drawing/2014/main" id="{414061A2-ECF1-4754-ADF2-51241B983E4A}"/>
-              </a:ext>
-            </a:extLst>
-          </p:cNvPr>
-          <p:cNvCxnSpPr>
-            <a:cxnSpLocks/>
-          </p:cNvCxnSpPr>
-          <p:nvPr/>
-        </p:nvCxnSpPr>
-        <p:spPr>
-          <a:xfrm flipH="1" flipV="1">
-            <a:off x="1974823" y="1294116"/>
-            <a:ext cx="234320" cy="114231"/>
-          </a:xfrm>
-          <a:prstGeom prst="straightConnector1">
-            <a:avLst/>
-          </a:prstGeom>
-          <a:ln w="0" cap="sq">
-            <a:solidFill>
-              <a:srgbClr val="FF33CC"/>
-            </a:solidFill>
-            <a:headEnd w="med" len="sm"/>
-            <a:tailEnd type="diamond" w="sm" len="sm"/>
-          </a:ln>
-        </p:spPr>
-        <p:style>
-          <a:lnRef idx="1">
-            <a:schemeClr val="accent1"/>
-          </a:lnRef>
-          <a:fillRef idx="0">
-            <a:schemeClr val="accent1"/>
-          </a:fillRef>
-          <a:effectRef idx="0">
-            <a:schemeClr val="accent1"/>
-          </a:effectRef>
-          <a:fontRef idx="minor">
-            <a:schemeClr val="tx1"/>
-          </a:fontRef>
-        </p:style>
-      </p:cxnSp>
-      <p:cxnSp>
-        <p:nvCxnSpPr>
-          <p:cNvPr id="167" name="Straight Connector 166">
-            <a:extLst>
-              <a:ext uri="{FF2B5EF4-FFF2-40B4-BE49-F238E27FC236}">
-                <a16:creationId xmlns:a16="http://schemas.microsoft.com/office/drawing/2014/main" id="{5DDE5355-0A18-4026-985F-C4E75DED6F89}"/>
-              </a:ext>
-            </a:extLst>
-          </p:cNvPr>
-          <p:cNvCxnSpPr>
-            <a:cxnSpLocks/>
-          </p:cNvCxnSpPr>
-          <p:nvPr/>
-        </p:nvCxnSpPr>
-        <p:spPr>
-          <a:xfrm>
-            <a:off x="2210209" y="1408181"/>
-            <a:ext cx="669817" cy="1798"/>
-          </a:xfrm>
-          <a:prstGeom prst="line">
-            <a:avLst/>
-          </a:prstGeom>
-          <a:ln w="3175">
-            <a:solidFill>
-              <a:srgbClr val="FF33CC"/>
-            </a:solidFill>
-          </a:ln>
-        </p:spPr>
-        <p:style>
-          <a:lnRef idx="1">
-            <a:schemeClr val="accent1"/>
-          </a:lnRef>
-          <a:fillRef idx="0">
-            <a:schemeClr val="accent1"/>
-          </a:fillRef>
-          <a:effectRef idx="0">
-            <a:schemeClr val="accent1"/>
-          </a:effectRef>
-          <a:fontRef idx="minor">
-            <a:schemeClr val="tx1"/>
-          </a:fontRef>
-        </p:style>
-      </p:cxnSp>
-      <p:sp>
-        <p:nvSpPr>
-          <p:cNvPr id="168" name="TextBox 167">
-            <a:extLst>
-              <a:ext uri="{FF2B5EF4-FFF2-40B4-BE49-F238E27FC236}">
-                <a16:creationId xmlns:a16="http://schemas.microsoft.com/office/drawing/2014/main" id="{E516D3E9-1341-430B-B1E7-5B2EA93074B2}"/>
-              </a:ext>
-            </a:extLst>
-          </p:cNvPr>
-          <p:cNvSpPr txBox="1"/>
-          <p:nvPr/>
-        </p:nvSpPr>
-        <p:spPr>
-          <a:xfrm>
-            <a:off x="2120801" y="1239706"/>
-            <a:ext cx="1160049" cy="215444"/>
-          </a:xfrm>
-          <a:prstGeom prst="rect">
-            <a:avLst/>
-          </a:prstGeom>
-          <a:noFill/>
-        </p:spPr>
-        <p:txBody>
-          <a:bodyPr wrap="square" rtlCol="0">
-            <a:spAutoFit/>
-          </a:bodyPr>
-          <a:lstStyle/>
-          <a:p>
-            <a:r>
-              <a:rPr lang="en-GB" sz="800" dirty="0">
-                <a:solidFill>
-                  <a:srgbClr val="FF33CC"/>
-                </a:solidFill>
-                <a:cs typeface="Arial" panose="020B0604020202020204" pitchFamily="34" charset="0"/>
-              </a:rPr>
-              <a:t>Observed gap</a:t>
-            </a:r>
+            <a:endParaRPr lang="en-GB" sz="600"/>
           </a:p>
         </p:txBody>
       </p:sp>
     </p:spTree>
     <p:extLst>
       <p:ext uri="{BB962C8B-B14F-4D97-AF65-F5344CB8AC3E}">
-        <p14:creationId xmlns:p14="http://schemas.microsoft.com/office/powerpoint/2010/main" val="1084030898"/>
+        <p14:creationId xmlns:p14="http://schemas.microsoft.com/office/powerpoint/2010/main" val="142998642"/>
       </p:ext>
     </p:extLst>
   </p:cSld>
